--- a/slides/DAQ.pptx
+++ b/slides/DAQ.pptx
@@ -5,7 +5,7 @@
     <p:sldMasterId id="2147483648" r:id="rId1"/>
   </p:sldMasterIdLst>
   <p:notesMasterIdLst>
-    <p:notesMasterId r:id="rId73"/>
+    <p:notesMasterId r:id="rId75"/>
   </p:notesMasterIdLst>
   <p:sldIdLst>
     <p:sldId id="280" r:id="rId2"/>
@@ -18,67 +18,69 @@
     <p:sldId id="257" r:id="rId9"/>
     <p:sldId id="260" r:id="rId10"/>
     <p:sldId id="261" r:id="rId11"/>
-    <p:sldId id="264" r:id="rId12"/>
-    <p:sldId id="262" r:id="rId13"/>
-    <p:sldId id="263" r:id="rId14"/>
-    <p:sldId id="265" r:id="rId15"/>
-    <p:sldId id="266" r:id="rId16"/>
-    <p:sldId id="282" r:id="rId17"/>
-    <p:sldId id="301" r:id="rId18"/>
-    <p:sldId id="291" r:id="rId19"/>
-    <p:sldId id="298" r:id="rId20"/>
-    <p:sldId id="300" r:id="rId21"/>
-    <p:sldId id="299" r:id="rId22"/>
-    <p:sldId id="302" r:id="rId23"/>
-    <p:sldId id="285" r:id="rId24"/>
-    <p:sldId id="286" r:id="rId25"/>
-    <p:sldId id="305" r:id="rId26"/>
-    <p:sldId id="287" r:id="rId27"/>
-    <p:sldId id="288" r:id="rId28"/>
-    <p:sldId id="289" r:id="rId29"/>
-    <p:sldId id="290" r:id="rId30"/>
-    <p:sldId id="295" r:id="rId31"/>
-    <p:sldId id="283" r:id="rId32"/>
-    <p:sldId id="284" r:id="rId33"/>
-    <p:sldId id="306" r:id="rId34"/>
-    <p:sldId id="292" r:id="rId35"/>
-    <p:sldId id="293" r:id="rId36"/>
-    <p:sldId id="303" r:id="rId37"/>
-    <p:sldId id="304" r:id="rId38"/>
-    <p:sldId id="297" r:id="rId39"/>
-    <p:sldId id="294" r:id="rId40"/>
-    <p:sldId id="338" r:id="rId41"/>
-    <p:sldId id="307" r:id="rId42"/>
-    <p:sldId id="325" r:id="rId43"/>
-    <p:sldId id="328" r:id="rId44"/>
-    <p:sldId id="326" r:id="rId45"/>
-    <p:sldId id="327" r:id="rId46"/>
-    <p:sldId id="308" r:id="rId47"/>
-    <p:sldId id="309" r:id="rId48"/>
-    <p:sldId id="310" r:id="rId49"/>
-    <p:sldId id="311" r:id="rId50"/>
-    <p:sldId id="312" r:id="rId51"/>
-    <p:sldId id="313" r:id="rId52"/>
-    <p:sldId id="314" r:id="rId53"/>
-    <p:sldId id="315" r:id="rId54"/>
-    <p:sldId id="316" r:id="rId55"/>
-    <p:sldId id="317" r:id="rId56"/>
-    <p:sldId id="318" r:id="rId57"/>
-    <p:sldId id="319" r:id="rId58"/>
-    <p:sldId id="320" r:id="rId59"/>
-    <p:sldId id="321" r:id="rId60"/>
-    <p:sldId id="322" r:id="rId61"/>
-    <p:sldId id="331" r:id="rId62"/>
-    <p:sldId id="323" r:id="rId63"/>
-    <p:sldId id="324" r:id="rId64"/>
-    <p:sldId id="332" r:id="rId65"/>
-    <p:sldId id="333" r:id="rId66"/>
-    <p:sldId id="334" r:id="rId67"/>
-    <p:sldId id="335" r:id="rId68"/>
-    <p:sldId id="336" r:id="rId69"/>
-    <p:sldId id="337" r:id="rId70"/>
-    <p:sldId id="329" r:id="rId71"/>
-    <p:sldId id="330" r:id="rId72"/>
+    <p:sldId id="339" r:id="rId12"/>
+    <p:sldId id="340" r:id="rId13"/>
+    <p:sldId id="264" r:id="rId14"/>
+    <p:sldId id="262" r:id="rId15"/>
+    <p:sldId id="263" r:id="rId16"/>
+    <p:sldId id="265" r:id="rId17"/>
+    <p:sldId id="266" r:id="rId18"/>
+    <p:sldId id="282" r:id="rId19"/>
+    <p:sldId id="301" r:id="rId20"/>
+    <p:sldId id="291" r:id="rId21"/>
+    <p:sldId id="298" r:id="rId22"/>
+    <p:sldId id="300" r:id="rId23"/>
+    <p:sldId id="299" r:id="rId24"/>
+    <p:sldId id="302" r:id="rId25"/>
+    <p:sldId id="285" r:id="rId26"/>
+    <p:sldId id="286" r:id="rId27"/>
+    <p:sldId id="305" r:id="rId28"/>
+    <p:sldId id="287" r:id="rId29"/>
+    <p:sldId id="288" r:id="rId30"/>
+    <p:sldId id="289" r:id="rId31"/>
+    <p:sldId id="290" r:id="rId32"/>
+    <p:sldId id="295" r:id="rId33"/>
+    <p:sldId id="283" r:id="rId34"/>
+    <p:sldId id="284" r:id="rId35"/>
+    <p:sldId id="306" r:id="rId36"/>
+    <p:sldId id="292" r:id="rId37"/>
+    <p:sldId id="293" r:id="rId38"/>
+    <p:sldId id="303" r:id="rId39"/>
+    <p:sldId id="304" r:id="rId40"/>
+    <p:sldId id="297" r:id="rId41"/>
+    <p:sldId id="294" r:id="rId42"/>
+    <p:sldId id="338" r:id="rId43"/>
+    <p:sldId id="307" r:id="rId44"/>
+    <p:sldId id="325" r:id="rId45"/>
+    <p:sldId id="328" r:id="rId46"/>
+    <p:sldId id="326" r:id="rId47"/>
+    <p:sldId id="327" r:id="rId48"/>
+    <p:sldId id="308" r:id="rId49"/>
+    <p:sldId id="309" r:id="rId50"/>
+    <p:sldId id="310" r:id="rId51"/>
+    <p:sldId id="311" r:id="rId52"/>
+    <p:sldId id="312" r:id="rId53"/>
+    <p:sldId id="313" r:id="rId54"/>
+    <p:sldId id="314" r:id="rId55"/>
+    <p:sldId id="315" r:id="rId56"/>
+    <p:sldId id="316" r:id="rId57"/>
+    <p:sldId id="317" r:id="rId58"/>
+    <p:sldId id="318" r:id="rId59"/>
+    <p:sldId id="319" r:id="rId60"/>
+    <p:sldId id="320" r:id="rId61"/>
+    <p:sldId id="321" r:id="rId62"/>
+    <p:sldId id="322" r:id="rId63"/>
+    <p:sldId id="331" r:id="rId64"/>
+    <p:sldId id="323" r:id="rId65"/>
+    <p:sldId id="324" r:id="rId66"/>
+    <p:sldId id="332" r:id="rId67"/>
+    <p:sldId id="333" r:id="rId68"/>
+    <p:sldId id="334" r:id="rId69"/>
+    <p:sldId id="335" r:id="rId70"/>
+    <p:sldId id="336" r:id="rId71"/>
+    <p:sldId id="337" r:id="rId72"/>
+    <p:sldId id="329" r:id="rId73"/>
+    <p:sldId id="330" r:id="rId74"/>
   </p:sldIdLst>
   <p:sldSz cx="9144000" cy="6858000" type="screen4x3"/>
   <p:notesSz cx="6858000" cy="9144000"/>
@@ -263,7 +265,7 @@
             <a:fld id="{54AC8EA5-CEF4-41E8-99D2-78102674A772}" type="datetimeFigureOut">
               <a:rPr lang="en-US" smtClean="0"/>
               <a:pPr/>
-              <a:t>12/28/2015</a:t>
+              <a:t>1/27/2016</a:t>
             </a:fld>
             <a:endParaRPr lang="en-US"/>
           </a:p>
@@ -432,6 +434,11 @@
         </p:txBody>
       </p:sp>
     </p:spTree>
+    <p:extLst>
+      <p:ext uri="{BB962C8B-B14F-4D97-AF65-F5344CB8AC3E}">
+        <p14:creationId xmlns:p14="http://schemas.microsoft.com/office/powerpoint/2010/main" val="190439037"/>
+      </p:ext>
+    </p:extLst>
   </p:cSld>
   <p:clrMap bg1="lt1" tx1="dk1" bg2="lt2" tx2="dk2" accent1="accent1" accent2="accent2" accent3="accent3" accent4="accent4" accent5="accent5" accent6="accent6" hlink="hlink" folHlink="folHlink"/>
   <p:notesStyle>
@@ -765,7 +772,7 @@
             <a:fld id="{B912183F-A14E-407D-8D23-74E64BA7594D}" type="slidenum">
               <a:rPr lang="en-US" smtClean="0"/>
               <a:pPr/>
-              <a:t>54</a:t>
+              <a:t>56</a:t>
             </a:fld>
             <a:endParaRPr lang="en-US"/>
           </a:p>
@@ -851,7 +858,7 @@
             <a:fld id="{B912183F-A14E-407D-8D23-74E64BA7594D}" type="slidenum">
               <a:rPr lang="en-US" smtClean="0"/>
               <a:pPr/>
-              <a:t>55</a:t>
+              <a:t>57</a:t>
             </a:fld>
             <a:endParaRPr lang="en-US"/>
           </a:p>
@@ -937,7 +944,7 @@
             <a:fld id="{B912183F-A14E-407D-8D23-74E64BA7594D}" type="slidenum">
               <a:rPr lang="en-US" smtClean="0"/>
               <a:pPr/>
-              <a:t>56</a:t>
+              <a:t>58</a:t>
             </a:fld>
             <a:endParaRPr lang="en-US"/>
           </a:p>
@@ -1023,7 +1030,7 @@
             <a:fld id="{B912183F-A14E-407D-8D23-74E64BA7594D}" type="slidenum">
               <a:rPr lang="en-US" smtClean="0"/>
               <a:pPr/>
-              <a:t>57</a:t>
+              <a:t>59</a:t>
             </a:fld>
             <a:endParaRPr lang="en-US"/>
           </a:p>
@@ -1109,7 +1116,7 @@
             <a:fld id="{B912183F-A14E-407D-8D23-74E64BA7594D}" type="slidenum">
               <a:rPr lang="en-US" smtClean="0"/>
               <a:pPr/>
-              <a:t>58</a:t>
+              <a:t>60</a:t>
             </a:fld>
             <a:endParaRPr lang="en-US"/>
           </a:p>
@@ -1195,7 +1202,7 @@
             <a:fld id="{B912183F-A14E-407D-8D23-74E64BA7594D}" type="slidenum">
               <a:rPr lang="en-US" smtClean="0"/>
               <a:pPr/>
-              <a:t>59</a:t>
+              <a:t>61</a:t>
             </a:fld>
             <a:endParaRPr lang="en-US"/>
           </a:p>
@@ -1281,7 +1288,7 @@
             <a:fld id="{B912183F-A14E-407D-8D23-74E64BA7594D}" type="slidenum">
               <a:rPr lang="en-US" smtClean="0"/>
               <a:pPr/>
-              <a:t>60</a:t>
+              <a:t>62</a:t>
             </a:fld>
             <a:endParaRPr lang="en-US"/>
           </a:p>
@@ -5007,7 +5014,27 @@
                   </a:schemeClr>
                 </a:solidFill>
               </a:rPr>
-              <a:t>Analog: voltage, current, etc.</a:t>
+              <a:t>Analog: voltage, current</a:t>
+            </a:r>
+            <a:r>
+              <a:rPr lang="en-US" dirty="0" smtClean="0">
+                <a:solidFill>
+                  <a:schemeClr val="bg1">
+                    <a:lumMod val="65000"/>
+                  </a:schemeClr>
+                </a:solidFill>
+              </a:rPr>
+              <a:t>, impedance, </a:t>
+            </a:r>
+            <a:r>
+              <a:rPr lang="en-US" dirty="0" smtClean="0">
+                <a:solidFill>
+                  <a:schemeClr val="bg1">
+                    <a:lumMod val="65000"/>
+                  </a:schemeClr>
+                </a:solidFill>
+              </a:rPr>
+              <a:t>etc.</a:t>
             </a:r>
             <a:endParaRPr lang="en-US" b="0" dirty="0" smtClean="0">
               <a:solidFill>
@@ -5871,6 +5898,383 @@
       </p:grpSpPr>
       <p:sp>
         <p:nvSpPr>
+          <p:cNvPr id="2" name="Title 1"/>
+          <p:cNvSpPr>
+            <a:spLocks noGrp="1"/>
+          </p:cNvSpPr>
+          <p:nvPr>
+            <p:ph type="title"/>
+          </p:nvPr>
+        </p:nvSpPr>
+        <p:spPr/>
+        <p:txBody>
+          <a:bodyPr/>
+          <a:lstStyle/>
+          <a:p>
+            <a:r>
+              <a:rPr lang="en-US" dirty="0" smtClean="0"/>
+              <a:t>Example 1: Choosing a thermocouple</a:t>
+            </a:r>
+            <a:endParaRPr lang="en-US" dirty="0"/>
+          </a:p>
+        </p:txBody>
+      </p:sp>
+      <p:sp>
+        <p:nvSpPr>
+          <p:cNvPr id="3" name="Content Placeholder 2"/>
+          <p:cNvSpPr>
+            <a:spLocks noGrp="1"/>
+          </p:cNvSpPr>
+          <p:nvPr>
+            <p:ph idx="1"/>
+          </p:nvPr>
+        </p:nvSpPr>
+        <p:spPr/>
+        <p:txBody>
+          <a:bodyPr/>
+          <a:lstStyle/>
+          <a:p>
+            <a:r>
+              <a:rPr lang="en-US" b="0" dirty="0" smtClean="0"/>
+              <a:t>Thermocouples measure the </a:t>
+            </a:r>
+            <a:r>
+              <a:rPr lang="en-US" b="0" i="1" dirty="0" smtClean="0"/>
+              <a:t>difference</a:t>
+            </a:r>
+            <a:r>
+              <a:rPr lang="en-US" b="0" dirty="0" smtClean="0"/>
+              <a:t> in temperature between the hot junction and the cold junction</a:t>
+            </a:r>
+          </a:p>
+          <a:p>
+            <a:r>
+              <a:rPr lang="en-US" b="0" dirty="0" smtClean="0"/>
+              <a:t>There are different types of thermocouples for different temperature ranges</a:t>
+            </a:r>
+          </a:p>
+          <a:p>
+            <a:r>
+              <a:rPr lang="en-US" b="0" dirty="0" smtClean="0"/>
+              <a:t>More reading: http</a:t>
+            </a:r>
+            <a:r>
+              <a:rPr lang="en-US" b="0" dirty="0"/>
+              <a:t>://www.ni.com/white-paper/4218/en/</a:t>
+            </a:r>
+          </a:p>
+        </p:txBody>
+      </p:sp>
+      <p:sp>
+        <p:nvSpPr>
+          <p:cNvPr id="4" name="Date Placeholder 3"/>
+          <p:cNvSpPr>
+            <a:spLocks noGrp="1"/>
+          </p:cNvSpPr>
+          <p:nvPr>
+            <p:ph type="dt" sz="half" idx="10"/>
+          </p:nvPr>
+        </p:nvSpPr>
+        <p:spPr/>
+        <p:txBody>
+          <a:bodyPr/>
+          <a:lstStyle/>
+          <a:p>
+            <a:r>
+              <a:rPr lang="en-US" smtClean="0"/>
+              <a:t>2015-04-07</a:t>
+            </a:r>
+            <a:endParaRPr lang="en-US"/>
+          </a:p>
+        </p:txBody>
+      </p:sp>
+      <p:sp>
+        <p:nvSpPr>
+          <p:cNvPr id="5" name="Footer Placeholder 4"/>
+          <p:cNvSpPr>
+            <a:spLocks noGrp="1"/>
+          </p:cNvSpPr>
+          <p:nvPr>
+            <p:ph type="ftr" sz="quarter" idx="11"/>
+          </p:nvPr>
+        </p:nvSpPr>
+        <p:spPr/>
+        <p:txBody>
+          <a:bodyPr/>
+          <a:lstStyle/>
+          <a:p>
+            <a:r>
+              <a:rPr lang="en-US" smtClean="0"/>
+              <a:t>Data Acquisition</a:t>
+            </a:r>
+            <a:endParaRPr lang="en-US"/>
+          </a:p>
+        </p:txBody>
+      </p:sp>
+      <p:sp>
+        <p:nvSpPr>
+          <p:cNvPr id="6" name="Slide Number Placeholder 5"/>
+          <p:cNvSpPr>
+            <a:spLocks noGrp="1"/>
+          </p:cNvSpPr>
+          <p:nvPr>
+            <p:ph type="sldNum" sz="quarter" idx="12"/>
+          </p:nvPr>
+        </p:nvSpPr>
+        <p:spPr/>
+        <p:txBody>
+          <a:bodyPr/>
+          <a:lstStyle/>
+          <a:p>
+            <a:fld id="{FD7EC6EF-94A2-4537-B1EB-15D4E295B108}" type="slidenum">
+              <a:rPr lang="en-US" smtClean="0"/>
+              <a:pPr/>
+              <a:t>11</a:t>
+            </a:fld>
+            <a:endParaRPr lang="en-US"/>
+          </a:p>
+        </p:txBody>
+      </p:sp>
+    </p:spTree>
+    <p:extLst>
+      <p:ext uri="{BB962C8B-B14F-4D97-AF65-F5344CB8AC3E}">
+        <p14:creationId xmlns:p14="http://schemas.microsoft.com/office/powerpoint/2010/main" val="787424272"/>
+      </p:ext>
+    </p:extLst>
+  </p:cSld>
+  <p:clrMapOvr>
+    <a:masterClrMapping/>
+  </p:clrMapOvr>
+</p:sld>
+</file>
+
+<file path=ppt/slides/slide12.xml><?xml version="1.0" encoding="utf-8"?>
+<p:sld xmlns:a="http://schemas.openxmlformats.org/drawingml/2006/main" xmlns:r="http://schemas.openxmlformats.org/officeDocument/2006/relationships" xmlns:p="http://schemas.openxmlformats.org/presentationml/2006/main">
+  <p:cSld>
+    <p:spTree>
+      <p:nvGrpSpPr>
+        <p:cNvPr id="1" name=""/>
+        <p:cNvGrpSpPr/>
+        <p:nvPr/>
+      </p:nvGrpSpPr>
+      <p:grpSpPr>
+        <a:xfrm>
+          <a:off x="0" y="0"/>
+          <a:ext cx="0" cy="0"/>
+          <a:chOff x="0" y="0"/>
+          <a:chExt cx="0" cy="0"/>
+        </a:xfrm>
+      </p:grpSpPr>
+      <p:sp>
+        <p:nvSpPr>
+          <p:cNvPr id="2" name="Title 1"/>
+          <p:cNvSpPr>
+            <a:spLocks noGrp="1"/>
+          </p:cNvSpPr>
+          <p:nvPr>
+            <p:ph type="title"/>
+          </p:nvPr>
+        </p:nvSpPr>
+        <p:spPr/>
+        <p:txBody>
+          <a:bodyPr/>
+          <a:lstStyle/>
+          <a:p>
+            <a:r>
+              <a:rPr lang="en-US" dirty="0" smtClean="0"/>
+              <a:t>Example 1: Choosing a thermocouple</a:t>
+            </a:r>
+            <a:endParaRPr lang="en-US" dirty="0"/>
+          </a:p>
+        </p:txBody>
+      </p:sp>
+      <p:sp>
+        <p:nvSpPr>
+          <p:cNvPr id="4" name="Date Placeholder 3"/>
+          <p:cNvSpPr>
+            <a:spLocks noGrp="1"/>
+          </p:cNvSpPr>
+          <p:nvPr>
+            <p:ph type="dt" sz="half" idx="10"/>
+          </p:nvPr>
+        </p:nvSpPr>
+        <p:spPr/>
+        <p:txBody>
+          <a:bodyPr/>
+          <a:lstStyle/>
+          <a:p>
+            <a:r>
+              <a:rPr lang="en-US" smtClean="0"/>
+              <a:t>2015-04-07</a:t>
+            </a:r>
+            <a:endParaRPr lang="en-US"/>
+          </a:p>
+        </p:txBody>
+      </p:sp>
+      <p:sp>
+        <p:nvSpPr>
+          <p:cNvPr id="5" name="Footer Placeholder 4"/>
+          <p:cNvSpPr>
+            <a:spLocks noGrp="1"/>
+          </p:cNvSpPr>
+          <p:nvPr>
+            <p:ph type="ftr" sz="quarter" idx="11"/>
+          </p:nvPr>
+        </p:nvSpPr>
+        <p:spPr/>
+        <p:txBody>
+          <a:bodyPr/>
+          <a:lstStyle/>
+          <a:p>
+            <a:r>
+              <a:rPr lang="en-US" smtClean="0"/>
+              <a:t>Data Acquisition</a:t>
+            </a:r>
+            <a:endParaRPr lang="en-US"/>
+          </a:p>
+        </p:txBody>
+      </p:sp>
+      <p:sp>
+        <p:nvSpPr>
+          <p:cNvPr id="6" name="Slide Number Placeholder 5"/>
+          <p:cNvSpPr>
+            <a:spLocks noGrp="1"/>
+          </p:cNvSpPr>
+          <p:nvPr>
+            <p:ph type="sldNum" sz="quarter" idx="12"/>
+          </p:nvPr>
+        </p:nvSpPr>
+        <p:spPr/>
+        <p:txBody>
+          <a:bodyPr/>
+          <a:lstStyle/>
+          <a:p>
+            <a:fld id="{FD7EC6EF-94A2-4537-B1EB-15D4E295B108}" type="slidenum">
+              <a:rPr lang="en-US" smtClean="0"/>
+              <a:pPr/>
+              <a:t>12</a:t>
+            </a:fld>
+            <a:endParaRPr lang="en-US"/>
+          </a:p>
+        </p:txBody>
+      </p:sp>
+      <p:pic>
+        <p:nvPicPr>
+          <p:cNvPr id="62466" name="Picture 2"/>
+          <p:cNvPicPr>
+            <a:picLocks noGrp="1" noChangeAspect="1" noChangeArrowheads="1"/>
+          </p:cNvPicPr>
+          <p:nvPr>
+            <p:ph idx="1"/>
+          </p:nvPr>
+        </p:nvPicPr>
+        <p:blipFill>
+          <a:blip r:embed="rId2">
+            <a:extLst>
+              <a:ext uri="{28A0092B-C50C-407E-A947-70E740481C1C}">
+                <a14:useLocalDpi xmlns:a14="http://schemas.microsoft.com/office/drawing/2010/main" val="0"/>
+              </a:ext>
+            </a:extLst>
+          </a:blip>
+          <a:srcRect/>
+          <a:stretch>
+            <a:fillRect/>
+          </a:stretch>
+        </p:blipFill>
+        <p:spPr bwMode="auto">
+          <a:xfrm>
+            <a:off x="1138212" y="1334758"/>
+            <a:ext cx="6882554" cy="4358640"/>
+          </a:xfrm>
+          <a:prstGeom prst="rect">
+            <a:avLst/>
+          </a:prstGeom>
+          <a:noFill/>
+          <a:ln>
+            <a:noFill/>
+          </a:ln>
+          <a:extLst>
+            <a:ext uri="{909E8E84-426E-40DD-AFC4-6F175D3DCCD1}">
+              <a14:hiddenFill xmlns:a14="http://schemas.microsoft.com/office/drawing/2010/main">
+                <a:solidFill>
+                  <a:schemeClr val="accent1"/>
+                </a:solidFill>
+              </a14:hiddenFill>
+            </a:ext>
+            <a:ext uri="{91240B29-F687-4F45-9708-019B960494DF}">
+              <a14:hiddenLine xmlns:a14="http://schemas.microsoft.com/office/drawing/2010/main" w="9525">
+                <a:solidFill>
+                  <a:schemeClr val="tx1"/>
+                </a:solidFill>
+                <a:miter lim="800000"/>
+                <a:headEnd/>
+                <a:tailEnd/>
+              </a14:hiddenLine>
+            </a:ext>
+          </a:extLst>
+        </p:spPr>
+      </p:pic>
+      <p:sp>
+        <p:nvSpPr>
+          <p:cNvPr id="7" name="TextBox 6"/>
+          <p:cNvSpPr txBox="1"/>
+          <p:nvPr/>
+        </p:nvSpPr>
+        <p:spPr>
+          <a:xfrm>
+            <a:off x="1295400" y="5726668"/>
+            <a:ext cx="6753837" cy="369332"/>
+          </a:xfrm>
+          <a:prstGeom prst="rect">
+            <a:avLst/>
+          </a:prstGeom>
+          <a:noFill/>
+        </p:spPr>
+        <p:txBody>
+          <a:bodyPr wrap="none" rtlCol="0">
+            <a:spAutoFit/>
+          </a:bodyPr>
+          <a:lstStyle/>
+          <a:p>
+            <a:r>
+              <a:rPr lang="en-US" dirty="0"/>
+              <a:t>http://www.temprel.com/support/how-to-choose-thermocouple.aspx</a:t>
+            </a:r>
+          </a:p>
+        </p:txBody>
+      </p:sp>
+    </p:spTree>
+    <p:extLst>
+      <p:ext uri="{BB962C8B-B14F-4D97-AF65-F5344CB8AC3E}">
+        <p14:creationId xmlns:p14="http://schemas.microsoft.com/office/powerpoint/2010/main" val="149659070"/>
+      </p:ext>
+    </p:extLst>
+  </p:cSld>
+  <p:clrMapOvr>
+    <a:masterClrMapping/>
+  </p:clrMapOvr>
+</p:sld>
+</file>
+
+<file path=ppt/slides/slide13.xml><?xml version="1.0" encoding="utf-8"?>
+<p:sld xmlns:a="http://schemas.openxmlformats.org/drawingml/2006/main" xmlns:r="http://schemas.openxmlformats.org/officeDocument/2006/relationships" xmlns:p="http://schemas.openxmlformats.org/presentationml/2006/main">
+  <p:cSld>
+    <p:spTree>
+      <p:nvGrpSpPr>
+        <p:cNvPr id="1" name=""/>
+        <p:cNvGrpSpPr/>
+        <p:nvPr/>
+      </p:nvGrpSpPr>
+      <p:grpSpPr>
+        <a:xfrm>
+          <a:off x="0" y="0"/>
+          <a:ext cx="0" cy="0"/>
+          <a:chOff x="0" y="0"/>
+          <a:chExt cx="0" cy="0"/>
+        </a:xfrm>
+      </p:grpSpPr>
+      <p:sp>
+        <p:nvSpPr>
           <p:cNvPr id="69" name="Circular Arrow 68"/>
           <p:cNvSpPr/>
           <p:nvPr/>
@@ -5994,7 +6398,7 @@
             <a:fld id="{FD7EC6EF-94A2-4537-B1EB-15D4E295B108}" type="slidenum">
               <a:rPr lang="en-US" smtClean="0"/>
               <a:pPr/>
-              <a:t>11</a:t>
+              <a:t>13</a:t>
             </a:fld>
             <a:endParaRPr lang="en-US"/>
           </a:p>
@@ -8386,7 +8790,7 @@
 </p:sld>
 </file>
 
-<file path=ppt/slides/slide12.xml><?xml version="1.0" encoding="utf-8"?>
+<file path=ppt/slides/slide14.xml><?xml version="1.0" encoding="utf-8"?>
 <p:sld xmlns:a="http://schemas.openxmlformats.org/drawingml/2006/main" xmlns:r="http://schemas.openxmlformats.org/officeDocument/2006/relationships" xmlns:p="http://schemas.openxmlformats.org/presentationml/2006/main">
   <p:cSld>
     <p:spTree>
@@ -8645,7 +9049,7 @@
             <a:fld id="{FD7EC6EF-94A2-4537-B1EB-15D4E295B108}" type="slidenum">
               <a:rPr lang="en-US" smtClean="0"/>
               <a:pPr/>
-              <a:t>12</a:t>
+              <a:t>14</a:t>
             </a:fld>
             <a:endParaRPr lang="en-US"/>
           </a:p>
@@ -9106,7 +9510,7 @@
 </p:sld>
 </file>
 
-<file path=ppt/slides/slide13.xml><?xml version="1.0" encoding="utf-8"?>
+<file path=ppt/slides/slide15.xml><?xml version="1.0" encoding="utf-8"?>
 <p:sld xmlns:a="http://schemas.openxmlformats.org/drawingml/2006/main" xmlns:r="http://schemas.openxmlformats.org/officeDocument/2006/relationships" xmlns:p="http://schemas.openxmlformats.org/presentationml/2006/main">
   <p:cSld>
     <p:spTree>
@@ -9415,7 +9819,7 @@
             <a:fld id="{FD7EC6EF-94A2-4537-B1EB-15D4E295B108}" type="slidenum">
               <a:rPr lang="en-US" smtClean="0"/>
               <a:pPr/>
-              <a:t>13</a:t>
+              <a:t>15</a:t>
             </a:fld>
             <a:endParaRPr lang="en-US"/>
           </a:p>
@@ -9876,7 +10280,7 @@
 </p:sld>
 </file>
 
-<file path=ppt/slides/slide14.xml><?xml version="1.0" encoding="utf-8"?>
+<file path=ppt/slides/slide16.xml><?xml version="1.0" encoding="utf-8"?>
 <p:sld xmlns:a="http://schemas.openxmlformats.org/drawingml/2006/main" xmlns:r="http://schemas.openxmlformats.org/officeDocument/2006/relationships" xmlns:p="http://schemas.openxmlformats.org/presentationml/2006/main">
   <p:cSld>
     <p:spTree>
@@ -10035,7 +10439,7 @@
             <a:fld id="{FD7EC6EF-94A2-4537-B1EB-15D4E295B108}" type="slidenum">
               <a:rPr lang="en-US" smtClean="0"/>
               <a:pPr/>
-              <a:t>14</a:t>
+              <a:t>16</a:t>
             </a:fld>
             <a:endParaRPr lang="en-US"/>
           </a:p>
@@ -10203,7 +10607,7 @@
 </p:sld>
 </file>
 
-<file path=ppt/slides/slide15.xml><?xml version="1.0" encoding="utf-8"?>
+<file path=ppt/slides/slide17.xml><?xml version="1.0" encoding="utf-8"?>
 <p:sld xmlns:a="http://schemas.openxmlformats.org/drawingml/2006/main" xmlns:r="http://schemas.openxmlformats.org/officeDocument/2006/relationships" xmlns:p="http://schemas.openxmlformats.org/presentationml/2006/main">
   <p:cSld>
     <p:spTree>
@@ -10345,7 +10749,7 @@
             <a:fld id="{FD7EC6EF-94A2-4537-B1EB-15D4E295B108}" type="slidenum">
               <a:rPr lang="en-US" smtClean="0"/>
               <a:pPr/>
-              <a:t>15</a:t>
+              <a:t>17</a:t>
             </a:fld>
             <a:endParaRPr lang="en-US"/>
           </a:p>
@@ -12792,7 +13196,7 @@
 </p:sld>
 </file>
 
-<file path=ppt/slides/slide16.xml><?xml version="1.0" encoding="utf-8"?>
+<file path=ppt/slides/slide18.xml><?xml version="1.0" encoding="utf-8"?>
 <p:sld xmlns:a="http://schemas.openxmlformats.org/drawingml/2006/main" xmlns:r="http://schemas.openxmlformats.org/officeDocument/2006/relationships" xmlns:p="http://schemas.openxmlformats.org/presentationml/2006/main">
   <p:cSld>
     <p:spTree>
@@ -12912,7 +13316,7 @@
             <a:fld id="{FD7EC6EF-94A2-4537-B1EB-15D4E295B108}" type="slidenum">
               <a:rPr lang="en-US" smtClean="0"/>
               <a:pPr/>
-              <a:t>16</a:t>
+              <a:t>18</a:t>
             </a:fld>
             <a:endParaRPr lang="en-US"/>
           </a:p>
@@ -14649,7 +15053,7 @@
 </p:sld>
 </file>
 
-<file path=ppt/slides/slide17.xml><?xml version="1.0" encoding="utf-8"?>
+<file path=ppt/slides/slide19.xml><?xml version="1.0" encoding="utf-8"?>
 <p:sld xmlns:a="http://schemas.openxmlformats.org/drawingml/2006/main" xmlns:r="http://schemas.openxmlformats.org/officeDocument/2006/relationships" xmlns:p="http://schemas.openxmlformats.org/presentationml/2006/main">
   <p:cSld>
     <p:spTree>
@@ -14853,7 +15257,7 @@
             <a:fld id="{FD7EC6EF-94A2-4537-B1EB-15D4E295B108}" type="slidenum">
               <a:rPr lang="en-US" smtClean="0"/>
               <a:pPr/>
-              <a:t>17</a:t>
+              <a:t>19</a:t>
             </a:fld>
             <a:endParaRPr lang="en-US"/>
           </a:p>
@@ -14874,7 +15278,7 @@
 </p:sld>
 </file>
 
-<file path=ppt/slides/slide18.xml><?xml version="1.0" encoding="utf-8"?>
+<file path=ppt/slides/slide2.xml><?xml version="1.0" encoding="utf-8"?>
 <p:sld xmlns:a="http://schemas.openxmlformats.org/drawingml/2006/main" xmlns:r="http://schemas.openxmlformats.org/officeDocument/2006/relationships" xmlns:p="http://schemas.openxmlformats.org/presentationml/2006/main">
   <p:cSld>
     <p:spTree>
@@ -14898,6 +15302,142 @@
             <a:spLocks noGrp="1"/>
           </p:cNvSpPr>
           <p:nvPr>
+            <p:ph type="ctrTitle"/>
+          </p:nvPr>
+        </p:nvSpPr>
+        <p:spPr>
+          <a:xfrm>
+            <a:off x="685800" y="1600200"/>
+            <a:ext cx="7772400" cy="1470025"/>
+          </a:xfrm>
+        </p:spPr>
+        <p:txBody>
+          <a:bodyPr>
+            <a:normAutofit/>
+          </a:bodyPr>
+          <a:lstStyle/>
+          <a:p>
+            <a:r>
+              <a:rPr lang="en-US" sz="2000" b="0" dirty="0" smtClean="0"/>
+              <a:t>Getting Data in the Lab</a:t>
+            </a:r>
+            <a:endParaRPr lang="en-US" sz="2000" b="0" dirty="0"/>
+          </a:p>
+        </p:txBody>
+      </p:sp>
+      <p:sp>
+        <p:nvSpPr>
+          <p:cNvPr id="3" name="Subtitle 2"/>
+          <p:cNvSpPr>
+            <a:spLocks noGrp="1"/>
+          </p:cNvSpPr>
+          <p:nvPr>
+            <p:ph type="subTitle" idx="1"/>
+          </p:nvPr>
+        </p:nvSpPr>
+        <p:spPr>
+          <a:xfrm>
+            <a:off x="1371600" y="2898775"/>
+            <a:ext cx="6400800" cy="1066800"/>
+          </a:xfrm>
+        </p:spPr>
+        <p:txBody>
+          <a:bodyPr>
+            <a:normAutofit/>
+          </a:bodyPr>
+          <a:lstStyle/>
+          <a:p>
+            <a:r>
+              <a:rPr lang="en-US" sz="3200" dirty="0" smtClean="0">
+                <a:solidFill>
+                  <a:schemeClr val="tx1"/>
+                </a:solidFill>
+              </a:rPr>
+              <a:t>Part 2: Data Acquisition</a:t>
+            </a:r>
+            <a:endParaRPr lang="en-US" sz="3200" dirty="0">
+              <a:solidFill>
+                <a:schemeClr val="tx1"/>
+              </a:solidFill>
+            </a:endParaRPr>
+          </a:p>
+        </p:txBody>
+      </p:sp>
+      <p:sp>
+        <p:nvSpPr>
+          <p:cNvPr id="5" name="TextBox 4"/>
+          <p:cNvSpPr txBox="1"/>
+          <p:nvPr/>
+        </p:nvSpPr>
+        <p:spPr>
+          <a:xfrm>
+            <a:off x="2438400" y="6172200"/>
+            <a:ext cx="4737194" cy="307777"/>
+          </a:xfrm>
+          <a:prstGeom prst="rect">
+            <a:avLst/>
+          </a:prstGeom>
+          <a:noFill/>
+        </p:spPr>
+        <p:txBody>
+          <a:bodyPr wrap="none" rtlCol="0">
+            <a:spAutoFit/>
+          </a:bodyPr>
+          <a:lstStyle/>
+          <a:p>
+            <a:r>
+              <a:rPr lang="en-US" sz="1400" dirty="0" smtClean="0">
+                <a:latin typeface="Arial" pitchFamily="34" charset="0"/>
+                <a:cs typeface="Arial" pitchFamily="34" charset="0"/>
+              </a:rPr>
+              <a:t>Copyright © 2015 UPVI, LLC. Redistribution is prohibited.</a:t>
+            </a:r>
+            <a:endParaRPr lang="en-US" sz="1400" dirty="0">
+              <a:latin typeface="Arial" pitchFamily="34" charset="0"/>
+              <a:cs typeface="Arial" pitchFamily="34" charset="0"/>
+            </a:endParaRPr>
+          </a:p>
+        </p:txBody>
+      </p:sp>
+    </p:spTree>
+  </p:cSld>
+  <p:clrMapOvr>
+    <a:masterClrMapping/>
+  </p:clrMapOvr>
+  <p:timing>
+    <p:tnLst>
+      <p:par>
+        <p:cTn id="1" dur="indefinite" restart="never" nodeType="tmRoot"/>
+      </p:par>
+    </p:tnLst>
+  </p:timing>
+</p:sld>
+</file>
+
+<file path=ppt/slides/slide20.xml><?xml version="1.0" encoding="utf-8"?>
+<p:sld xmlns:a="http://schemas.openxmlformats.org/drawingml/2006/main" xmlns:r="http://schemas.openxmlformats.org/officeDocument/2006/relationships" xmlns:p="http://schemas.openxmlformats.org/presentationml/2006/main">
+  <p:cSld>
+    <p:spTree>
+      <p:nvGrpSpPr>
+        <p:cNvPr id="1" name=""/>
+        <p:cNvGrpSpPr/>
+        <p:nvPr/>
+      </p:nvGrpSpPr>
+      <p:grpSpPr>
+        <a:xfrm>
+          <a:off x="0" y="0"/>
+          <a:ext cx="0" cy="0"/>
+          <a:chOff x="0" y="0"/>
+          <a:chExt cx="0" cy="0"/>
+        </a:xfrm>
+      </p:grpSpPr>
+      <p:sp>
+        <p:nvSpPr>
+          <p:cNvPr id="2" name="Title 1"/>
+          <p:cNvSpPr>
+            <a:spLocks noGrp="1"/>
+          </p:cNvSpPr>
+          <p:nvPr>
             <p:ph type="title"/>
           </p:nvPr>
         </p:nvSpPr>
@@ -14978,7 +15518,7 @@
             <a:fld id="{FD7EC6EF-94A2-4537-B1EB-15D4E295B108}" type="slidenum">
               <a:rPr lang="en-US" smtClean="0"/>
               <a:pPr/>
-              <a:t>18</a:t>
+              <a:t>20</a:t>
             </a:fld>
             <a:endParaRPr lang="en-US"/>
           </a:p>
@@ -15179,7 +15719,7 @@
 </p:sld>
 </file>
 
-<file path=ppt/slides/slide19.xml><?xml version="1.0" encoding="utf-8"?>
+<file path=ppt/slides/slide21.xml><?xml version="1.0" encoding="utf-8"?>
 <p:sld xmlns:a="http://schemas.openxmlformats.org/drawingml/2006/main" xmlns:r="http://schemas.openxmlformats.org/officeDocument/2006/relationships" xmlns:p="http://schemas.openxmlformats.org/presentationml/2006/main">
   <p:cSld>
     <p:spTree>
@@ -15283,7 +15823,7 @@
             <a:fld id="{FD7EC6EF-94A2-4537-B1EB-15D4E295B108}" type="slidenum">
               <a:rPr lang="en-US" smtClean="0"/>
               <a:pPr/>
-              <a:t>19</a:t>
+              <a:t>21</a:t>
             </a:fld>
             <a:endParaRPr lang="en-US"/>
           </a:p>
@@ -15416,143 +15956,7 @@
 </p:sld>
 </file>
 
-<file path=ppt/slides/slide2.xml><?xml version="1.0" encoding="utf-8"?>
-<p:sld xmlns:a="http://schemas.openxmlformats.org/drawingml/2006/main" xmlns:r="http://schemas.openxmlformats.org/officeDocument/2006/relationships" xmlns:p="http://schemas.openxmlformats.org/presentationml/2006/main">
-  <p:cSld>
-    <p:spTree>
-      <p:nvGrpSpPr>
-        <p:cNvPr id="1" name=""/>
-        <p:cNvGrpSpPr/>
-        <p:nvPr/>
-      </p:nvGrpSpPr>
-      <p:grpSpPr>
-        <a:xfrm>
-          <a:off x="0" y="0"/>
-          <a:ext cx="0" cy="0"/>
-          <a:chOff x="0" y="0"/>
-          <a:chExt cx="0" cy="0"/>
-        </a:xfrm>
-      </p:grpSpPr>
-      <p:sp>
-        <p:nvSpPr>
-          <p:cNvPr id="2" name="Title 1"/>
-          <p:cNvSpPr>
-            <a:spLocks noGrp="1"/>
-          </p:cNvSpPr>
-          <p:nvPr>
-            <p:ph type="ctrTitle"/>
-          </p:nvPr>
-        </p:nvSpPr>
-        <p:spPr>
-          <a:xfrm>
-            <a:off x="685800" y="1600200"/>
-            <a:ext cx="7772400" cy="1470025"/>
-          </a:xfrm>
-        </p:spPr>
-        <p:txBody>
-          <a:bodyPr>
-            <a:normAutofit/>
-          </a:bodyPr>
-          <a:lstStyle/>
-          <a:p>
-            <a:r>
-              <a:rPr lang="en-US" sz="2000" b="0" dirty="0" smtClean="0"/>
-              <a:t>Getting Data in the Lab</a:t>
-            </a:r>
-            <a:endParaRPr lang="en-US" sz="2000" b="0" dirty="0"/>
-          </a:p>
-        </p:txBody>
-      </p:sp>
-      <p:sp>
-        <p:nvSpPr>
-          <p:cNvPr id="3" name="Subtitle 2"/>
-          <p:cNvSpPr>
-            <a:spLocks noGrp="1"/>
-          </p:cNvSpPr>
-          <p:nvPr>
-            <p:ph type="subTitle" idx="1"/>
-          </p:nvPr>
-        </p:nvSpPr>
-        <p:spPr>
-          <a:xfrm>
-            <a:off x="1371600" y="2898775"/>
-            <a:ext cx="6400800" cy="1066800"/>
-          </a:xfrm>
-        </p:spPr>
-        <p:txBody>
-          <a:bodyPr>
-            <a:normAutofit/>
-          </a:bodyPr>
-          <a:lstStyle/>
-          <a:p>
-            <a:r>
-              <a:rPr lang="en-US" sz="3200" dirty="0" smtClean="0">
-                <a:solidFill>
-                  <a:schemeClr val="tx1"/>
-                </a:solidFill>
-              </a:rPr>
-              <a:t>Part 2: Data Acquisition</a:t>
-            </a:r>
-            <a:endParaRPr lang="en-US" sz="3200" dirty="0">
-              <a:solidFill>
-                <a:schemeClr val="tx1"/>
-              </a:solidFill>
-            </a:endParaRPr>
-          </a:p>
-        </p:txBody>
-      </p:sp>
-      <p:sp>
-        <p:nvSpPr>
-          <p:cNvPr id="5" name="TextBox 4"/>
-          <p:cNvSpPr txBox="1"/>
-          <p:nvPr/>
-        </p:nvSpPr>
-        <p:spPr>
-          <a:xfrm>
-            <a:off x="2438400" y="6172200"/>
-            <a:ext cx="4737194" cy="307777"/>
-          </a:xfrm>
-          <a:prstGeom prst="rect">
-            <a:avLst/>
-          </a:prstGeom>
-          <a:noFill/>
-        </p:spPr>
-        <p:txBody>
-          <a:bodyPr wrap="none" rtlCol="0">
-            <a:spAutoFit/>
-          </a:bodyPr>
-          <a:lstStyle/>
-          <a:p>
-            <a:r>
-              <a:rPr lang="en-US" sz="1400" dirty="0" smtClean="0">
-                <a:latin typeface="Arial" pitchFamily="34" charset="0"/>
-                <a:cs typeface="Arial" pitchFamily="34" charset="0"/>
-              </a:rPr>
-              <a:t>Copyright © 2015 UPVI, LLC. Redistribution is prohibited.</a:t>
-            </a:r>
-            <a:endParaRPr lang="en-US" sz="1400" dirty="0">
-              <a:latin typeface="Arial" pitchFamily="34" charset="0"/>
-              <a:cs typeface="Arial" pitchFamily="34" charset="0"/>
-            </a:endParaRPr>
-          </a:p>
-        </p:txBody>
-      </p:sp>
-    </p:spTree>
-  </p:cSld>
-  <p:clrMapOvr>
-    <a:masterClrMapping/>
-  </p:clrMapOvr>
-  <p:timing>
-    <p:tnLst>
-      <p:par>
-        <p:cTn id="1" dur="indefinite" restart="never" nodeType="tmRoot"/>
-      </p:par>
-    </p:tnLst>
-  </p:timing>
-</p:sld>
-</file>
-
-<file path=ppt/slides/slide20.xml><?xml version="1.0" encoding="utf-8"?>
+<file path=ppt/slides/slide22.xml><?xml version="1.0" encoding="utf-8"?>
 <p:sld xmlns:a="http://schemas.openxmlformats.org/drawingml/2006/main" xmlns:r="http://schemas.openxmlformats.org/officeDocument/2006/relationships" xmlns:p="http://schemas.openxmlformats.org/presentationml/2006/main">
   <p:cSld>
     <p:spTree>
@@ -15679,7 +16083,7 @@
             <a:fld id="{FD7EC6EF-94A2-4537-B1EB-15D4E295B108}" type="slidenum">
               <a:rPr lang="en-US" smtClean="0"/>
               <a:pPr/>
-              <a:t>20</a:t>
+              <a:t>22</a:t>
             </a:fld>
             <a:endParaRPr lang="en-US"/>
           </a:p>
@@ -15700,7 +16104,7 @@
 </p:sld>
 </file>
 
-<file path=ppt/slides/slide21.xml><?xml version="1.0" encoding="utf-8"?>
+<file path=ppt/slides/slide23.xml><?xml version="1.0" encoding="utf-8"?>
 <p:sld xmlns:a="http://schemas.openxmlformats.org/drawingml/2006/main" xmlns:r="http://schemas.openxmlformats.org/officeDocument/2006/relationships" xmlns:p="http://schemas.openxmlformats.org/presentationml/2006/main">
   <p:cSld>
     <p:spTree>
@@ -15934,7 +16338,7 @@
             <a:fld id="{FD7EC6EF-94A2-4537-B1EB-15D4E295B108}" type="slidenum">
               <a:rPr lang="en-US" smtClean="0"/>
               <a:pPr/>
-              <a:t>21</a:t>
+              <a:t>23</a:t>
             </a:fld>
             <a:endParaRPr lang="en-US"/>
           </a:p>
@@ -16324,7 +16728,7 @@
 </p:sld>
 </file>
 
-<file path=ppt/slides/slide22.xml><?xml version="1.0" encoding="utf-8"?>
+<file path=ppt/slides/slide24.xml><?xml version="1.0" encoding="utf-8"?>
 <p:sld xmlns:a="http://schemas.openxmlformats.org/drawingml/2006/main" xmlns:r="http://schemas.openxmlformats.org/officeDocument/2006/relationships" xmlns:p="http://schemas.openxmlformats.org/presentationml/2006/main">
   <p:cSld>
     <p:spTree>
@@ -16451,7 +16855,7 @@
             <a:fld id="{FD7EC6EF-94A2-4537-B1EB-15D4E295B108}" type="slidenum">
               <a:rPr lang="en-US" smtClean="0"/>
               <a:pPr/>
-              <a:t>22</a:t>
+              <a:t>24</a:t>
             </a:fld>
             <a:endParaRPr lang="en-US"/>
           </a:p>
@@ -16724,7 +17128,7 @@
 </p:sld>
 </file>
 
-<file path=ppt/slides/slide23.xml><?xml version="1.0" encoding="utf-8"?>
+<file path=ppt/slides/slide25.xml><?xml version="1.0" encoding="utf-8"?>
 <p:sld xmlns:a="http://schemas.openxmlformats.org/drawingml/2006/main" xmlns:r="http://schemas.openxmlformats.org/officeDocument/2006/relationships" xmlns:p="http://schemas.openxmlformats.org/presentationml/2006/main">
   <p:cSld>
     <p:spTree>
@@ -16844,7 +17248,7 @@
             <a:fld id="{FD7EC6EF-94A2-4537-B1EB-15D4E295B108}" type="slidenum">
               <a:rPr lang="en-US" smtClean="0"/>
               <a:pPr/>
-              <a:t>23</a:t>
+              <a:t>25</a:t>
             </a:fld>
             <a:endParaRPr lang="en-US"/>
           </a:p>
@@ -17458,7 +17862,7 @@
 </p:sld>
 </file>
 
-<file path=ppt/slides/slide24.xml><?xml version="1.0" encoding="utf-8"?>
+<file path=ppt/slides/slide26.xml><?xml version="1.0" encoding="utf-8"?>
 <p:sld xmlns:a="http://schemas.openxmlformats.org/drawingml/2006/main" xmlns:r="http://schemas.openxmlformats.org/officeDocument/2006/relationships" xmlns:p="http://schemas.openxmlformats.org/presentationml/2006/main">
   <p:cSld>
     <p:spTree>
@@ -17640,7 +18044,7 @@
             <a:fld id="{FD7EC6EF-94A2-4537-B1EB-15D4E295B108}" type="slidenum">
               <a:rPr lang="en-US" smtClean="0"/>
               <a:pPr/>
-              <a:t>24</a:t>
+              <a:t>26</a:t>
             </a:fld>
             <a:endParaRPr lang="en-US"/>
           </a:p>
@@ -17835,7 +18239,7 @@
 </p:sld>
 </file>
 
-<file path=ppt/slides/slide25.xml><?xml version="1.0" encoding="utf-8"?>
+<file path=ppt/slides/slide27.xml><?xml version="1.0" encoding="utf-8"?>
 <p:sld xmlns:a="http://schemas.openxmlformats.org/drawingml/2006/main" xmlns:r="http://schemas.openxmlformats.org/officeDocument/2006/relationships" xmlns:p="http://schemas.openxmlformats.org/presentationml/2006/main">
   <p:cSld>
     <p:spTree>
@@ -18007,7 +18411,7 @@
             <a:fld id="{FD7EC6EF-94A2-4537-B1EB-15D4E295B108}" type="slidenum">
               <a:rPr lang="en-US" smtClean="0"/>
               <a:pPr/>
-              <a:t>25</a:t>
+              <a:t>27</a:t>
             </a:fld>
             <a:endParaRPr lang="en-US"/>
           </a:p>
@@ -18222,7 +18626,7 @@
 </p:sld>
 </file>
 
-<file path=ppt/slides/slide26.xml><?xml version="1.0" encoding="utf-8"?>
+<file path=ppt/slides/slide28.xml><?xml version="1.0" encoding="utf-8"?>
 <p:sld xmlns:a="http://schemas.openxmlformats.org/drawingml/2006/main" xmlns:r="http://schemas.openxmlformats.org/officeDocument/2006/relationships" xmlns:p="http://schemas.openxmlformats.org/presentationml/2006/main">
   <p:cSld>
     <p:spTree>
@@ -18416,7 +18820,7 @@
             <a:fld id="{FD7EC6EF-94A2-4537-B1EB-15D4E295B108}" type="slidenum">
               <a:rPr lang="en-US" smtClean="0"/>
               <a:pPr/>
-              <a:t>26</a:t>
+              <a:t>28</a:t>
             </a:fld>
             <a:endParaRPr lang="en-US"/>
           </a:p>
@@ -18492,9 +18896,59 @@
         </p:xfrm>
         <a:graphic>
           <a:graphicData uri="http://schemas.openxmlformats.org/presentationml/2006/ole">
-            <p:oleObj spid="_x0000_s61442" name="Formula" r:id="rId3" imgW="3375000" imgH="954720" progId="Equation.Ribbit">
-              <p:embed/>
-            </p:oleObj>
+            <mc:AlternateContent xmlns:mc="http://schemas.openxmlformats.org/markup-compatibility/2006">
+              <mc:Choice xmlns:v="urn:schemas-microsoft-com:vml" Requires="v">
+                <p:oleObj spid="_x0000_s61446" name="Formula" r:id="rId3" imgW="3375000" imgH="954720" progId="Equation.Ribbit">
+                  <p:embed/>
+                </p:oleObj>
+              </mc:Choice>
+              <mc:Fallback>
+                <p:oleObj name="Formula" r:id="rId3" imgW="3375000" imgH="954720" progId="Equation.Ribbit">
+                  <p:embed/>
+                  <p:pic>
+                    <p:nvPicPr>
+                      <p:cNvPr id="0" name="Picture 2"/>
+                      <p:cNvPicPr>
+                        <a:picLocks noChangeAspect="1" noChangeArrowheads="1"/>
+                      </p:cNvPicPr>
+                      <p:nvPr/>
+                    </p:nvPicPr>
+                    <p:blipFill>
+                      <a:blip r:embed="rId4">
+                        <a:extLst>
+                          <a:ext uri="{28A0092B-C50C-407E-A947-70E740481C1C}">
+                            <a14:useLocalDpi xmlns:a14="http://schemas.microsoft.com/office/drawing/2010/main" val="0"/>
+                          </a:ext>
+                        </a:extLst>
+                      </a:blip>
+                      <a:srcRect/>
+                      <a:stretch>
+                        <a:fillRect/>
+                      </a:stretch>
+                    </p:blipFill>
+                    <p:spPr bwMode="auto">
+                      <a:xfrm>
+                        <a:off x="2046288" y="2825750"/>
+                        <a:ext cx="3375025" cy="954088"/>
+                      </a:xfrm>
+                      <a:prstGeom prst="rect">
+                        <a:avLst/>
+                      </a:prstGeom>
+                      <a:noFill/>
+                      <a:extLst>
+                        <a:ext uri="{909E8E84-426E-40DD-AFC4-6F175D3DCCD1}">
+                          <a14:hiddenFill xmlns:a14="http://schemas.microsoft.com/office/drawing/2010/main">
+                            <a:solidFill>
+                              <a:srgbClr val="FFFFFF"/>
+                            </a:solidFill>
+                          </a14:hiddenFill>
+                        </a:ext>
+                      </a:extLst>
+                    </p:spPr>
+                  </p:pic>
+                </p:oleObj>
+              </mc:Fallback>
+            </mc:AlternateContent>
           </a:graphicData>
         </a:graphic>
       </p:graphicFrame>
@@ -18544,398 +18998,62 @@
         </p:xfrm>
         <a:graphic>
           <a:graphicData uri="http://schemas.openxmlformats.org/presentationml/2006/ole">
-            <p:oleObj spid="_x0000_s61443" name="Formula" r:id="rId4" imgW="2707200" imgH="582840" progId="Equation.Ribbit">
-              <p:embed/>
-            </p:oleObj>
+            <mc:AlternateContent xmlns:mc="http://schemas.openxmlformats.org/markup-compatibility/2006">
+              <mc:Choice xmlns:v="urn:schemas-microsoft-com:vml" Requires="v">
+                <p:oleObj spid="_x0000_s61447" name="Formula" r:id="rId5" imgW="2707200" imgH="582840" progId="Equation.Ribbit">
+                  <p:embed/>
+                </p:oleObj>
+              </mc:Choice>
+              <mc:Fallback>
+                <p:oleObj name="Formula" r:id="rId5" imgW="2707200" imgH="582840" progId="Equation.Ribbit">
+                  <p:embed/>
+                  <p:pic>
+                    <p:nvPicPr>
+                      <p:cNvPr id="0" name="Picture 3"/>
+                      <p:cNvPicPr>
+                        <a:picLocks noChangeAspect="1" noChangeArrowheads="1"/>
+                      </p:cNvPicPr>
+                      <p:nvPr/>
+                    </p:nvPicPr>
+                    <p:blipFill>
+                      <a:blip r:embed="rId6">
+                        <a:extLst>
+                          <a:ext uri="{28A0092B-C50C-407E-A947-70E740481C1C}">
+                            <a14:useLocalDpi xmlns:a14="http://schemas.microsoft.com/office/drawing/2010/main" val="0"/>
+                          </a:ext>
+                        </a:extLst>
+                      </a:blip>
+                      <a:srcRect/>
+                      <a:stretch>
+                        <a:fillRect/>
+                      </a:stretch>
+                    </p:blipFill>
+                    <p:spPr bwMode="auto">
+                      <a:xfrm>
+                        <a:off x="2895600" y="4191000"/>
+                        <a:ext cx="2706687" cy="582613"/>
+                      </a:xfrm>
+                      <a:prstGeom prst="rect">
+                        <a:avLst/>
+                      </a:prstGeom>
+                      <a:noFill/>
+                      <a:extLst>
+                        <a:ext uri="{909E8E84-426E-40DD-AFC4-6F175D3DCCD1}">
+                          <a14:hiddenFill xmlns:a14="http://schemas.microsoft.com/office/drawing/2010/main">
+                            <a:solidFill>
+                              <a:srgbClr val="FFFFFF"/>
+                            </a:solidFill>
+                          </a14:hiddenFill>
+                        </a:ext>
+                      </a:extLst>
+                    </p:spPr>
+                  </p:pic>
+                </p:oleObj>
+              </mc:Fallback>
+            </mc:AlternateContent>
           </a:graphicData>
         </a:graphic>
       </p:graphicFrame>
-    </p:spTree>
-  </p:cSld>
-  <p:clrMapOvr>
-    <a:masterClrMapping/>
-  </p:clrMapOvr>
-  <p:timing>
-    <p:tnLst>
-      <p:par>
-        <p:cTn id="1" dur="indefinite" restart="never" nodeType="tmRoot"/>
-      </p:par>
-    </p:tnLst>
-  </p:timing>
-</p:sld>
-</file>
-
-<file path=ppt/slides/slide27.xml><?xml version="1.0" encoding="utf-8"?>
-<p:sld xmlns:a="http://schemas.openxmlformats.org/drawingml/2006/main" xmlns:r="http://schemas.openxmlformats.org/officeDocument/2006/relationships" xmlns:p="http://schemas.openxmlformats.org/presentationml/2006/main">
-  <p:cSld>
-    <p:spTree>
-      <p:nvGrpSpPr>
-        <p:cNvPr id="1" name=""/>
-        <p:cNvGrpSpPr/>
-        <p:nvPr/>
-      </p:nvGrpSpPr>
-      <p:grpSpPr>
-        <a:xfrm>
-          <a:off x="0" y="0"/>
-          <a:ext cx="0" cy="0"/>
-          <a:chOff x="0" y="0"/>
-          <a:chExt cx="0" cy="0"/>
-        </a:xfrm>
-      </p:grpSpPr>
-      <p:pic>
-        <p:nvPicPr>
-          <p:cNvPr id="10" name="Content Placeholder 9" descr="resolution-3.png"/>
-          <p:cNvPicPr>
-            <a:picLocks noGrp="1" noChangeAspect="1"/>
-          </p:cNvPicPr>
-          <p:nvPr>
-            <p:ph sz="half" idx="2"/>
-          </p:nvPr>
-        </p:nvPicPr>
-        <p:blipFill>
-          <a:blip r:embed="rId2">
-            <a:clrChange>
-              <a:clrFrom>
-                <a:srgbClr val="FFFFFF"/>
-              </a:clrFrom>
-              <a:clrTo>
-                <a:srgbClr val="FFFFFF">
-                  <a:alpha val="0"/>
-                </a:srgbClr>
-              </a:clrTo>
-            </a:clrChange>
-          </a:blip>
-          <a:stretch>
-            <a:fillRect/>
-          </a:stretch>
-        </p:blipFill>
-        <p:spPr>
-          <a:xfrm>
-            <a:off x="609600" y="609600"/>
-            <a:ext cx="7924800" cy="5943600"/>
-          </a:xfrm>
-        </p:spPr>
-      </p:pic>
-      <p:sp>
-        <p:nvSpPr>
-          <p:cNvPr id="4" name="Title 3"/>
-          <p:cNvSpPr>
-            <a:spLocks noGrp="1"/>
-          </p:cNvSpPr>
-          <p:nvPr>
-            <p:ph type="title"/>
-          </p:nvPr>
-        </p:nvSpPr>
-        <p:spPr/>
-        <p:txBody>
-          <a:bodyPr/>
-          <a:lstStyle/>
-          <a:p>
-            <a:r>
-              <a:rPr lang="en-US" dirty="0" smtClean="0"/>
-              <a:t>ADC Resolution: 3 bits</a:t>
-            </a:r>
-            <a:endParaRPr lang="en-US" dirty="0"/>
-          </a:p>
-        </p:txBody>
-      </p:sp>
-      <p:sp>
-        <p:nvSpPr>
-          <p:cNvPr id="5" name="Content Placeholder 4"/>
-          <p:cNvSpPr>
-            <a:spLocks noGrp="1"/>
-          </p:cNvSpPr>
-          <p:nvPr>
-            <p:ph sz="half" idx="1"/>
-          </p:nvPr>
-        </p:nvSpPr>
-        <p:spPr/>
-        <p:txBody>
-          <a:bodyPr>
-            <a:normAutofit/>
-          </a:bodyPr>
-          <a:lstStyle/>
-          <a:p>
-            <a:endParaRPr lang="en-US" dirty="0" smtClean="0"/>
-          </a:p>
-          <a:p>
-            <a:endParaRPr lang="en-US" dirty="0" smtClean="0"/>
-          </a:p>
-          <a:p>
-            <a:endParaRPr lang="en-US" dirty="0" smtClean="0"/>
-          </a:p>
-          <a:p>
-            <a:pPr lvl="1"/>
-            <a:endParaRPr lang="en-US" dirty="0" smtClean="0"/>
-          </a:p>
-          <a:p>
-            <a:endParaRPr lang="en-US" dirty="0"/>
-          </a:p>
-        </p:txBody>
-      </p:sp>
-      <p:sp>
-        <p:nvSpPr>
-          <p:cNvPr id="6" name="Date Placeholder 5"/>
-          <p:cNvSpPr>
-            <a:spLocks noGrp="1"/>
-          </p:cNvSpPr>
-          <p:nvPr>
-            <p:ph type="dt" sz="half" idx="10"/>
-          </p:nvPr>
-        </p:nvSpPr>
-        <p:spPr/>
-        <p:txBody>
-          <a:bodyPr/>
-          <a:lstStyle/>
-          <a:p>
-            <a:r>
-              <a:rPr lang="en-US" smtClean="0"/>
-              <a:t>2015-04-07</a:t>
-            </a:r>
-            <a:endParaRPr lang="en-US"/>
-          </a:p>
-        </p:txBody>
-      </p:sp>
-      <p:sp>
-        <p:nvSpPr>
-          <p:cNvPr id="8" name="Footer Placeholder 7"/>
-          <p:cNvSpPr>
-            <a:spLocks noGrp="1"/>
-          </p:cNvSpPr>
-          <p:nvPr>
-            <p:ph type="ftr" sz="quarter" idx="11"/>
-          </p:nvPr>
-        </p:nvSpPr>
-        <p:spPr/>
-        <p:txBody>
-          <a:bodyPr/>
-          <a:lstStyle/>
-          <a:p>
-            <a:r>
-              <a:rPr lang="en-US" smtClean="0"/>
-              <a:t>Data Acquisition</a:t>
-            </a:r>
-            <a:endParaRPr lang="en-US"/>
-          </a:p>
-        </p:txBody>
-      </p:sp>
-      <p:sp>
-        <p:nvSpPr>
-          <p:cNvPr id="7" name="Slide Number Placeholder 6"/>
-          <p:cNvSpPr>
-            <a:spLocks noGrp="1"/>
-          </p:cNvSpPr>
-          <p:nvPr>
-            <p:ph type="sldNum" sz="quarter" idx="12"/>
-          </p:nvPr>
-        </p:nvSpPr>
-        <p:spPr/>
-        <p:txBody>
-          <a:bodyPr/>
-          <a:lstStyle/>
-          <a:p>
-            <a:fld id="{FD7EC6EF-94A2-4537-B1EB-15D4E295B108}" type="slidenum">
-              <a:rPr lang="en-US" smtClean="0"/>
-              <a:pPr/>
-              <a:t>27</a:t>
-            </a:fld>
-            <a:endParaRPr lang="en-US"/>
-          </a:p>
-        </p:txBody>
-      </p:sp>
-    </p:spTree>
-  </p:cSld>
-  <p:clrMapOvr>
-    <a:masterClrMapping/>
-  </p:clrMapOvr>
-  <p:timing>
-    <p:tnLst>
-      <p:par>
-        <p:cTn id="1" dur="indefinite" restart="never" nodeType="tmRoot"/>
-      </p:par>
-    </p:tnLst>
-  </p:timing>
-</p:sld>
-</file>
-
-<file path=ppt/slides/slide28.xml><?xml version="1.0" encoding="utf-8"?>
-<p:sld xmlns:a="http://schemas.openxmlformats.org/drawingml/2006/main" xmlns:r="http://schemas.openxmlformats.org/officeDocument/2006/relationships" xmlns:p="http://schemas.openxmlformats.org/presentationml/2006/main">
-  <p:cSld>
-    <p:spTree>
-      <p:nvGrpSpPr>
-        <p:cNvPr id="1" name=""/>
-        <p:cNvGrpSpPr/>
-        <p:nvPr/>
-      </p:nvGrpSpPr>
-      <p:grpSpPr>
-        <a:xfrm>
-          <a:off x="0" y="0"/>
-          <a:ext cx="0" cy="0"/>
-          <a:chOff x="0" y="0"/>
-          <a:chExt cx="0" cy="0"/>
-        </a:xfrm>
-      </p:grpSpPr>
-      <p:pic>
-        <p:nvPicPr>
-          <p:cNvPr id="10" name="Content Placeholder 9" descr="resolution-3.png"/>
-          <p:cNvPicPr>
-            <a:picLocks noGrp="1" noChangeAspect="1"/>
-          </p:cNvPicPr>
-          <p:nvPr>
-            <p:ph sz="half" idx="2"/>
-          </p:nvPr>
-        </p:nvPicPr>
-        <p:blipFill>
-          <a:blip r:embed="rId2">
-            <a:clrChange>
-              <a:clrFrom>
-                <a:srgbClr val="FFFFFF"/>
-              </a:clrFrom>
-              <a:clrTo>
-                <a:srgbClr val="FFFFFF">
-                  <a:alpha val="0"/>
-                </a:srgbClr>
-              </a:clrTo>
-            </a:clrChange>
-          </a:blip>
-          <a:stretch>
-            <a:fillRect/>
-          </a:stretch>
-        </p:blipFill>
-        <p:spPr>
-          <a:xfrm>
-            <a:off x="609600" y="609600"/>
-            <a:ext cx="7924800" cy="5943599"/>
-          </a:xfrm>
-        </p:spPr>
-      </p:pic>
-      <p:sp>
-        <p:nvSpPr>
-          <p:cNvPr id="4" name="Title 3"/>
-          <p:cNvSpPr>
-            <a:spLocks noGrp="1"/>
-          </p:cNvSpPr>
-          <p:nvPr>
-            <p:ph type="title"/>
-          </p:nvPr>
-        </p:nvSpPr>
-        <p:spPr/>
-        <p:txBody>
-          <a:bodyPr/>
-          <a:lstStyle/>
-          <a:p>
-            <a:r>
-              <a:rPr lang="en-US" dirty="0" smtClean="0"/>
-              <a:t>ADC Resolution: 4 bits</a:t>
-            </a:r>
-            <a:endParaRPr lang="en-US" dirty="0"/>
-          </a:p>
-        </p:txBody>
-      </p:sp>
-      <p:sp>
-        <p:nvSpPr>
-          <p:cNvPr id="5" name="Content Placeholder 4"/>
-          <p:cNvSpPr>
-            <a:spLocks noGrp="1"/>
-          </p:cNvSpPr>
-          <p:nvPr>
-            <p:ph sz="half" idx="1"/>
-          </p:nvPr>
-        </p:nvSpPr>
-        <p:spPr/>
-        <p:txBody>
-          <a:bodyPr>
-            <a:normAutofit/>
-          </a:bodyPr>
-          <a:lstStyle/>
-          <a:p>
-            <a:endParaRPr lang="en-US" dirty="0" smtClean="0"/>
-          </a:p>
-          <a:p>
-            <a:endParaRPr lang="en-US" dirty="0" smtClean="0"/>
-          </a:p>
-          <a:p>
-            <a:endParaRPr lang="en-US" dirty="0" smtClean="0"/>
-          </a:p>
-          <a:p>
-            <a:pPr lvl="1"/>
-            <a:endParaRPr lang="en-US" dirty="0" smtClean="0"/>
-          </a:p>
-          <a:p>
-            <a:endParaRPr lang="en-US" dirty="0"/>
-          </a:p>
-        </p:txBody>
-      </p:sp>
-      <p:sp>
-        <p:nvSpPr>
-          <p:cNvPr id="6" name="Date Placeholder 5"/>
-          <p:cNvSpPr>
-            <a:spLocks noGrp="1"/>
-          </p:cNvSpPr>
-          <p:nvPr>
-            <p:ph type="dt" sz="half" idx="10"/>
-          </p:nvPr>
-        </p:nvSpPr>
-        <p:spPr/>
-        <p:txBody>
-          <a:bodyPr/>
-          <a:lstStyle/>
-          <a:p>
-            <a:r>
-              <a:rPr lang="en-US" smtClean="0"/>
-              <a:t>2015-04-07</a:t>
-            </a:r>
-            <a:endParaRPr lang="en-US"/>
-          </a:p>
-        </p:txBody>
-      </p:sp>
-      <p:sp>
-        <p:nvSpPr>
-          <p:cNvPr id="8" name="Footer Placeholder 7"/>
-          <p:cNvSpPr>
-            <a:spLocks noGrp="1"/>
-          </p:cNvSpPr>
-          <p:nvPr>
-            <p:ph type="ftr" sz="quarter" idx="11"/>
-          </p:nvPr>
-        </p:nvSpPr>
-        <p:spPr/>
-        <p:txBody>
-          <a:bodyPr/>
-          <a:lstStyle/>
-          <a:p>
-            <a:r>
-              <a:rPr lang="en-US" smtClean="0"/>
-              <a:t>Data Acquisition</a:t>
-            </a:r>
-            <a:endParaRPr lang="en-US"/>
-          </a:p>
-        </p:txBody>
-      </p:sp>
-      <p:sp>
-        <p:nvSpPr>
-          <p:cNvPr id="7" name="Slide Number Placeholder 6"/>
-          <p:cNvSpPr>
-            <a:spLocks noGrp="1"/>
-          </p:cNvSpPr>
-          <p:nvPr>
-            <p:ph type="sldNum" sz="quarter" idx="12"/>
-          </p:nvPr>
-        </p:nvSpPr>
-        <p:spPr/>
-        <p:txBody>
-          <a:bodyPr/>
-          <a:lstStyle/>
-          <a:p>
-            <a:fld id="{FD7EC6EF-94A2-4537-B1EB-15D4E295B108}" type="slidenum">
-              <a:rPr lang="en-US" smtClean="0"/>
-              <a:pPr/>
-              <a:t>28</a:t>
-            </a:fld>
-            <a:endParaRPr lang="en-US"/>
-          </a:p>
-        </p:txBody>
-      </p:sp>
     </p:spTree>
   </p:cSld>
   <p:clrMapOvr>
@@ -18998,7 +19116,7 @@
         <p:spPr>
           <a:xfrm>
             <a:off x="609600" y="609600"/>
-            <a:ext cx="7924800" cy="5943599"/>
+            <a:ext cx="7924800" cy="5943600"/>
           </a:xfrm>
         </p:spPr>
       </p:pic>
@@ -19019,7 +19137,7 @@
           <a:p>
             <a:r>
               <a:rPr lang="en-US" dirty="0" smtClean="0"/>
-              <a:t>ADC Resolution: 8 bits</a:t>
+              <a:t>ADC Resolution: 3 bits</a:t>
             </a:r>
             <a:endParaRPr lang="en-US" dirty="0"/>
           </a:p>
@@ -22013,6 +22131,392 @@
           <a:chExt cx="0" cy="0"/>
         </a:xfrm>
       </p:grpSpPr>
+      <p:pic>
+        <p:nvPicPr>
+          <p:cNvPr id="10" name="Content Placeholder 9" descr="resolution-3.png"/>
+          <p:cNvPicPr>
+            <a:picLocks noGrp="1" noChangeAspect="1"/>
+          </p:cNvPicPr>
+          <p:nvPr>
+            <p:ph sz="half" idx="2"/>
+          </p:nvPr>
+        </p:nvPicPr>
+        <p:blipFill>
+          <a:blip r:embed="rId2">
+            <a:clrChange>
+              <a:clrFrom>
+                <a:srgbClr val="FFFFFF"/>
+              </a:clrFrom>
+              <a:clrTo>
+                <a:srgbClr val="FFFFFF">
+                  <a:alpha val="0"/>
+                </a:srgbClr>
+              </a:clrTo>
+            </a:clrChange>
+          </a:blip>
+          <a:stretch>
+            <a:fillRect/>
+          </a:stretch>
+        </p:blipFill>
+        <p:spPr>
+          <a:xfrm>
+            <a:off x="609600" y="609600"/>
+            <a:ext cx="7924800" cy="5943599"/>
+          </a:xfrm>
+        </p:spPr>
+      </p:pic>
+      <p:sp>
+        <p:nvSpPr>
+          <p:cNvPr id="4" name="Title 3"/>
+          <p:cNvSpPr>
+            <a:spLocks noGrp="1"/>
+          </p:cNvSpPr>
+          <p:nvPr>
+            <p:ph type="title"/>
+          </p:nvPr>
+        </p:nvSpPr>
+        <p:spPr/>
+        <p:txBody>
+          <a:bodyPr/>
+          <a:lstStyle/>
+          <a:p>
+            <a:r>
+              <a:rPr lang="en-US" dirty="0" smtClean="0"/>
+              <a:t>ADC Resolution: 4 bits</a:t>
+            </a:r>
+            <a:endParaRPr lang="en-US" dirty="0"/>
+          </a:p>
+        </p:txBody>
+      </p:sp>
+      <p:sp>
+        <p:nvSpPr>
+          <p:cNvPr id="5" name="Content Placeholder 4"/>
+          <p:cNvSpPr>
+            <a:spLocks noGrp="1"/>
+          </p:cNvSpPr>
+          <p:nvPr>
+            <p:ph sz="half" idx="1"/>
+          </p:nvPr>
+        </p:nvSpPr>
+        <p:spPr/>
+        <p:txBody>
+          <a:bodyPr>
+            <a:normAutofit/>
+          </a:bodyPr>
+          <a:lstStyle/>
+          <a:p>
+            <a:endParaRPr lang="en-US" dirty="0" smtClean="0"/>
+          </a:p>
+          <a:p>
+            <a:endParaRPr lang="en-US" dirty="0" smtClean="0"/>
+          </a:p>
+          <a:p>
+            <a:endParaRPr lang="en-US" dirty="0" smtClean="0"/>
+          </a:p>
+          <a:p>
+            <a:pPr lvl="1"/>
+            <a:endParaRPr lang="en-US" dirty="0" smtClean="0"/>
+          </a:p>
+          <a:p>
+            <a:endParaRPr lang="en-US" dirty="0"/>
+          </a:p>
+        </p:txBody>
+      </p:sp>
+      <p:sp>
+        <p:nvSpPr>
+          <p:cNvPr id="6" name="Date Placeholder 5"/>
+          <p:cNvSpPr>
+            <a:spLocks noGrp="1"/>
+          </p:cNvSpPr>
+          <p:nvPr>
+            <p:ph type="dt" sz="half" idx="10"/>
+          </p:nvPr>
+        </p:nvSpPr>
+        <p:spPr/>
+        <p:txBody>
+          <a:bodyPr/>
+          <a:lstStyle/>
+          <a:p>
+            <a:r>
+              <a:rPr lang="en-US" smtClean="0"/>
+              <a:t>2015-04-07</a:t>
+            </a:r>
+            <a:endParaRPr lang="en-US"/>
+          </a:p>
+        </p:txBody>
+      </p:sp>
+      <p:sp>
+        <p:nvSpPr>
+          <p:cNvPr id="8" name="Footer Placeholder 7"/>
+          <p:cNvSpPr>
+            <a:spLocks noGrp="1"/>
+          </p:cNvSpPr>
+          <p:nvPr>
+            <p:ph type="ftr" sz="quarter" idx="11"/>
+          </p:nvPr>
+        </p:nvSpPr>
+        <p:spPr/>
+        <p:txBody>
+          <a:bodyPr/>
+          <a:lstStyle/>
+          <a:p>
+            <a:r>
+              <a:rPr lang="en-US" smtClean="0"/>
+              <a:t>Data Acquisition</a:t>
+            </a:r>
+            <a:endParaRPr lang="en-US"/>
+          </a:p>
+        </p:txBody>
+      </p:sp>
+      <p:sp>
+        <p:nvSpPr>
+          <p:cNvPr id="7" name="Slide Number Placeholder 6"/>
+          <p:cNvSpPr>
+            <a:spLocks noGrp="1"/>
+          </p:cNvSpPr>
+          <p:nvPr>
+            <p:ph type="sldNum" sz="quarter" idx="12"/>
+          </p:nvPr>
+        </p:nvSpPr>
+        <p:spPr/>
+        <p:txBody>
+          <a:bodyPr/>
+          <a:lstStyle/>
+          <a:p>
+            <a:fld id="{FD7EC6EF-94A2-4537-B1EB-15D4E295B108}" type="slidenum">
+              <a:rPr lang="en-US" smtClean="0"/>
+              <a:pPr/>
+              <a:t>30</a:t>
+            </a:fld>
+            <a:endParaRPr lang="en-US"/>
+          </a:p>
+        </p:txBody>
+      </p:sp>
+    </p:spTree>
+  </p:cSld>
+  <p:clrMapOvr>
+    <a:masterClrMapping/>
+  </p:clrMapOvr>
+  <p:timing>
+    <p:tnLst>
+      <p:par>
+        <p:cTn id="1" dur="indefinite" restart="never" nodeType="tmRoot"/>
+      </p:par>
+    </p:tnLst>
+  </p:timing>
+</p:sld>
+</file>
+
+<file path=ppt/slides/slide31.xml><?xml version="1.0" encoding="utf-8"?>
+<p:sld xmlns:a="http://schemas.openxmlformats.org/drawingml/2006/main" xmlns:r="http://schemas.openxmlformats.org/officeDocument/2006/relationships" xmlns:p="http://schemas.openxmlformats.org/presentationml/2006/main">
+  <p:cSld>
+    <p:spTree>
+      <p:nvGrpSpPr>
+        <p:cNvPr id="1" name=""/>
+        <p:cNvGrpSpPr/>
+        <p:nvPr/>
+      </p:nvGrpSpPr>
+      <p:grpSpPr>
+        <a:xfrm>
+          <a:off x="0" y="0"/>
+          <a:ext cx="0" cy="0"/>
+          <a:chOff x="0" y="0"/>
+          <a:chExt cx="0" cy="0"/>
+        </a:xfrm>
+      </p:grpSpPr>
+      <p:pic>
+        <p:nvPicPr>
+          <p:cNvPr id="10" name="Content Placeholder 9" descr="resolution-3.png"/>
+          <p:cNvPicPr>
+            <a:picLocks noGrp="1" noChangeAspect="1"/>
+          </p:cNvPicPr>
+          <p:nvPr>
+            <p:ph sz="half" idx="2"/>
+          </p:nvPr>
+        </p:nvPicPr>
+        <p:blipFill>
+          <a:blip r:embed="rId2">
+            <a:clrChange>
+              <a:clrFrom>
+                <a:srgbClr val="FFFFFF"/>
+              </a:clrFrom>
+              <a:clrTo>
+                <a:srgbClr val="FFFFFF">
+                  <a:alpha val="0"/>
+                </a:srgbClr>
+              </a:clrTo>
+            </a:clrChange>
+          </a:blip>
+          <a:stretch>
+            <a:fillRect/>
+          </a:stretch>
+        </p:blipFill>
+        <p:spPr>
+          <a:xfrm>
+            <a:off x="609600" y="609600"/>
+            <a:ext cx="7924800" cy="5943599"/>
+          </a:xfrm>
+        </p:spPr>
+      </p:pic>
+      <p:sp>
+        <p:nvSpPr>
+          <p:cNvPr id="4" name="Title 3"/>
+          <p:cNvSpPr>
+            <a:spLocks noGrp="1"/>
+          </p:cNvSpPr>
+          <p:nvPr>
+            <p:ph type="title"/>
+          </p:nvPr>
+        </p:nvSpPr>
+        <p:spPr/>
+        <p:txBody>
+          <a:bodyPr/>
+          <a:lstStyle/>
+          <a:p>
+            <a:r>
+              <a:rPr lang="en-US" dirty="0" smtClean="0"/>
+              <a:t>ADC Resolution: 8 bits</a:t>
+            </a:r>
+            <a:endParaRPr lang="en-US" dirty="0"/>
+          </a:p>
+        </p:txBody>
+      </p:sp>
+      <p:sp>
+        <p:nvSpPr>
+          <p:cNvPr id="5" name="Content Placeholder 4"/>
+          <p:cNvSpPr>
+            <a:spLocks noGrp="1"/>
+          </p:cNvSpPr>
+          <p:nvPr>
+            <p:ph sz="half" idx="1"/>
+          </p:nvPr>
+        </p:nvSpPr>
+        <p:spPr/>
+        <p:txBody>
+          <a:bodyPr>
+            <a:normAutofit/>
+          </a:bodyPr>
+          <a:lstStyle/>
+          <a:p>
+            <a:endParaRPr lang="en-US" dirty="0" smtClean="0"/>
+          </a:p>
+          <a:p>
+            <a:endParaRPr lang="en-US" dirty="0" smtClean="0"/>
+          </a:p>
+          <a:p>
+            <a:endParaRPr lang="en-US" dirty="0" smtClean="0"/>
+          </a:p>
+          <a:p>
+            <a:pPr lvl="1"/>
+            <a:endParaRPr lang="en-US" dirty="0" smtClean="0"/>
+          </a:p>
+          <a:p>
+            <a:endParaRPr lang="en-US" dirty="0"/>
+          </a:p>
+        </p:txBody>
+      </p:sp>
+      <p:sp>
+        <p:nvSpPr>
+          <p:cNvPr id="6" name="Date Placeholder 5"/>
+          <p:cNvSpPr>
+            <a:spLocks noGrp="1"/>
+          </p:cNvSpPr>
+          <p:nvPr>
+            <p:ph type="dt" sz="half" idx="10"/>
+          </p:nvPr>
+        </p:nvSpPr>
+        <p:spPr/>
+        <p:txBody>
+          <a:bodyPr/>
+          <a:lstStyle/>
+          <a:p>
+            <a:r>
+              <a:rPr lang="en-US" smtClean="0"/>
+              <a:t>2015-04-07</a:t>
+            </a:r>
+            <a:endParaRPr lang="en-US"/>
+          </a:p>
+        </p:txBody>
+      </p:sp>
+      <p:sp>
+        <p:nvSpPr>
+          <p:cNvPr id="8" name="Footer Placeholder 7"/>
+          <p:cNvSpPr>
+            <a:spLocks noGrp="1"/>
+          </p:cNvSpPr>
+          <p:nvPr>
+            <p:ph type="ftr" sz="quarter" idx="11"/>
+          </p:nvPr>
+        </p:nvSpPr>
+        <p:spPr/>
+        <p:txBody>
+          <a:bodyPr/>
+          <a:lstStyle/>
+          <a:p>
+            <a:r>
+              <a:rPr lang="en-US" smtClean="0"/>
+              <a:t>Data Acquisition</a:t>
+            </a:r>
+            <a:endParaRPr lang="en-US"/>
+          </a:p>
+        </p:txBody>
+      </p:sp>
+      <p:sp>
+        <p:nvSpPr>
+          <p:cNvPr id="7" name="Slide Number Placeholder 6"/>
+          <p:cNvSpPr>
+            <a:spLocks noGrp="1"/>
+          </p:cNvSpPr>
+          <p:nvPr>
+            <p:ph type="sldNum" sz="quarter" idx="12"/>
+          </p:nvPr>
+        </p:nvSpPr>
+        <p:spPr/>
+        <p:txBody>
+          <a:bodyPr/>
+          <a:lstStyle/>
+          <a:p>
+            <a:fld id="{FD7EC6EF-94A2-4537-B1EB-15D4E295B108}" type="slidenum">
+              <a:rPr lang="en-US" smtClean="0"/>
+              <a:pPr/>
+              <a:t>31</a:t>
+            </a:fld>
+            <a:endParaRPr lang="en-US"/>
+          </a:p>
+        </p:txBody>
+      </p:sp>
+    </p:spTree>
+  </p:cSld>
+  <p:clrMapOvr>
+    <a:masterClrMapping/>
+  </p:clrMapOvr>
+  <p:timing>
+    <p:tnLst>
+      <p:par>
+        <p:cTn id="1" dur="indefinite" restart="never" nodeType="tmRoot"/>
+      </p:par>
+    </p:tnLst>
+  </p:timing>
+</p:sld>
+</file>
+
+<file path=ppt/slides/slide32.xml><?xml version="1.0" encoding="utf-8"?>
+<p:sld xmlns:a="http://schemas.openxmlformats.org/drawingml/2006/main" xmlns:r="http://schemas.openxmlformats.org/officeDocument/2006/relationships" xmlns:p="http://schemas.openxmlformats.org/presentationml/2006/main">
+  <p:cSld>
+    <p:spTree>
+      <p:nvGrpSpPr>
+        <p:cNvPr id="1" name=""/>
+        <p:cNvGrpSpPr/>
+        <p:nvPr/>
+      </p:nvGrpSpPr>
+      <p:grpSpPr>
+        <a:xfrm>
+          <a:off x="0" y="0"/>
+          <a:ext cx="0" cy="0"/>
+          <a:chOff x="0" y="0"/>
+          <a:chExt cx="0" cy="0"/>
+        </a:xfrm>
+      </p:grpSpPr>
       <p:sp>
         <p:nvSpPr>
           <p:cNvPr id="4" name="Title 3"/>
@@ -22322,7 +22826,7 @@
             <a:fld id="{FD7EC6EF-94A2-4537-B1EB-15D4E295B108}" type="slidenum">
               <a:rPr lang="en-US" smtClean="0"/>
               <a:pPr/>
-              <a:t>30</a:t>
+              <a:t>32</a:t>
             </a:fld>
             <a:endParaRPr lang="en-US"/>
           </a:p>
@@ -22789,7 +23293,7 @@
 </p:sld>
 </file>
 
-<file path=ppt/slides/slide31.xml><?xml version="1.0" encoding="utf-8"?>
+<file path=ppt/slides/slide33.xml><?xml version="1.0" encoding="utf-8"?>
 <p:sld xmlns:a="http://schemas.openxmlformats.org/drawingml/2006/main" xmlns:r="http://schemas.openxmlformats.org/officeDocument/2006/relationships" xmlns:p="http://schemas.openxmlformats.org/presentationml/2006/main">
   <p:cSld>
     <p:spTree>
@@ -23035,7 +23539,7 @@
             <a:fld id="{FD7EC6EF-94A2-4537-B1EB-15D4E295B108}" type="slidenum">
               <a:rPr lang="en-US" smtClean="0"/>
               <a:pPr/>
-              <a:t>31</a:t>
+              <a:t>33</a:t>
             </a:fld>
             <a:endParaRPr lang="en-US"/>
           </a:p>
@@ -23498,9 +24002,59 @@
         </p:xfrm>
         <a:graphic>
           <a:graphicData uri="http://schemas.openxmlformats.org/presentationml/2006/ole">
-            <p:oleObj spid="_x0000_s24578" name="Formula" r:id="rId5" imgW="945000" imgH="171720" progId="Equation.Ribbit">
-              <p:embed/>
-            </p:oleObj>
+            <mc:AlternateContent xmlns:mc="http://schemas.openxmlformats.org/markup-compatibility/2006">
+              <mc:Choice xmlns:v="urn:schemas-microsoft-com:vml" Requires="v">
+                <p:oleObj spid="_x0000_s24582" name="Formula" r:id="rId5" imgW="945000" imgH="171720" progId="Equation.Ribbit">
+                  <p:embed/>
+                </p:oleObj>
+              </mc:Choice>
+              <mc:Fallback>
+                <p:oleObj name="Formula" r:id="rId5" imgW="945000" imgH="171720" progId="Equation.Ribbit">
+                  <p:embed/>
+                  <p:pic>
+                    <p:nvPicPr>
+                      <p:cNvPr id="0" name="Picture 2"/>
+                      <p:cNvPicPr>
+                        <a:picLocks noChangeAspect="1" noChangeArrowheads="1"/>
+                      </p:cNvPicPr>
+                      <p:nvPr/>
+                    </p:nvPicPr>
+                    <p:blipFill>
+                      <a:blip r:embed="rId6">
+                        <a:extLst>
+                          <a:ext uri="{28A0092B-C50C-407E-A947-70E740481C1C}">
+                            <a14:useLocalDpi xmlns:a14="http://schemas.microsoft.com/office/drawing/2010/main" val="0"/>
+                          </a:ext>
+                        </a:extLst>
+                      </a:blip>
+                      <a:srcRect/>
+                      <a:stretch>
+                        <a:fillRect/>
+                      </a:stretch>
+                    </p:blipFill>
+                    <p:spPr bwMode="auto">
+                      <a:xfrm>
+                        <a:off x="6324600" y="3886200"/>
+                        <a:ext cx="2362200" cy="428769"/>
+                      </a:xfrm>
+                      <a:prstGeom prst="rect">
+                        <a:avLst/>
+                      </a:prstGeom>
+                      <a:noFill/>
+                      <a:extLst>
+                        <a:ext uri="{909E8E84-426E-40DD-AFC4-6F175D3DCCD1}">
+                          <a14:hiddenFill xmlns:a14="http://schemas.microsoft.com/office/drawing/2010/main">
+                            <a:solidFill>
+                              <a:srgbClr val="FFFFFF"/>
+                            </a:solidFill>
+                          </a14:hiddenFill>
+                        </a:ext>
+                      </a:extLst>
+                    </p:spPr>
+                  </p:pic>
+                </p:oleObj>
+              </mc:Fallback>
+            </mc:AlternateContent>
           </a:graphicData>
         </a:graphic>
       </p:graphicFrame>
@@ -23518,9 +24072,59 @@
         </p:xfrm>
         <a:graphic>
           <a:graphicData uri="http://schemas.openxmlformats.org/presentationml/2006/ole">
-            <p:oleObj spid="_x0000_s24579" name="Formula" r:id="rId6" imgW="1904040" imgH="1049040" progId="Equation.Ribbit">
-              <p:embed/>
-            </p:oleObj>
+            <mc:AlternateContent xmlns:mc="http://schemas.openxmlformats.org/markup-compatibility/2006">
+              <mc:Choice xmlns:v="urn:schemas-microsoft-com:vml" Requires="v">
+                <p:oleObj spid="_x0000_s24583" name="Formula" r:id="rId7" imgW="1904040" imgH="1049040" progId="Equation.Ribbit">
+                  <p:embed/>
+                </p:oleObj>
+              </mc:Choice>
+              <mc:Fallback>
+                <p:oleObj name="Formula" r:id="rId7" imgW="1904040" imgH="1049040" progId="Equation.Ribbit">
+                  <p:embed/>
+                  <p:pic>
+                    <p:nvPicPr>
+                      <p:cNvPr id="0" name="Picture 3"/>
+                      <p:cNvPicPr>
+                        <a:picLocks noChangeAspect="1" noChangeArrowheads="1"/>
+                      </p:cNvPicPr>
+                      <p:nvPr/>
+                    </p:nvPicPr>
+                    <p:blipFill>
+                      <a:blip r:embed="rId8">
+                        <a:extLst>
+                          <a:ext uri="{28A0092B-C50C-407E-A947-70E740481C1C}">
+                            <a14:useLocalDpi xmlns:a14="http://schemas.microsoft.com/office/drawing/2010/main" val="0"/>
+                          </a:ext>
+                        </a:extLst>
+                      </a:blip>
+                      <a:srcRect/>
+                      <a:stretch>
+                        <a:fillRect/>
+                      </a:stretch>
+                    </p:blipFill>
+                    <p:spPr bwMode="auto">
+                      <a:xfrm>
+                        <a:off x="6172200" y="4648200"/>
+                        <a:ext cx="2764413" cy="1524000"/>
+                      </a:xfrm>
+                      <a:prstGeom prst="rect">
+                        <a:avLst/>
+                      </a:prstGeom>
+                      <a:noFill/>
+                      <a:extLst>
+                        <a:ext uri="{909E8E84-426E-40DD-AFC4-6F175D3DCCD1}">
+                          <a14:hiddenFill xmlns:a14="http://schemas.microsoft.com/office/drawing/2010/main">
+                            <a:solidFill>
+                              <a:srgbClr val="FFFFFF"/>
+                            </a:solidFill>
+                          </a14:hiddenFill>
+                        </a:ext>
+                      </a:extLst>
+                    </p:spPr>
+                  </p:pic>
+                </p:oleObj>
+              </mc:Fallback>
+            </mc:AlternateContent>
           </a:graphicData>
         </a:graphic>
       </p:graphicFrame>
@@ -23753,7 +24357,7 @@
 </p:sld>
 </file>
 
-<file path=ppt/slides/slide32.xml><?xml version="1.0" encoding="utf-8"?>
+<file path=ppt/slides/slide34.xml><?xml version="1.0" encoding="utf-8"?>
 <p:sld xmlns:a="http://schemas.openxmlformats.org/drawingml/2006/main" xmlns:r="http://schemas.openxmlformats.org/officeDocument/2006/relationships" xmlns:p="http://schemas.openxmlformats.org/presentationml/2006/main">
   <p:cSld>
     <p:spTree>
@@ -23896,7 +24500,7 @@
             <a:fld id="{FD7EC6EF-94A2-4537-B1EB-15D4E295B108}" type="slidenum">
               <a:rPr lang="en-US" smtClean="0"/>
               <a:pPr/>
-              <a:t>32</a:t>
+              <a:t>34</a:t>
             </a:fld>
             <a:endParaRPr lang="en-US"/>
           </a:p>
@@ -23916,9 +24520,59 @@
         </p:xfrm>
         <a:graphic>
           <a:graphicData uri="http://schemas.openxmlformats.org/presentationml/2006/ole">
-            <p:oleObj spid="_x0000_s25602" name="Formula" r:id="rId3" imgW="688680" imgH="164160" progId="Equation.Ribbit">
-              <p:embed/>
-            </p:oleObj>
+            <mc:AlternateContent xmlns:mc="http://schemas.openxmlformats.org/markup-compatibility/2006">
+              <mc:Choice xmlns:v="urn:schemas-microsoft-com:vml" Requires="v">
+                <p:oleObj spid="_x0000_s25606" name="Formula" r:id="rId3" imgW="688680" imgH="164160" progId="Equation.Ribbit">
+                  <p:embed/>
+                </p:oleObj>
+              </mc:Choice>
+              <mc:Fallback>
+                <p:oleObj name="Formula" r:id="rId3" imgW="688680" imgH="164160" progId="Equation.Ribbit">
+                  <p:embed/>
+                  <p:pic>
+                    <p:nvPicPr>
+                      <p:cNvPr id="0" name="Picture 2"/>
+                      <p:cNvPicPr>
+                        <a:picLocks noChangeAspect="1" noChangeArrowheads="1"/>
+                      </p:cNvPicPr>
+                      <p:nvPr/>
+                    </p:nvPicPr>
+                    <p:blipFill>
+                      <a:blip r:embed="rId4">
+                        <a:extLst>
+                          <a:ext uri="{28A0092B-C50C-407E-A947-70E740481C1C}">
+                            <a14:useLocalDpi xmlns:a14="http://schemas.microsoft.com/office/drawing/2010/main" val="0"/>
+                          </a:ext>
+                        </a:extLst>
+                      </a:blip>
+                      <a:srcRect/>
+                      <a:stretch>
+                        <a:fillRect/>
+                      </a:stretch>
+                    </p:blipFill>
+                    <p:spPr bwMode="auto">
+                      <a:xfrm>
+                        <a:off x="2587625" y="1539875"/>
+                        <a:ext cx="3530600" cy="838200"/>
+                      </a:xfrm>
+                      <a:prstGeom prst="rect">
+                        <a:avLst/>
+                      </a:prstGeom>
+                      <a:noFill/>
+                      <a:extLst>
+                        <a:ext uri="{909E8E84-426E-40DD-AFC4-6F175D3DCCD1}">
+                          <a14:hiddenFill xmlns:a14="http://schemas.microsoft.com/office/drawing/2010/main">
+                            <a:solidFill>
+                              <a:srgbClr val="FFFFFF"/>
+                            </a:solidFill>
+                          </a14:hiddenFill>
+                        </a:ext>
+                      </a:extLst>
+                    </p:spPr>
+                  </p:pic>
+                </p:oleObj>
+              </mc:Fallback>
+            </mc:AlternateContent>
           </a:graphicData>
         </a:graphic>
       </p:graphicFrame>
@@ -24044,9 +24698,59 @@
         </p:xfrm>
         <a:graphic>
           <a:graphicData uri="http://schemas.openxmlformats.org/presentationml/2006/ole">
-            <p:oleObj spid="_x0000_s25603" name="Formula" r:id="rId4" imgW="613440" imgH="164160" progId="Equation.Ribbit">
-              <p:embed/>
-            </p:oleObj>
+            <mc:AlternateContent xmlns:mc="http://schemas.openxmlformats.org/markup-compatibility/2006">
+              <mc:Choice xmlns:v="urn:schemas-microsoft-com:vml" Requires="v">
+                <p:oleObj spid="_x0000_s25607" name="Formula" r:id="rId5" imgW="613440" imgH="164160" progId="Equation.Ribbit">
+                  <p:embed/>
+                </p:oleObj>
+              </mc:Choice>
+              <mc:Fallback>
+                <p:oleObj name="Formula" r:id="rId5" imgW="613440" imgH="164160" progId="Equation.Ribbit">
+                  <p:embed/>
+                  <p:pic>
+                    <p:nvPicPr>
+                      <p:cNvPr id="0" name="Picture 3"/>
+                      <p:cNvPicPr>
+                        <a:picLocks noChangeAspect="1" noChangeArrowheads="1"/>
+                      </p:cNvPicPr>
+                      <p:nvPr/>
+                    </p:nvPicPr>
+                    <p:blipFill>
+                      <a:blip r:embed="rId6">
+                        <a:extLst>
+                          <a:ext uri="{28A0092B-C50C-407E-A947-70E740481C1C}">
+                            <a14:useLocalDpi xmlns:a14="http://schemas.microsoft.com/office/drawing/2010/main" val="0"/>
+                          </a:ext>
+                        </a:extLst>
+                      </a:blip>
+                      <a:srcRect/>
+                      <a:stretch>
+                        <a:fillRect/>
+                      </a:stretch>
+                    </p:blipFill>
+                    <p:spPr bwMode="auto">
+                      <a:xfrm>
+                        <a:off x="3505200" y="5722938"/>
+                        <a:ext cx="1649413" cy="441325"/>
+                      </a:xfrm>
+                      <a:prstGeom prst="rect">
+                        <a:avLst/>
+                      </a:prstGeom>
+                      <a:noFill/>
+                      <a:extLst>
+                        <a:ext uri="{909E8E84-426E-40DD-AFC4-6F175D3DCCD1}">
+                          <a14:hiddenFill xmlns:a14="http://schemas.microsoft.com/office/drawing/2010/main">
+                            <a:solidFill>
+                              <a:srgbClr val="FFFFFF"/>
+                            </a:solidFill>
+                          </a14:hiddenFill>
+                        </a:ext>
+                      </a:extLst>
+                    </p:spPr>
+                  </p:pic>
+                </p:oleObj>
+              </mc:Fallback>
+            </mc:AlternateContent>
           </a:graphicData>
         </a:graphic>
       </p:graphicFrame>
@@ -24065,7 +24769,7 @@
 </p:sld>
 </file>
 
-<file path=ppt/slides/slide33.xml><?xml version="1.0" encoding="utf-8"?>
+<file path=ppt/slides/slide35.xml><?xml version="1.0" encoding="utf-8"?>
 <p:sld xmlns:a="http://schemas.openxmlformats.org/drawingml/2006/main" xmlns:r="http://schemas.openxmlformats.org/officeDocument/2006/relationships" xmlns:p="http://schemas.openxmlformats.org/presentationml/2006/main">
   <p:cSld>
     <p:spTree>
@@ -24198,7 +24902,7 @@
             <a:fld id="{FD7EC6EF-94A2-4537-B1EB-15D4E295B108}" type="slidenum">
               <a:rPr lang="en-US" smtClean="0"/>
               <a:pPr/>
-              <a:t>33</a:t>
+              <a:t>35</a:t>
             </a:fld>
             <a:endParaRPr lang="en-US"/>
           </a:p>
@@ -24245,7 +24949,7 @@
 </p:sld>
 </file>
 
-<file path=ppt/slides/slide34.xml><?xml version="1.0" encoding="utf-8"?>
+<file path=ppt/slides/slide36.xml><?xml version="1.0" encoding="utf-8"?>
 <p:sld xmlns:a="http://schemas.openxmlformats.org/drawingml/2006/main" xmlns:r="http://schemas.openxmlformats.org/officeDocument/2006/relationships" xmlns:p="http://schemas.openxmlformats.org/presentationml/2006/main">
   <p:cSld>
     <p:spTree>
@@ -24349,7 +25053,7 @@
             <a:fld id="{FD7EC6EF-94A2-4537-B1EB-15D4E295B108}" type="slidenum">
               <a:rPr lang="en-US" smtClean="0"/>
               <a:pPr/>
-              <a:t>34</a:t>
+              <a:t>36</a:t>
             </a:fld>
             <a:endParaRPr lang="en-US"/>
           </a:p>
@@ -24440,7 +25144,7 @@
 </p:sld>
 </file>
 
-<file path=ppt/slides/slide35.xml><?xml version="1.0" encoding="utf-8"?>
+<file path=ppt/slides/slide37.xml><?xml version="1.0" encoding="utf-8"?>
 <p:sld xmlns:a="http://schemas.openxmlformats.org/drawingml/2006/main" xmlns:r="http://schemas.openxmlformats.org/officeDocument/2006/relationships" xmlns:p="http://schemas.openxmlformats.org/presentationml/2006/main">
   <p:cSld>
     <p:spTree>
@@ -24544,7 +25248,7 @@
             <a:fld id="{FD7EC6EF-94A2-4537-B1EB-15D4E295B108}" type="slidenum">
               <a:rPr lang="en-US" smtClean="0"/>
               <a:pPr/>
-              <a:t>35</a:t>
+              <a:t>37</a:t>
             </a:fld>
             <a:endParaRPr lang="en-US"/>
           </a:p>
@@ -26349,7 +27053,7 @@
 </p:sld>
 </file>
 
-<file path=ppt/slides/slide36.xml><?xml version="1.0" encoding="utf-8"?>
+<file path=ppt/slides/slide38.xml><?xml version="1.0" encoding="utf-8"?>
 <p:sld xmlns:a="http://schemas.openxmlformats.org/drawingml/2006/main" xmlns:r="http://schemas.openxmlformats.org/officeDocument/2006/relationships" xmlns:p="http://schemas.openxmlformats.org/presentationml/2006/main">
   <p:cSld>
     <p:spTree>
@@ -26589,7 +27293,7 @@
             <a:fld id="{FD7EC6EF-94A2-4537-B1EB-15D4E295B108}" type="slidenum">
               <a:rPr lang="en-US" smtClean="0"/>
               <a:pPr/>
-              <a:t>36</a:t>
+              <a:t>38</a:t>
             </a:fld>
             <a:endParaRPr lang="en-US"/>
           </a:p>
@@ -26922,7 +27626,7 @@
 </p:sld>
 </file>
 
-<file path=ppt/slides/slide37.xml><?xml version="1.0" encoding="utf-8"?>
+<file path=ppt/slides/slide39.xml><?xml version="1.0" encoding="utf-8"?>
 <p:sld xmlns:a="http://schemas.openxmlformats.org/drawingml/2006/main" xmlns:r="http://schemas.openxmlformats.org/officeDocument/2006/relationships" xmlns:p="http://schemas.openxmlformats.org/presentationml/2006/main">
   <p:cSld>
     <p:spTree>
@@ -27026,7 +27730,7 @@
             <a:fld id="{FD7EC6EF-94A2-4537-B1EB-15D4E295B108}" type="slidenum">
               <a:rPr lang="en-US" smtClean="0"/>
               <a:pPr/>
-              <a:t>37</a:t>
+              <a:t>39</a:t>
             </a:fld>
             <a:endParaRPr lang="en-US"/>
           </a:p>
@@ -27119,7 +27823,7 @@
 </p:sld>
 </file>
 
-<file path=ppt/slides/slide38.xml><?xml version="1.0" encoding="utf-8"?>
+<file path=ppt/slides/slide4.xml><?xml version="1.0" encoding="utf-8"?>
 <p:sld xmlns:a="http://schemas.openxmlformats.org/drawingml/2006/main" xmlns:r="http://schemas.openxmlformats.org/officeDocument/2006/relationships" xmlns:p="http://schemas.openxmlformats.org/presentationml/2006/main">
   <p:cSld>
     <p:spTree>
@@ -27153,9 +27857,174 @@
           <a:p>
             <a:r>
               <a:rPr lang="en-US" dirty="0" smtClean="0"/>
-              <a:t>Some Examples</a:t>
+              <a:t>Data Acquisition</a:t>
             </a:r>
             <a:endParaRPr lang="en-US" dirty="0"/>
+          </a:p>
+        </p:txBody>
+      </p:sp>
+      <p:sp>
+        <p:nvSpPr>
+          <p:cNvPr id="5" name="Content Placeholder 4"/>
+          <p:cNvSpPr>
+            <a:spLocks noGrp="1"/>
+          </p:cNvSpPr>
+          <p:nvPr>
+            <p:ph idx="1"/>
+          </p:nvPr>
+        </p:nvSpPr>
+        <p:spPr>
+          <a:xfrm>
+            <a:off x="228600" y="1143000"/>
+            <a:ext cx="8686800" cy="5410200"/>
+          </a:xfrm>
+        </p:spPr>
+        <p:txBody>
+          <a:bodyPr>
+            <a:normAutofit/>
+          </a:bodyPr>
+          <a:lstStyle/>
+          <a:p>
+            <a:r>
+              <a:rPr lang="en-US" dirty="0" smtClean="0">
+                <a:solidFill>
+                  <a:schemeClr val="bg1">
+                    <a:lumMod val="65000"/>
+                  </a:schemeClr>
+                </a:solidFill>
+              </a:rPr>
+              <a:t>Data Acquisition or DAQ is the process of converting real-world measurements into digital computer data</a:t>
+            </a:r>
+          </a:p>
+          <a:p>
+            <a:pPr lvl="1"/>
+            <a:r>
+              <a:rPr lang="en-US" dirty="0" smtClean="0">
+                <a:solidFill>
+                  <a:schemeClr val="bg1">
+                    <a:lumMod val="65000"/>
+                  </a:schemeClr>
+                </a:solidFill>
+              </a:rPr>
+              <a:t>Signal measurement</a:t>
+            </a:r>
+          </a:p>
+          <a:p>
+            <a:pPr lvl="1"/>
+            <a:r>
+              <a:rPr lang="en-US" dirty="0" smtClean="0">
+                <a:solidFill>
+                  <a:schemeClr val="bg1">
+                    <a:lumMod val="65000"/>
+                  </a:schemeClr>
+                </a:solidFill>
+              </a:rPr>
+              <a:t>Signal digitization</a:t>
+            </a:r>
+          </a:p>
+          <a:p>
+            <a:pPr lvl="1"/>
+            <a:r>
+              <a:rPr lang="en-US" dirty="0" smtClean="0">
+                <a:solidFill>
+                  <a:schemeClr val="bg1">
+                    <a:lumMod val="65000"/>
+                  </a:schemeClr>
+                </a:solidFill>
+              </a:rPr>
+              <a:t>Moving the data to computer memory and/or disk</a:t>
+            </a:r>
+          </a:p>
+          <a:p>
+            <a:r>
+              <a:rPr lang="en-US" dirty="0" smtClean="0">
+                <a:solidFill>
+                  <a:schemeClr val="bg1">
+                    <a:lumMod val="65000"/>
+                  </a:schemeClr>
+                </a:solidFill>
+              </a:rPr>
+              <a:t>DAQ may also encompass signal generation</a:t>
+            </a:r>
+          </a:p>
+          <a:p>
+            <a:pPr lvl="1"/>
+            <a:r>
+              <a:rPr lang="en-US" dirty="0" smtClean="0">
+                <a:solidFill>
+                  <a:schemeClr val="bg1">
+                    <a:lumMod val="65000"/>
+                  </a:schemeClr>
+                </a:solidFill>
+              </a:rPr>
+              <a:t>Waveform generation</a:t>
+            </a:r>
+          </a:p>
+          <a:p>
+            <a:pPr lvl="1"/>
+            <a:r>
+              <a:rPr lang="en-US" dirty="0" smtClean="0">
+                <a:solidFill>
+                  <a:schemeClr val="bg1">
+                    <a:lumMod val="65000"/>
+                  </a:schemeClr>
+                </a:solidFill>
+              </a:rPr>
+              <a:t>Triggering</a:t>
+            </a:r>
+          </a:p>
+          <a:p>
+            <a:pPr lvl="1"/>
+            <a:r>
+              <a:rPr lang="en-US" dirty="0" smtClean="0">
+                <a:solidFill>
+                  <a:schemeClr val="bg1">
+                    <a:lumMod val="65000"/>
+                  </a:schemeClr>
+                </a:solidFill>
+              </a:rPr>
+              <a:t>Control systems</a:t>
+            </a:r>
+          </a:p>
+          <a:p>
+            <a:r>
+              <a:rPr lang="en-US" dirty="0" smtClean="0">
+                <a:solidFill>
+                  <a:schemeClr val="bg1">
+                    <a:lumMod val="65000"/>
+                  </a:schemeClr>
+                </a:solidFill>
+              </a:rPr>
+              <a:t>In 2015, if you’re writing data down by hand, you’re probably doing it wrong</a:t>
+            </a:r>
+          </a:p>
+          <a:p>
+            <a:endParaRPr lang="en-US" dirty="0" smtClean="0">
+              <a:solidFill>
+                <a:schemeClr val="bg1">
+                  <a:lumMod val="65000"/>
+                </a:schemeClr>
+              </a:solidFill>
+            </a:endParaRPr>
+          </a:p>
+          <a:p>
+            <a:pPr lvl="1"/>
+            <a:endParaRPr lang="en-US" dirty="0" smtClean="0">
+              <a:solidFill>
+                <a:schemeClr val="bg1">
+                  <a:lumMod val="65000"/>
+                </a:schemeClr>
+              </a:solidFill>
+            </a:endParaRPr>
+          </a:p>
+          <a:p>
+            <a:endParaRPr lang="en-US" dirty="0">
+              <a:solidFill>
+                <a:schemeClr val="bg1">
+                  <a:lumMod val="65000"/>
+                </a:schemeClr>
+              </a:solidFill>
+            </a:endParaRPr>
           </a:p>
         </p:txBody>
       </p:sp>
@@ -27200,7 +28069,473 @@
             <a:fld id="{FD7EC6EF-94A2-4537-B1EB-15D4E295B108}" type="slidenum">
               <a:rPr lang="en-US" smtClean="0"/>
               <a:pPr/>
-              <a:t>38</a:t>
+              <a:t>4</a:t>
+            </a:fld>
+            <a:endParaRPr lang="en-US"/>
+          </a:p>
+        </p:txBody>
+      </p:sp>
+      <p:sp>
+        <p:nvSpPr>
+          <p:cNvPr id="8" name="Footer Placeholder 7"/>
+          <p:cNvSpPr>
+            <a:spLocks noGrp="1"/>
+          </p:cNvSpPr>
+          <p:nvPr>
+            <p:ph type="ftr" sz="quarter" idx="11"/>
+          </p:nvPr>
+        </p:nvSpPr>
+        <p:spPr/>
+        <p:txBody>
+          <a:bodyPr/>
+          <a:lstStyle/>
+          <a:p>
+            <a:r>
+              <a:rPr lang="en-US" smtClean="0"/>
+              <a:t>Data Acquisition</a:t>
+            </a:r>
+            <a:endParaRPr lang="en-US"/>
+          </a:p>
+        </p:txBody>
+      </p:sp>
+    </p:spTree>
+  </p:cSld>
+  <p:clrMapOvr>
+    <a:masterClrMapping/>
+  </p:clrMapOvr>
+  <p:timing>
+    <p:tnLst>
+      <p:par>
+        <p:cTn id="1" dur="indefinite" restart="never" nodeType="tmRoot">
+          <p:childTnLst>
+            <p:seq concurrent="1" nextAc="seek">
+              <p:cTn id="2" dur="indefinite" nodeType="mainSeq">
+                <p:childTnLst>
+                  <p:par>
+                    <p:cTn id="3" fill="hold">
+                      <p:stCondLst>
+                        <p:cond delay="indefinite"/>
+                      </p:stCondLst>
+                      <p:childTnLst>
+                        <p:par>
+                          <p:cTn id="4" fill="hold">
+                            <p:stCondLst>
+                              <p:cond delay="0"/>
+                            </p:stCondLst>
+                            <p:childTnLst>
+                              <p:par>
+                                <p:cTn id="5" presetID="3" presetClass="emph" presetSubtype="1" grpId="0" nodeType="clickEffect">
+                                  <p:stCondLst>
+                                    <p:cond delay="0"/>
+                                  </p:stCondLst>
+                                  <p:childTnLst>
+                                    <p:set>
+                                      <p:cBhvr override="childStyle">
+                                        <p:cTn id="6" dur="indefinite"/>
+                                        <p:tgtEl>
+                                          <p:spTgt spid="5">
+                                            <p:txEl>
+                                              <p:pRg st="0" end="0"/>
+                                            </p:txEl>
+                                          </p:spTgt>
+                                        </p:tgtEl>
+                                        <p:attrNameLst>
+                                          <p:attrName>style.color</p:attrName>
+                                        </p:attrNameLst>
+                                      </p:cBhvr>
+                                      <p:to>
+                                        <p:clrVal>
+                                          <a:schemeClr val="tx1"/>
+                                        </p:clrVal>
+                                      </p:to>
+                                    </p:set>
+                                  </p:childTnLst>
+                                </p:cTn>
+                              </p:par>
+                              <p:par>
+                                <p:cTn id="7" presetID="3" presetClass="emph" presetSubtype="1" grpId="0" nodeType="withEffect">
+                                  <p:stCondLst>
+                                    <p:cond delay="0"/>
+                                  </p:stCondLst>
+                                  <p:childTnLst>
+                                    <p:set>
+                                      <p:cBhvr override="childStyle">
+                                        <p:cTn id="8" dur="indefinite"/>
+                                        <p:tgtEl>
+                                          <p:spTgt spid="5">
+                                            <p:txEl>
+                                              <p:pRg st="1" end="1"/>
+                                            </p:txEl>
+                                          </p:spTgt>
+                                        </p:tgtEl>
+                                        <p:attrNameLst>
+                                          <p:attrName>style.color</p:attrName>
+                                        </p:attrNameLst>
+                                      </p:cBhvr>
+                                      <p:to>
+                                        <p:clrVal>
+                                          <a:schemeClr val="tx1"/>
+                                        </p:clrVal>
+                                      </p:to>
+                                    </p:set>
+                                  </p:childTnLst>
+                                </p:cTn>
+                              </p:par>
+                              <p:par>
+                                <p:cTn id="9" presetID="3" presetClass="emph" presetSubtype="1" grpId="0" nodeType="withEffect">
+                                  <p:stCondLst>
+                                    <p:cond delay="0"/>
+                                  </p:stCondLst>
+                                  <p:childTnLst>
+                                    <p:set>
+                                      <p:cBhvr override="childStyle">
+                                        <p:cTn id="10" dur="indefinite"/>
+                                        <p:tgtEl>
+                                          <p:spTgt spid="5">
+                                            <p:txEl>
+                                              <p:pRg st="2" end="2"/>
+                                            </p:txEl>
+                                          </p:spTgt>
+                                        </p:tgtEl>
+                                        <p:attrNameLst>
+                                          <p:attrName>style.color</p:attrName>
+                                        </p:attrNameLst>
+                                      </p:cBhvr>
+                                      <p:to>
+                                        <p:clrVal>
+                                          <a:schemeClr val="tx1"/>
+                                        </p:clrVal>
+                                      </p:to>
+                                    </p:set>
+                                  </p:childTnLst>
+                                </p:cTn>
+                              </p:par>
+                              <p:par>
+                                <p:cTn id="11" presetID="3" presetClass="emph" presetSubtype="1" grpId="0" nodeType="withEffect">
+                                  <p:stCondLst>
+                                    <p:cond delay="0"/>
+                                  </p:stCondLst>
+                                  <p:childTnLst>
+                                    <p:set>
+                                      <p:cBhvr override="childStyle">
+                                        <p:cTn id="12" dur="indefinite"/>
+                                        <p:tgtEl>
+                                          <p:spTgt spid="5">
+                                            <p:txEl>
+                                              <p:pRg st="3" end="3"/>
+                                            </p:txEl>
+                                          </p:spTgt>
+                                        </p:tgtEl>
+                                        <p:attrNameLst>
+                                          <p:attrName>style.color</p:attrName>
+                                        </p:attrNameLst>
+                                      </p:cBhvr>
+                                      <p:to>
+                                        <p:clrVal>
+                                          <a:schemeClr val="tx1"/>
+                                        </p:clrVal>
+                                      </p:to>
+                                    </p:set>
+                                  </p:childTnLst>
+                                </p:cTn>
+                              </p:par>
+                            </p:childTnLst>
+                          </p:cTn>
+                        </p:par>
+                      </p:childTnLst>
+                    </p:cTn>
+                  </p:par>
+                  <p:par>
+                    <p:cTn id="13" fill="hold">
+                      <p:stCondLst>
+                        <p:cond delay="indefinite"/>
+                      </p:stCondLst>
+                      <p:childTnLst>
+                        <p:par>
+                          <p:cTn id="14" fill="hold">
+                            <p:stCondLst>
+                              <p:cond delay="0"/>
+                            </p:stCondLst>
+                            <p:childTnLst>
+                              <p:par>
+                                <p:cTn id="15" presetID="3" presetClass="emph" presetSubtype="1" grpId="0" nodeType="clickEffect">
+                                  <p:stCondLst>
+                                    <p:cond delay="0"/>
+                                  </p:stCondLst>
+                                  <p:childTnLst>
+                                    <p:set>
+                                      <p:cBhvr override="childStyle">
+                                        <p:cTn id="16" dur="indefinite"/>
+                                        <p:tgtEl>
+                                          <p:spTgt spid="5">
+                                            <p:txEl>
+                                              <p:pRg st="4" end="4"/>
+                                            </p:txEl>
+                                          </p:spTgt>
+                                        </p:tgtEl>
+                                        <p:attrNameLst>
+                                          <p:attrName>style.color</p:attrName>
+                                        </p:attrNameLst>
+                                      </p:cBhvr>
+                                      <p:to>
+                                        <p:clrVal>
+                                          <a:schemeClr val="tx1"/>
+                                        </p:clrVal>
+                                      </p:to>
+                                    </p:set>
+                                  </p:childTnLst>
+                                </p:cTn>
+                              </p:par>
+                              <p:par>
+                                <p:cTn id="17" presetID="3" presetClass="emph" presetSubtype="1" grpId="0" nodeType="withEffect">
+                                  <p:stCondLst>
+                                    <p:cond delay="0"/>
+                                  </p:stCondLst>
+                                  <p:childTnLst>
+                                    <p:set>
+                                      <p:cBhvr override="childStyle">
+                                        <p:cTn id="18" dur="indefinite"/>
+                                        <p:tgtEl>
+                                          <p:spTgt spid="5">
+                                            <p:txEl>
+                                              <p:pRg st="5" end="5"/>
+                                            </p:txEl>
+                                          </p:spTgt>
+                                        </p:tgtEl>
+                                        <p:attrNameLst>
+                                          <p:attrName>style.color</p:attrName>
+                                        </p:attrNameLst>
+                                      </p:cBhvr>
+                                      <p:to>
+                                        <p:clrVal>
+                                          <a:schemeClr val="tx1"/>
+                                        </p:clrVal>
+                                      </p:to>
+                                    </p:set>
+                                  </p:childTnLst>
+                                </p:cTn>
+                              </p:par>
+                              <p:par>
+                                <p:cTn id="19" presetID="3" presetClass="emph" presetSubtype="1" grpId="0" nodeType="withEffect">
+                                  <p:stCondLst>
+                                    <p:cond delay="0"/>
+                                  </p:stCondLst>
+                                  <p:childTnLst>
+                                    <p:set>
+                                      <p:cBhvr override="childStyle">
+                                        <p:cTn id="20" dur="indefinite"/>
+                                        <p:tgtEl>
+                                          <p:spTgt spid="5">
+                                            <p:txEl>
+                                              <p:pRg st="6" end="6"/>
+                                            </p:txEl>
+                                          </p:spTgt>
+                                        </p:tgtEl>
+                                        <p:attrNameLst>
+                                          <p:attrName>style.color</p:attrName>
+                                        </p:attrNameLst>
+                                      </p:cBhvr>
+                                      <p:to>
+                                        <p:clrVal>
+                                          <a:schemeClr val="tx1"/>
+                                        </p:clrVal>
+                                      </p:to>
+                                    </p:set>
+                                  </p:childTnLst>
+                                </p:cTn>
+                              </p:par>
+                              <p:par>
+                                <p:cTn id="21" presetID="3" presetClass="emph" presetSubtype="1" grpId="0" nodeType="withEffect">
+                                  <p:stCondLst>
+                                    <p:cond delay="0"/>
+                                  </p:stCondLst>
+                                  <p:childTnLst>
+                                    <p:set>
+                                      <p:cBhvr override="childStyle">
+                                        <p:cTn id="22" dur="indefinite"/>
+                                        <p:tgtEl>
+                                          <p:spTgt spid="5">
+                                            <p:txEl>
+                                              <p:pRg st="7" end="7"/>
+                                            </p:txEl>
+                                          </p:spTgt>
+                                        </p:tgtEl>
+                                        <p:attrNameLst>
+                                          <p:attrName>style.color</p:attrName>
+                                        </p:attrNameLst>
+                                      </p:cBhvr>
+                                      <p:to>
+                                        <p:clrVal>
+                                          <a:schemeClr val="tx1"/>
+                                        </p:clrVal>
+                                      </p:to>
+                                    </p:set>
+                                  </p:childTnLst>
+                                </p:cTn>
+                              </p:par>
+                            </p:childTnLst>
+                          </p:cTn>
+                        </p:par>
+                      </p:childTnLst>
+                    </p:cTn>
+                  </p:par>
+                  <p:par>
+                    <p:cTn id="23" fill="hold">
+                      <p:stCondLst>
+                        <p:cond delay="indefinite"/>
+                      </p:stCondLst>
+                      <p:childTnLst>
+                        <p:par>
+                          <p:cTn id="24" fill="hold">
+                            <p:stCondLst>
+                              <p:cond delay="0"/>
+                            </p:stCondLst>
+                            <p:childTnLst>
+                              <p:par>
+                                <p:cTn id="25" presetID="3" presetClass="emph" presetSubtype="1" grpId="0" nodeType="clickEffect">
+                                  <p:stCondLst>
+                                    <p:cond delay="0"/>
+                                  </p:stCondLst>
+                                  <p:childTnLst>
+                                    <p:set>
+                                      <p:cBhvr override="childStyle">
+                                        <p:cTn id="26" dur="indefinite"/>
+                                        <p:tgtEl>
+                                          <p:spTgt spid="5">
+                                            <p:txEl>
+                                              <p:pRg st="8" end="8"/>
+                                            </p:txEl>
+                                          </p:spTgt>
+                                        </p:tgtEl>
+                                        <p:attrNameLst>
+                                          <p:attrName>style.color</p:attrName>
+                                        </p:attrNameLst>
+                                      </p:cBhvr>
+                                      <p:to>
+                                        <p:clrVal>
+                                          <a:schemeClr val="tx1"/>
+                                        </p:clrVal>
+                                      </p:to>
+                                    </p:set>
+                                  </p:childTnLst>
+                                </p:cTn>
+                              </p:par>
+                            </p:childTnLst>
+                          </p:cTn>
+                        </p:par>
+                      </p:childTnLst>
+                    </p:cTn>
+                  </p:par>
+                </p:childTnLst>
+              </p:cTn>
+              <p:prevCondLst>
+                <p:cond evt="onPrev" delay="0">
+                  <p:tgtEl>
+                    <p:sldTgt/>
+                  </p:tgtEl>
+                </p:cond>
+              </p:prevCondLst>
+              <p:nextCondLst>
+                <p:cond evt="onNext" delay="0">
+                  <p:tgtEl>
+                    <p:sldTgt/>
+                  </p:tgtEl>
+                </p:cond>
+              </p:nextCondLst>
+            </p:seq>
+          </p:childTnLst>
+        </p:cTn>
+      </p:par>
+    </p:tnLst>
+    <p:bldLst>
+      <p:bldP spid="5" grpId="0" build="p"/>
+    </p:bldLst>
+  </p:timing>
+</p:sld>
+</file>
+
+<file path=ppt/slides/slide40.xml><?xml version="1.0" encoding="utf-8"?>
+<p:sld xmlns:a="http://schemas.openxmlformats.org/drawingml/2006/main" xmlns:r="http://schemas.openxmlformats.org/officeDocument/2006/relationships" xmlns:p="http://schemas.openxmlformats.org/presentationml/2006/main">
+  <p:cSld>
+    <p:spTree>
+      <p:nvGrpSpPr>
+        <p:cNvPr id="1" name=""/>
+        <p:cNvGrpSpPr/>
+        <p:nvPr/>
+      </p:nvGrpSpPr>
+      <p:grpSpPr>
+        <a:xfrm>
+          <a:off x="0" y="0"/>
+          <a:ext cx="0" cy="0"/>
+          <a:chOff x="0" y="0"/>
+          <a:chExt cx="0" cy="0"/>
+        </a:xfrm>
+      </p:grpSpPr>
+      <p:sp>
+        <p:nvSpPr>
+          <p:cNvPr id="4" name="Title 3"/>
+          <p:cNvSpPr>
+            <a:spLocks noGrp="1"/>
+          </p:cNvSpPr>
+          <p:nvPr>
+            <p:ph type="title"/>
+          </p:nvPr>
+        </p:nvSpPr>
+        <p:spPr/>
+        <p:txBody>
+          <a:bodyPr/>
+          <a:lstStyle/>
+          <a:p>
+            <a:r>
+              <a:rPr lang="en-US" dirty="0" smtClean="0"/>
+              <a:t>Some Examples</a:t>
+            </a:r>
+            <a:endParaRPr lang="en-US" dirty="0"/>
+          </a:p>
+        </p:txBody>
+      </p:sp>
+      <p:sp>
+        <p:nvSpPr>
+          <p:cNvPr id="6" name="Date Placeholder 5"/>
+          <p:cNvSpPr>
+            <a:spLocks noGrp="1"/>
+          </p:cNvSpPr>
+          <p:nvPr>
+            <p:ph type="dt" sz="half" idx="10"/>
+          </p:nvPr>
+        </p:nvSpPr>
+        <p:spPr/>
+        <p:txBody>
+          <a:bodyPr/>
+          <a:lstStyle/>
+          <a:p>
+            <a:r>
+              <a:rPr lang="en-US" smtClean="0"/>
+              <a:t>2015-04-07</a:t>
+            </a:r>
+            <a:endParaRPr lang="en-US"/>
+          </a:p>
+        </p:txBody>
+      </p:sp>
+      <p:sp>
+        <p:nvSpPr>
+          <p:cNvPr id="7" name="Slide Number Placeholder 6"/>
+          <p:cNvSpPr>
+            <a:spLocks noGrp="1"/>
+          </p:cNvSpPr>
+          <p:nvPr>
+            <p:ph type="sldNum" sz="quarter" idx="12"/>
+          </p:nvPr>
+        </p:nvSpPr>
+        <p:spPr/>
+        <p:txBody>
+          <a:bodyPr/>
+          <a:lstStyle/>
+          <a:p>
+            <a:fld id="{FD7EC6EF-94A2-4537-B1EB-15D4E295B108}" type="slidenum">
+              <a:rPr lang="en-US" smtClean="0"/>
+              <a:pPr/>
+              <a:t>40</a:t>
             </a:fld>
             <a:endParaRPr lang="en-US"/>
           </a:p>
@@ -27995,7 +29330,7 @@
 </p:sld>
 </file>
 
-<file path=ppt/slides/slide39.xml><?xml version="1.0" encoding="utf-8"?>
+<file path=ppt/slides/slide41.xml><?xml version="1.0" encoding="utf-8"?>
 <p:sld xmlns:a="http://schemas.openxmlformats.org/drawingml/2006/main" xmlns:r="http://schemas.openxmlformats.org/officeDocument/2006/relationships" xmlns:p="http://schemas.openxmlformats.org/presentationml/2006/main">
   <p:cSld>
     <p:spTree>
@@ -28389,7 +29724,7 @@
             <a:fld id="{FD7EC6EF-94A2-4537-B1EB-15D4E295B108}" type="slidenum">
               <a:rPr lang="en-US" smtClean="0"/>
               <a:pPr/>
-              <a:t>39</a:t>
+              <a:t>41</a:t>
             </a:fld>
             <a:endParaRPr lang="en-US"/>
           </a:p>
@@ -29135,7 +30470,7 @@
 </p:sld>
 </file>
 
-<file path=ppt/slides/slide4.xml><?xml version="1.0" encoding="utf-8"?>
+<file path=ppt/slides/slide42.xml><?xml version="1.0" encoding="utf-8"?>
 <p:sld xmlns:a="http://schemas.openxmlformats.org/drawingml/2006/main" xmlns:r="http://schemas.openxmlformats.org/officeDocument/2006/relationships" xmlns:p="http://schemas.openxmlformats.org/presentationml/2006/main">
   <p:cSld>
     <p:spTree>
@@ -29154,7 +30489,7 @@
       </p:grpSpPr>
       <p:sp>
         <p:nvSpPr>
-          <p:cNvPr id="4" name="Title 3"/>
+          <p:cNvPr id="2" name="Title 1"/>
           <p:cNvSpPr>
             <a:spLocks noGrp="1"/>
           </p:cNvSpPr>
@@ -29169,7 +30504,7 @@
           <a:p>
             <a:r>
               <a:rPr lang="en-US" dirty="0" smtClean="0"/>
-              <a:t>Data Acquisition</a:t>
+              <a:t>Put some example systems here!</a:t>
             </a:r>
             <a:endParaRPr lang="en-US" dirty="0"/>
           </a:p>
@@ -29177,172 +30512,45 @@
       </p:sp>
       <p:sp>
         <p:nvSpPr>
-          <p:cNvPr id="5" name="Content Placeholder 4"/>
+          <p:cNvPr id="3" name="Content Placeholder 2"/>
           <p:cNvSpPr>
             <a:spLocks noGrp="1"/>
           </p:cNvSpPr>
           <p:nvPr>
-            <p:ph idx="1"/>
+            <p:ph sz="half" idx="1"/>
           </p:nvPr>
         </p:nvSpPr>
-        <p:spPr>
-          <a:xfrm>
-            <a:off x="228600" y="1143000"/>
-            <a:ext cx="8686800" cy="5410200"/>
-          </a:xfrm>
-        </p:spPr>
+        <p:spPr/>
         <p:txBody>
-          <a:bodyPr>
-            <a:normAutofit/>
-          </a:bodyPr>
+          <a:bodyPr/>
           <a:lstStyle/>
           <a:p>
-            <a:r>
-              <a:rPr lang="en-US" dirty="0" smtClean="0">
-                <a:solidFill>
-                  <a:schemeClr val="bg1">
-                    <a:lumMod val="65000"/>
-                  </a:schemeClr>
-                </a:solidFill>
-              </a:rPr>
-              <a:t>Data Acquisition or DAQ is the process of converting real-world measurements into digital computer data</a:t>
-            </a:r>
-          </a:p>
-          <a:p>
-            <a:pPr lvl="1"/>
-            <a:r>
-              <a:rPr lang="en-US" dirty="0" smtClean="0">
-                <a:solidFill>
-                  <a:schemeClr val="bg1">
-                    <a:lumMod val="65000"/>
-                  </a:schemeClr>
-                </a:solidFill>
-              </a:rPr>
-              <a:t>Signal measurement</a:t>
-            </a:r>
-          </a:p>
-          <a:p>
-            <a:pPr lvl="1"/>
-            <a:r>
-              <a:rPr lang="en-US" dirty="0" smtClean="0">
-                <a:solidFill>
-                  <a:schemeClr val="bg1">
-                    <a:lumMod val="65000"/>
-                  </a:schemeClr>
-                </a:solidFill>
-              </a:rPr>
-              <a:t>Signal digitization</a:t>
-            </a:r>
-          </a:p>
-          <a:p>
-            <a:pPr lvl="1"/>
-            <a:r>
-              <a:rPr lang="en-US" dirty="0" smtClean="0">
-                <a:solidFill>
-                  <a:schemeClr val="bg1">
-                    <a:lumMod val="65000"/>
-                  </a:schemeClr>
-                </a:solidFill>
-              </a:rPr>
-              <a:t>Moving the data to computer memory and/or disk</a:t>
-            </a:r>
-          </a:p>
-          <a:p>
-            <a:r>
-              <a:rPr lang="en-US" dirty="0" smtClean="0">
-                <a:solidFill>
-                  <a:schemeClr val="bg1">
-                    <a:lumMod val="65000"/>
-                  </a:schemeClr>
-                </a:solidFill>
-              </a:rPr>
-              <a:t>DAQ may also encompass signal generation</a:t>
-            </a:r>
-          </a:p>
-          <a:p>
-            <a:pPr lvl="1"/>
-            <a:r>
-              <a:rPr lang="en-US" dirty="0" smtClean="0">
-                <a:solidFill>
-                  <a:schemeClr val="bg1">
-                    <a:lumMod val="65000"/>
-                  </a:schemeClr>
-                </a:solidFill>
-              </a:rPr>
-              <a:t>Waveform generation</a:t>
-            </a:r>
-          </a:p>
-          <a:p>
-            <a:pPr lvl="1"/>
-            <a:r>
-              <a:rPr lang="en-US" dirty="0" smtClean="0">
-                <a:solidFill>
-                  <a:schemeClr val="bg1">
-                    <a:lumMod val="65000"/>
-                  </a:schemeClr>
-                </a:solidFill>
-              </a:rPr>
-              <a:t>Triggering</a:t>
-            </a:r>
-          </a:p>
-          <a:p>
-            <a:pPr lvl="1"/>
-            <a:r>
-              <a:rPr lang="en-US" dirty="0" smtClean="0">
-                <a:solidFill>
-                  <a:schemeClr val="bg1">
-                    <a:lumMod val="65000"/>
-                  </a:schemeClr>
-                </a:solidFill>
-              </a:rPr>
-              <a:t>Control systems</a:t>
-            </a:r>
-          </a:p>
-          <a:p>
-            <a:r>
-              <a:rPr lang="en-US" dirty="0" smtClean="0">
-                <a:solidFill>
-                  <a:schemeClr val="bg1">
-                    <a:lumMod val="65000"/>
-                  </a:schemeClr>
-                </a:solidFill>
-              </a:rPr>
-              <a:t>In 2015, if you’re writing data down by hand, you’re probably doing it wrong</a:t>
-            </a:r>
-          </a:p>
-          <a:p>
-            <a:endParaRPr lang="en-US" dirty="0" smtClean="0">
-              <a:solidFill>
-                <a:schemeClr val="bg1">
-                  <a:lumMod val="65000"/>
-                </a:schemeClr>
-              </a:solidFill>
-            </a:endParaRPr>
-          </a:p>
-          <a:p>
-            <a:pPr lvl="1"/>
-            <a:endParaRPr lang="en-US" dirty="0" smtClean="0">
-              <a:solidFill>
-                <a:schemeClr val="bg1">
-                  <a:lumMod val="65000"/>
-                </a:schemeClr>
-              </a:solidFill>
-            </a:endParaRPr>
-          </a:p>
-          <a:p>
-            <a:endParaRPr lang="en-US" dirty="0">
-              <a:solidFill>
-                <a:schemeClr val="bg1">
-                  <a:lumMod val="65000"/>
-                </a:schemeClr>
-              </a:solidFill>
-            </a:endParaRPr>
+            <a:endParaRPr lang="en-US"/>
           </a:p>
         </p:txBody>
       </p:sp>
       <p:sp>
         <p:nvSpPr>
-          <p:cNvPr id="6" name="Date Placeholder 5"/>
+          <p:cNvPr id="4" name="Content Placeholder 3"/>
+          <p:cNvSpPr>
+            <a:spLocks noGrp="1"/>
+          </p:cNvSpPr>
+          <p:nvPr>
+            <p:ph sz="half" idx="2"/>
+          </p:nvPr>
+        </p:nvSpPr>
+        <p:spPr/>
+        <p:txBody>
+          <a:bodyPr/>
+          <a:lstStyle/>
+          <a:p>
+            <a:endParaRPr lang="en-US"/>
+          </a:p>
+        </p:txBody>
+      </p:sp>
+      <p:sp>
+        <p:nvSpPr>
+          <p:cNvPr id="5" name="Date Placeholder 4"/>
           <p:cNvSpPr>
             <a:spLocks noGrp="1"/>
           </p:cNvSpPr>
@@ -29358,6 +30566,29 @@
             <a:r>
               <a:rPr lang="en-US" smtClean="0"/>
               <a:t>2015-04-07</a:t>
+            </a:r>
+            <a:endParaRPr lang="en-US"/>
+          </a:p>
+        </p:txBody>
+      </p:sp>
+      <p:sp>
+        <p:nvSpPr>
+          <p:cNvPr id="6" name="Footer Placeholder 5"/>
+          <p:cNvSpPr>
+            <a:spLocks noGrp="1"/>
+          </p:cNvSpPr>
+          <p:nvPr>
+            <p:ph type="ftr" sz="quarter" idx="11"/>
+          </p:nvPr>
+        </p:nvSpPr>
+        <p:spPr/>
+        <p:txBody>
+          <a:bodyPr/>
+          <a:lstStyle/>
+          <a:p>
+            <a:r>
+              <a:rPr lang="en-US" smtClean="0"/>
+              <a:t>Data Acquisition</a:t>
             </a:r>
             <a:endParaRPr lang="en-US"/>
           </a:p>
@@ -29381,534 +30612,7 @@
             <a:fld id="{FD7EC6EF-94A2-4537-B1EB-15D4E295B108}" type="slidenum">
               <a:rPr lang="en-US" smtClean="0"/>
               <a:pPr/>
-              <a:t>4</a:t>
-            </a:fld>
-            <a:endParaRPr lang="en-US"/>
-          </a:p>
-        </p:txBody>
-      </p:sp>
-      <p:sp>
-        <p:nvSpPr>
-          <p:cNvPr id="8" name="Footer Placeholder 7"/>
-          <p:cNvSpPr>
-            <a:spLocks noGrp="1"/>
-          </p:cNvSpPr>
-          <p:nvPr>
-            <p:ph type="ftr" sz="quarter" idx="11"/>
-          </p:nvPr>
-        </p:nvSpPr>
-        <p:spPr/>
-        <p:txBody>
-          <a:bodyPr/>
-          <a:lstStyle/>
-          <a:p>
-            <a:r>
-              <a:rPr lang="en-US" smtClean="0"/>
-              <a:t>Data Acquisition</a:t>
-            </a:r>
-            <a:endParaRPr lang="en-US"/>
-          </a:p>
-        </p:txBody>
-      </p:sp>
-    </p:spTree>
-  </p:cSld>
-  <p:clrMapOvr>
-    <a:masterClrMapping/>
-  </p:clrMapOvr>
-  <p:timing>
-    <p:tnLst>
-      <p:par>
-        <p:cTn id="1" dur="indefinite" restart="never" nodeType="tmRoot">
-          <p:childTnLst>
-            <p:seq concurrent="1" nextAc="seek">
-              <p:cTn id="2" dur="indefinite" nodeType="mainSeq">
-                <p:childTnLst>
-                  <p:par>
-                    <p:cTn id="3" fill="hold">
-                      <p:stCondLst>
-                        <p:cond delay="indefinite"/>
-                      </p:stCondLst>
-                      <p:childTnLst>
-                        <p:par>
-                          <p:cTn id="4" fill="hold">
-                            <p:stCondLst>
-                              <p:cond delay="0"/>
-                            </p:stCondLst>
-                            <p:childTnLst>
-                              <p:par>
-                                <p:cTn id="5" presetID="3" presetClass="emph" presetSubtype="1" grpId="0" nodeType="clickEffect">
-                                  <p:stCondLst>
-                                    <p:cond delay="0"/>
-                                  </p:stCondLst>
-                                  <p:childTnLst>
-                                    <p:set>
-                                      <p:cBhvr override="childStyle">
-                                        <p:cTn id="6" dur="indefinite"/>
-                                        <p:tgtEl>
-                                          <p:spTgt spid="5">
-                                            <p:txEl>
-                                              <p:pRg st="0" end="0"/>
-                                            </p:txEl>
-                                          </p:spTgt>
-                                        </p:tgtEl>
-                                        <p:attrNameLst>
-                                          <p:attrName>style.color</p:attrName>
-                                        </p:attrNameLst>
-                                      </p:cBhvr>
-                                      <p:to>
-                                        <p:clrVal>
-                                          <a:schemeClr val="tx1"/>
-                                        </p:clrVal>
-                                      </p:to>
-                                    </p:set>
-                                  </p:childTnLst>
-                                </p:cTn>
-                              </p:par>
-                              <p:par>
-                                <p:cTn id="7" presetID="3" presetClass="emph" presetSubtype="1" grpId="0" nodeType="withEffect">
-                                  <p:stCondLst>
-                                    <p:cond delay="0"/>
-                                  </p:stCondLst>
-                                  <p:childTnLst>
-                                    <p:set>
-                                      <p:cBhvr override="childStyle">
-                                        <p:cTn id="8" dur="indefinite"/>
-                                        <p:tgtEl>
-                                          <p:spTgt spid="5">
-                                            <p:txEl>
-                                              <p:pRg st="1" end="1"/>
-                                            </p:txEl>
-                                          </p:spTgt>
-                                        </p:tgtEl>
-                                        <p:attrNameLst>
-                                          <p:attrName>style.color</p:attrName>
-                                        </p:attrNameLst>
-                                      </p:cBhvr>
-                                      <p:to>
-                                        <p:clrVal>
-                                          <a:schemeClr val="tx1"/>
-                                        </p:clrVal>
-                                      </p:to>
-                                    </p:set>
-                                  </p:childTnLst>
-                                </p:cTn>
-                              </p:par>
-                              <p:par>
-                                <p:cTn id="9" presetID="3" presetClass="emph" presetSubtype="1" grpId="0" nodeType="withEffect">
-                                  <p:stCondLst>
-                                    <p:cond delay="0"/>
-                                  </p:stCondLst>
-                                  <p:childTnLst>
-                                    <p:set>
-                                      <p:cBhvr override="childStyle">
-                                        <p:cTn id="10" dur="indefinite"/>
-                                        <p:tgtEl>
-                                          <p:spTgt spid="5">
-                                            <p:txEl>
-                                              <p:pRg st="2" end="2"/>
-                                            </p:txEl>
-                                          </p:spTgt>
-                                        </p:tgtEl>
-                                        <p:attrNameLst>
-                                          <p:attrName>style.color</p:attrName>
-                                        </p:attrNameLst>
-                                      </p:cBhvr>
-                                      <p:to>
-                                        <p:clrVal>
-                                          <a:schemeClr val="tx1"/>
-                                        </p:clrVal>
-                                      </p:to>
-                                    </p:set>
-                                  </p:childTnLst>
-                                </p:cTn>
-                              </p:par>
-                              <p:par>
-                                <p:cTn id="11" presetID="3" presetClass="emph" presetSubtype="1" grpId="0" nodeType="withEffect">
-                                  <p:stCondLst>
-                                    <p:cond delay="0"/>
-                                  </p:stCondLst>
-                                  <p:childTnLst>
-                                    <p:set>
-                                      <p:cBhvr override="childStyle">
-                                        <p:cTn id="12" dur="indefinite"/>
-                                        <p:tgtEl>
-                                          <p:spTgt spid="5">
-                                            <p:txEl>
-                                              <p:pRg st="3" end="3"/>
-                                            </p:txEl>
-                                          </p:spTgt>
-                                        </p:tgtEl>
-                                        <p:attrNameLst>
-                                          <p:attrName>style.color</p:attrName>
-                                        </p:attrNameLst>
-                                      </p:cBhvr>
-                                      <p:to>
-                                        <p:clrVal>
-                                          <a:schemeClr val="tx1"/>
-                                        </p:clrVal>
-                                      </p:to>
-                                    </p:set>
-                                  </p:childTnLst>
-                                </p:cTn>
-                              </p:par>
-                            </p:childTnLst>
-                          </p:cTn>
-                        </p:par>
-                      </p:childTnLst>
-                    </p:cTn>
-                  </p:par>
-                  <p:par>
-                    <p:cTn id="13" fill="hold">
-                      <p:stCondLst>
-                        <p:cond delay="indefinite"/>
-                      </p:stCondLst>
-                      <p:childTnLst>
-                        <p:par>
-                          <p:cTn id="14" fill="hold">
-                            <p:stCondLst>
-                              <p:cond delay="0"/>
-                            </p:stCondLst>
-                            <p:childTnLst>
-                              <p:par>
-                                <p:cTn id="15" presetID="3" presetClass="emph" presetSubtype="1" grpId="0" nodeType="clickEffect">
-                                  <p:stCondLst>
-                                    <p:cond delay="0"/>
-                                  </p:stCondLst>
-                                  <p:childTnLst>
-                                    <p:set>
-                                      <p:cBhvr override="childStyle">
-                                        <p:cTn id="16" dur="indefinite"/>
-                                        <p:tgtEl>
-                                          <p:spTgt spid="5">
-                                            <p:txEl>
-                                              <p:pRg st="4" end="4"/>
-                                            </p:txEl>
-                                          </p:spTgt>
-                                        </p:tgtEl>
-                                        <p:attrNameLst>
-                                          <p:attrName>style.color</p:attrName>
-                                        </p:attrNameLst>
-                                      </p:cBhvr>
-                                      <p:to>
-                                        <p:clrVal>
-                                          <a:schemeClr val="tx1"/>
-                                        </p:clrVal>
-                                      </p:to>
-                                    </p:set>
-                                  </p:childTnLst>
-                                </p:cTn>
-                              </p:par>
-                              <p:par>
-                                <p:cTn id="17" presetID="3" presetClass="emph" presetSubtype="1" grpId="0" nodeType="withEffect">
-                                  <p:stCondLst>
-                                    <p:cond delay="0"/>
-                                  </p:stCondLst>
-                                  <p:childTnLst>
-                                    <p:set>
-                                      <p:cBhvr override="childStyle">
-                                        <p:cTn id="18" dur="indefinite"/>
-                                        <p:tgtEl>
-                                          <p:spTgt spid="5">
-                                            <p:txEl>
-                                              <p:pRg st="5" end="5"/>
-                                            </p:txEl>
-                                          </p:spTgt>
-                                        </p:tgtEl>
-                                        <p:attrNameLst>
-                                          <p:attrName>style.color</p:attrName>
-                                        </p:attrNameLst>
-                                      </p:cBhvr>
-                                      <p:to>
-                                        <p:clrVal>
-                                          <a:schemeClr val="tx1"/>
-                                        </p:clrVal>
-                                      </p:to>
-                                    </p:set>
-                                  </p:childTnLst>
-                                </p:cTn>
-                              </p:par>
-                              <p:par>
-                                <p:cTn id="19" presetID="3" presetClass="emph" presetSubtype="1" grpId="0" nodeType="withEffect">
-                                  <p:stCondLst>
-                                    <p:cond delay="0"/>
-                                  </p:stCondLst>
-                                  <p:childTnLst>
-                                    <p:set>
-                                      <p:cBhvr override="childStyle">
-                                        <p:cTn id="20" dur="indefinite"/>
-                                        <p:tgtEl>
-                                          <p:spTgt spid="5">
-                                            <p:txEl>
-                                              <p:pRg st="6" end="6"/>
-                                            </p:txEl>
-                                          </p:spTgt>
-                                        </p:tgtEl>
-                                        <p:attrNameLst>
-                                          <p:attrName>style.color</p:attrName>
-                                        </p:attrNameLst>
-                                      </p:cBhvr>
-                                      <p:to>
-                                        <p:clrVal>
-                                          <a:schemeClr val="tx1"/>
-                                        </p:clrVal>
-                                      </p:to>
-                                    </p:set>
-                                  </p:childTnLst>
-                                </p:cTn>
-                              </p:par>
-                              <p:par>
-                                <p:cTn id="21" presetID="3" presetClass="emph" presetSubtype="1" grpId="0" nodeType="withEffect">
-                                  <p:stCondLst>
-                                    <p:cond delay="0"/>
-                                  </p:stCondLst>
-                                  <p:childTnLst>
-                                    <p:set>
-                                      <p:cBhvr override="childStyle">
-                                        <p:cTn id="22" dur="indefinite"/>
-                                        <p:tgtEl>
-                                          <p:spTgt spid="5">
-                                            <p:txEl>
-                                              <p:pRg st="7" end="7"/>
-                                            </p:txEl>
-                                          </p:spTgt>
-                                        </p:tgtEl>
-                                        <p:attrNameLst>
-                                          <p:attrName>style.color</p:attrName>
-                                        </p:attrNameLst>
-                                      </p:cBhvr>
-                                      <p:to>
-                                        <p:clrVal>
-                                          <a:schemeClr val="tx1"/>
-                                        </p:clrVal>
-                                      </p:to>
-                                    </p:set>
-                                  </p:childTnLst>
-                                </p:cTn>
-                              </p:par>
-                            </p:childTnLst>
-                          </p:cTn>
-                        </p:par>
-                      </p:childTnLst>
-                    </p:cTn>
-                  </p:par>
-                  <p:par>
-                    <p:cTn id="23" fill="hold">
-                      <p:stCondLst>
-                        <p:cond delay="indefinite"/>
-                      </p:stCondLst>
-                      <p:childTnLst>
-                        <p:par>
-                          <p:cTn id="24" fill="hold">
-                            <p:stCondLst>
-                              <p:cond delay="0"/>
-                            </p:stCondLst>
-                            <p:childTnLst>
-                              <p:par>
-                                <p:cTn id="25" presetID="3" presetClass="emph" presetSubtype="1" grpId="0" nodeType="clickEffect">
-                                  <p:stCondLst>
-                                    <p:cond delay="0"/>
-                                  </p:stCondLst>
-                                  <p:childTnLst>
-                                    <p:set>
-                                      <p:cBhvr override="childStyle">
-                                        <p:cTn id="26" dur="indefinite"/>
-                                        <p:tgtEl>
-                                          <p:spTgt spid="5">
-                                            <p:txEl>
-                                              <p:pRg st="8" end="8"/>
-                                            </p:txEl>
-                                          </p:spTgt>
-                                        </p:tgtEl>
-                                        <p:attrNameLst>
-                                          <p:attrName>style.color</p:attrName>
-                                        </p:attrNameLst>
-                                      </p:cBhvr>
-                                      <p:to>
-                                        <p:clrVal>
-                                          <a:schemeClr val="tx1"/>
-                                        </p:clrVal>
-                                      </p:to>
-                                    </p:set>
-                                  </p:childTnLst>
-                                </p:cTn>
-                              </p:par>
-                            </p:childTnLst>
-                          </p:cTn>
-                        </p:par>
-                      </p:childTnLst>
-                    </p:cTn>
-                  </p:par>
-                </p:childTnLst>
-              </p:cTn>
-              <p:prevCondLst>
-                <p:cond evt="onPrev" delay="0">
-                  <p:tgtEl>
-                    <p:sldTgt/>
-                  </p:tgtEl>
-                </p:cond>
-              </p:prevCondLst>
-              <p:nextCondLst>
-                <p:cond evt="onNext" delay="0">
-                  <p:tgtEl>
-                    <p:sldTgt/>
-                  </p:tgtEl>
-                </p:cond>
-              </p:nextCondLst>
-            </p:seq>
-          </p:childTnLst>
-        </p:cTn>
-      </p:par>
-    </p:tnLst>
-    <p:bldLst>
-      <p:bldP spid="5" grpId="0" build="p"/>
-    </p:bldLst>
-  </p:timing>
-</p:sld>
-</file>
-
-<file path=ppt/slides/slide40.xml><?xml version="1.0" encoding="utf-8"?>
-<p:sld xmlns:a="http://schemas.openxmlformats.org/drawingml/2006/main" xmlns:r="http://schemas.openxmlformats.org/officeDocument/2006/relationships" xmlns:p="http://schemas.openxmlformats.org/presentationml/2006/main">
-  <p:cSld>
-    <p:spTree>
-      <p:nvGrpSpPr>
-        <p:cNvPr id="1" name=""/>
-        <p:cNvGrpSpPr/>
-        <p:nvPr/>
-      </p:nvGrpSpPr>
-      <p:grpSpPr>
-        <a:xfrm>
-          <a:off x="0" y="0"/>
-          <a:ext cx="0" cy="0"/>
-          <a:chOff x="0" y="0"/>
-          <a:chExt cx="0" cy="0"/>
-        </a:xfrm>
-      </p:grpSpPr>
-      <p:sp>
-        <p:nvSpPr>
-          <p:cNvPr id="2" name="Title 1"/>
-          <p:cNvSpPr>
-            <a:spLocks noGrp="1"/>
-          </p:cNvSpPr>
-          <p:nvPr>
-            <p:ph type="title"/>
-          </p:nvPr>
-        </p:nvSpPr>
-        <p:spPr/>
-        <p:txBody>
-          <a:bodyPr/>
-          <a:lstStyle/>
-          <a:p>
-            <a:r>
-              <a:rPr lang="en-US" dirty="0" smtClean="0"/>
-              <a:t>Put some example systems here!</a:t>
-            </a:r>
-            <a:endParaRPr lang="en-US" dirty="0"/>
-          </a:p>
-        </p:txBody>
-      </p:sp>
-      <p:sp>
-        <p:nvSpPr>
-          <p:cNvPr id="3" name="Content Placeholder 2"/>
-          <p:cNvSpPr>
-            <a:spLocks noGrp="1"/>
-          </p:cNvSpPr>
-          <p:nvPr>
-            <p:ph sz="half" idx="1"/>
-          </p:nvPr>
-        </p:nvSpPr>
-        <p:spPr/>
-        <p:txBody>
-          <a:bodyPr/>
-          <a:lstStyle/>
-          <a:p>
-            <a:endParaRPr lang="en-US"/>
-          </a:p>
-        </p:txBody>
-      </p:sp>
-      <p:sp>
-        <p:nvSpPr>
-          <p:cNvPr id="4" name="Content Placeholder 3"/>
-          <p:cNvSpPr>
-            <a:spLocks noGrp="1"/>
-          </p:cNvSpPr>
-          <p:nvPr>
-            <p:ph sz="half" idx="2"/>
-          </p:nvPr>
-        </p:nvSpPr>
-        <p:spPr/>
-        <p:txBody>
-          <a:bodyPr/>
-          <a:lstStyle/>
-          <a:p>
-            <a:endParaRPr lang="en-US"/>
-          </a:p>
-        </p:txBody>
-      </p:sp>
-      <p:sp>
-        <p:nvSpPr>
-          <p:cNvPr id="5" name="Date Placeholder 4"/>
-          <p:cNvSpPr>
-            <a:spLocks noGrp="1"/>
-          </p:cNvSpPr>
-          <p:nvPr>
-            <p:ph type="dt" sz="half" idx="10"/>
-          </p:nvPr>
-        </p:nvSpPr>
-        <p:spPr/>
-        <p:txBody>
-          <a:bodyPr/>
-          <a:lstStyle/>
-          <a:p>
-            <a:r>
-              <a:rPr lang="en-US" smtClean="0"/>
-              <a:t>2015-04-07</a:t>
-            </a:r>
-            <a:endParaRPr lang="en-US"/>
-          </a:p>
-        </p:txBody>
-      </p:sp>
-      <p:sp>
-        <p:nvSpPr>
-          <p:cNvPr id="6" name="Footer Placeholder 5"/>
-          <p:cNvSpPr>
-            <a:spLocks noGrp="1"/>
-          </p:cNvSpPr>
-          <p:nvPr>
-            <p:ph type="ftr" sz="quarter" idx="11"/>
-          </p:nvPr>
-        </p:nvSpPr>
-        <p:spPr/>
-        <p:txBody>
-          <a:bodyPr/>
-          <a:lstStyle/>
-          <a:p>
-            <a:r>
-              <a:rPr lang="en-US" smtClean="0"/>
-              <a:t>Data Acquisition</a:t>
-            </a:r>
-            <a:endParaRPr lang="en-US"/>
-          </a:p>
-        </p:txBody>
-      </p:sp>
-      <p:sp>
-        <p:nvSpPr>
-          <p:cNvPr id="7" name="Slide Number Placeholder 6"/>
-          <p:cNvSpPr>
-            <a:spLocks noGrp="1"/>
-          </p:cNvSpPr>
-          <p:nvPr>
-            <p:ph type="sldNum" sz="quarter" idx="12"/>
-          </p:nvPr>
-        </p:nvSpPr>
-        <p:spPr/>
-        <p:txBody>
-          <a:bodyPr/>
-          <a:lstStyle/>
-          <a:p>
-            <a:fld id="{FD7EC6EF-94A2-4537-B1EB-15D4E295B108}" type="slidenum">
-              <a:rPr lang="en-US" smtClean="0"/>
-              <a:pPr/>
-              <a:t>40</a:t>
+              <a:t>42</a:t>
             </a:fld>
             <a:endParaRPr lang="en-US"/>
           </a:p>
@@ -29922,7 +30626,7 @@
 </p:sld>
 </file>
 
-<file path=ppt/slides/slide41.xml><?xml version="1.0" encoding="utf-8"?>
+<file path=ppt/slides/slide43.xml><?xml version="1.0" encoding="utf-8"?>
 <p:sld xmlns:a="http://schemas.openxmlformats.org/drawingml/2006/main" xmlns:r="http://schemas.openxmlformats.org/officeDocument/2006/relationships" xmlns:p="http://schemas.openxmlformats.org/presentationml/2006/main">
   <p:cSld>
     <p:spTree>
@@ -30064,7 +30768,7 @@
             <a:fld id="{FD7EC6EF-94A2-4537-B1EB-15D4E295B108}" type="slidenum">
               <a:rPr lang="en-US" smtClean="0"/>
               <a:pPr/>
-              <a:t>41</a:t>
+              <a:t>43</a:t>
             </a:fld>
             <a:endParaRPr lang="en-US"/>
           </a:p>
@@ -33992,7 +34696,7 @@
 </p:sld>
 </file>
 
-<file path=ppt/slides/slide42.xml><?xml version="1.0" encoding="utf-8"?>
+<file path=ppt/slides/slide44.xml><?xml version="1.0" encoding="utf-8"?>
 <p:sld xmlns:a="http://schemas.openxmlformats.org/drawingml/2006/main" xmlns:r="http://schemas.openxmlformats.org/officeDocument/2006/relationships" xmlns:p="http://schemas.openxmlformats.org/presentationml/2006/main">
   <p:cSld>
     <p:spTree>
@@ -34180,7 +34884,7 @@
             <a:fld id="{FD7EC6EF-94A2-4537-B1EB-15D4E295B108}" type="slidenum">
               <a:rPr lang="en-US" smtClean="0"/>
               <a:pPr/>
-              <a:t>42</a:t>
+              <a:t>44</a:t>
             </a:fld>
             <a:endParaRPr lang="en-US"/>
           </a:p>
@@ -34275,7 +34979,7 @@
 </p:sld>
 </file>
 
-<file path=ppt/slides/slide43.xml><?xml version="1.0" encoding="utf-8"?>
+<file path=ppt/slides/slide45.xml><?xml version="1.0" encoding="utf-8"?>
 <p:sld xmlns:a="http://schemas.openxmlformats.org/drawingml/2006/main" xmlns:r="http://schemas.openxmlformats.org/officeDocument/2006/relationships" xmlns:p="http://schemas.openxmlformats.org/presentationml/2006/main">
   <p:cSld>
     <p:spTree>
@@ -34444,7 +35148,7 @@
             <a:fld id="{FD7EC6EF-94A2-4537-B1EB-15D4E295B108}" type="slidenum">
               <a:rPr lang="en-US" smtClean="0"/>
               <a:pPr/>
-              <a:t>43</a:t>
+              <a:t>45</a:t>
             </a:fld>
             <a:endParaRPr lang="en-US"/>
           </a:p>
@@ -34498,7 +35202,7 @@
 </p:sld>
 </file>
 
-<file path=ppt/slides/slide44.xml><?xml version="1.0" encoding="utf-8"?>
+<file path=ppt/slides/slide46.xml><?xml version="1.0" encoding="utf-8"?>
 <p:sld xmlns:a="http://schemas.openxmlformats.org/drawingml/2006/main" xmlns:r="http://schemas.openxmlformats.org/officeDocument/2006/relationships" xmlns:p="http://schemas.openxmlformats.org/presentationml/2006/main">
   <p:cSld>
     <p:spTree>
@@ -34709,7 +35413,7 @@
             <a:fld id="{FD7EC6EF-94A2-4537-B1EB-15D4E295B108}" type="slidenum">
               <a:rPr lang="en-US" smtClean="0"/>
               <a:pPr/>
-              <a:t>44</a:t>
+              <a:t>46</a:t>
             </a:fld>
             <a:endParaRPr lang="en-US"/>
           </a:p>
@@ -34821,7 +35525,7 @@
 </p:sld>
 </file>
 
-<file path=ppt/slides/slide45.xml><?xml version="1.0" encoding="utf-8"?>
+<file path=ppt/slides/slide47.xml><?xml version="1.0" encoding="utf-8"?>
 <p:sld xmlns:a="http://schemas.openxmlformats.org/drawingml/2006/main" xmlns:r="http://schemas.openxmlformats.org/officeDocument/2006/relationships" xmlns:p="http://schemas.openxmlformats.org/presentationml/2006/main">
   <p:cSld>
     <p:spTree>
@@ -35012,7 +35716,7 @@
             <a:fld id="{FD7EC6EF-94A2-4537-B1EB-15D4E295B108}" type="slidenum">
               <a:rPr lang="en-US" smtClean="0"/>
               <a:pPr/>
-              <a:t>45</a:t>
+              <a:t>47</a:t>
             </a:fld>
             <a:endParaRPr lang="en-US"/>
           </a:p>
@@ -35215,7 +35919,7 @@
 </p:sld>
 </file>
 
-<file path=ppt/slides/slide46.xml><?xml version="1.0" encoding="utf-8"?>
+<file path=ppt/slides/slide48.xml><?xml version="1.0" encoding="utf-8"?>
 <p:sld xmlns:a="http://schemas.openxmlformats.org/drawingml/2006/main" xmlns:r="http://schemas.openxmlformats.org/officeDocument/2006/relationships" xmlns:p="http://schemas.openxmlformats.org/presentationml/2006/main">
   <p:cSld>
     <p:spTree>
@@ -35383,7 +36087,7 @@
             <a:fld id="{FD7EC6EF-94A2-4537-B1EB-15D4E295B108}" type="slidenum">
               <a:rPr lang="en-US" smtClean="0"/>
               <a:pPr/>
-              <a:t>46</a:t>
+              <a:t>48</a:t>
             </a:fld>
             <a:endParaRPr lang="en-US"/>
           </a:p>
@@ -35467,391 +36171,6 @@
 </p:sld>
 </file>
 
-<file path=ppt/slides/slide47.xml><?xml version="1.0" encoding="utf-8"?>
-<p:sld xmlns:a="http://schemas.openxmlformats.org/drawingml/2006/main" xmlns:r="http://schemas.openxmlformats.org/officeDocument/2006/relationships" xmlns:p="http://schemas.openxmlformats.org/presentationml/2006/main">
-  <p:cSld>
-    <p:spTree>
-      <p:nvGrpSpPr>
-        <p:cNvPr id="1" name=""/>
-        <p:cNvGrpSpPr/>
-        <p:nvPr/>
-      </p:nvGrpSpPr>
-      <p:grpSpPr>
-        <a:xfrm>
-          <a:off x="0" y="0"/>
-          <a:ext cx="0" cy="0"/>
-          <a:chOff x="0" y="0"/>
-          <a:chExt cx="0" cy="0"/>
-        </a:xfrm>
-      </p:grpSpPr>
-      <p:sp>
-        <p:nvSpPr>
-          <p:cNvPr id="2" name="Title 1"/>
-          <p:cNvSpPr>
-            <a:spLocks noGrp="1"/>
-          </p:cNvSpPr>
-          <p:nvPr>
-            <p:ph type="title"/>
-          </p:nvPr>
-        </p:nvSpPr>
-        <p:spPr/>
-        <p:txBody>
-          <a:bodyPr/>
-          <a:lstStyle/>
-          <a:p>
-            <a:r>
-              <a:rPr lang="en-US" dirty="0" smtClean="0"/>
-              <a:t>Software Timing: Jitter</a:t>
-            </a:r>
-            <a:endParaRPr lang="en-US" dirty="0"/>
-          </a:p>
-        </p:txBody>
-      </p:sp>
-      <p:sp>
-        <p:nvSpPr>
-          <p:cNvPr id="3" name="Content Placeholder 2"/>
-          <p:cNvSpPr>
-            <a:spLocks noGrp="1"/>
-          </p:cNvSpPr>
-          <p:nvPr>
-            <p:ph idx="1"/>
-          </p:nvPr>
-        </p:nvSpPr>
-        <p:spPr>
-          <a:xfrm>
-            <a:off x="228600" y="1143000"/>
-            <a:ext cx="8686800" cy="2286000"/>
-          </a:xfrm>
-        </p:spPr>
-        <p:txBody>
-          <a:bodyPr>
-            <a:normAutofit/>
-          </a:bodyPr>
-          <a:lstStyle/>
-          <a:p>
-            <a:r>
-              <a:rPr lang="en-US" b="0" dirty="0" smtClean="0"/>
-              <a:t>Show jitter example</a:t>
-            </a:r>
-          </a:p>
-          <a:p>
-            <a:pPr lvl="1"/>
-            <a:endParaRPr lang="en-US" b="0" dirty="0" smtClean="0"/>
-          </a:p>
-        </p:txBody>
-      </p:sp>
-      <p:sp>
-        <p:nvSpPr>
-          <p:cNvPr id="4" name="Date Placeholder 3"/>
-          <p:cNvSpPr>
-            <a:spLocks noGrp="1"/>
-          </p:cNvSpPr>
-          <p:nvPr>
-            <p:ph type="dt" sz="half" idx="10"/>
-          </p:nvPr>
-        </p:nvSpPr>
-        <p:spPr/>
-        <p:txBody>
-          <a:bodyPr/>
-          <a:lstStyle/>
-          <a:p>
-            <a:r>
-              <a:rPr lang="en-US" smtClean="0"/>
-              <a:t>2015-04-07</a:t>
-            </a:r>
-            <a:endParaRPr lang="en-US"/>
-          </a:p>
-        </p:txBody>
-      </p:sp>
-      <p:sp>
-        <p:nvSpPr>
-          <p:cNvPr id="5" name="Footer Placeholder 4"/>
-          <p:cNvSpPr>
-            <a:spLocks noGrp="1"/>
-          </p:cNvSpPr>
-          <p:nvPr>
-            <p:ph type="ftr" sz="quarter" idx="11"/>
-          </p:nvPr>
-        </p:nvSpPr>
-        <p:spPr/>
-        <p:txBody>
-          <a:bodyPr/>
-          <a:lstStyle/>
-          <a:p>
-            <a:r>
-              <a:rPr lang="en-US" smtClean="0"/>
-              <a:t>Data Acquisition</a:t>
-            </a:r>
-            <a:endParaRPr lang="en-US"/>
-          </a:p>
-        </p:txBody>
-      </p:sp>
-      <p:sp>
-        <p:nvSpPr>
-          <p:cNvPr id="6" name="Slide Number Placeholder 5"/>
-          <p:cNvSpPr>
-            <a:spLocks noGrp="1"/>
-          </p:cNvSpPr>
-          <p:nvPr>
-            <p:ph type="sldNum" sz="quarter" idx="12"/>
-          </p:nvPr>
-        </p:nvSpPr>
-        <p:spPr/>
-        <p:txBody>
-          <a:bodyPr/>
-          <a:lstStyle/>
-          <a:p>
-            <a:fld id="{FD7EC6EF-94A2-4537-B1EB-15D4E295B108}" type="slidenum">
-              <a:rPr lang="en-US" smtClean="0"/>
-              <a:pPr/>
-              <a:t>47</a:t>
-            </a:fld>
-            <a:endParaRPr lang="en-US"/>
-          </a:p>
-        </p:txBody>
-      </p:sp>
-    </p:spTree>
-  </p:cSld>
-  <p:clrMapOvr>
-    <a:masterClrMapping/>
-  </p:clrMapOvr>
-  <p:timing>
-    <p:tnLst>
-      <p:par>
-        <p:cTn id="1" dur="indefinite" restart="never" nodeType="tmRoot"/>
-      </p:par>
-    </p:tnLst>
-  </p:timing>
-</p:sld>
-</file>
-
-<file path=ppt/slides/slide48.xml><?xml version="1.0" encoding="utf-8"?>
-<p:sld xmlns:a="http://schemas.openxmlformats.org/drawingml/2006/main" xmlns:r="http://schemas.openxmlformats.org/officeDocument/2006/relationships" xmlns:p="http://schemas.openxmlformats.org/presentationml/2006/main">
-  <p:cSld>
-    <p:spTree>
-      <p:nvGrpSpPr>
-        <p:cNvPr id="1" name=""/>
-        <p:cNvGrpSpPr/>
-        <p:nvPr/>
-      </p:nvGrpSpPr>
-      <p:grpSpPr>
-        <a:xfrm>
-          <a:off x="0" y="0"/>
-          <a:ext cx="0" cy="0"/>
-          <a:chOff x="0" y="0"/>
-          <a:chExt cx="0" cy="0"/>
-        </a:xfrm>
-      </p:grpSpPr>
-      <p:sp>
-        <p:nvSpPr>
-          <p:cNvPr id="2" name="Title 1"/>
-          <p:cNvSpPr>
-            <a:spLocks noGrp="1"/>
-          </p:cNvSpPr>
-          <p:nvPr>
-            <p:ph type="title"/>
-          </p:nvPr>
-        </p:nvSpPr>
-        <p:spPr/>
-        <p:txBody>
-          <a:bodyPr/>
-          <a:lstStyle/>
-          <a:p>
-            <a:r>
-              <a:rPr lang="en-US" dirty="0" smtClean="0"/>
-              <a:t>Finite Samples, Hardware Timed</a:t>
-            </a:r>
-            <a:endParaRPr lang="en-US" dirty="0"/>
-          </a:p>
-        </p:txBody>
-      </p:sp>
-      <p:sp>
-        <p:nvSpPr>
-          <p:cNvPr id="3" name="Content Placeholder 2"/>
-          <p:cNvSpPr>
-            <a:spLocks noGrp="1"/>
-          </p:cNvSpPr>
-          <p:nvPr>
-            <p:ph idx="1"/>
-          </p:nvPr>
-        </p:nvSpPr>
-        <p:spPr>
-          <a:xfrm>
-            <a:off x="228600" y="1219200"/>
-            <a:ext cx="8686800" cy="5257800"/>
-          </a:xfrm>
-        </p:spPr>
-        <p:txBody>
-          <a:bodyPr>
-            <a:normAutofit/>
-          </a:bodyPr>
-          <a:lstStyle/>
-          <a:p>
-            <a:r>
-              <a:rPr lang="en-US" b="0" dirty="0" smtClean="0"/>
-              <a:t>To relieve jitter and free up the process, let the DAQ card handle the timing</a:t>
-            </a:r>
-          </a:p>
-          <a:p>
-            <a:r>
-              <a:rPr lang="en-US" b="0" dirty="0" smtClean="0"/>
-              <a:t>We must now configure the channel timing</a:t>
-            </a:r>
-          </a:p>
-          <a:p>
-            <a:pPr lvl="1"/>
-            <a:r>
-              <a:rPr lang="en-US" dirty="0" smtClean="0"/>
-              <a:t>Use </a:t>
-            </a:r>
-            <a:r>
-              <a:rPr lang="en-US" dirty="0" err="1" smtClean="0"/>
-              <a:t>DAQmx</a:t>
-            </a:r>
-            <a:r>
-              <a:rPr lang="en-US" dirty="0" smtClean="0"/>
-              <a:t> Timing.vi</a:t>
-            </a:r>
-          </a:p>
-          <a:p>
-            <a:pPr lvl="1"/>
-            <a:r>
-              <a:rPr lang="en-US" b="0" dirty="0" smtClean="0"/>
-              <a:t>Specify:</a:t>
-            </a:r>
-          </a:p>
-          <a:p>
-            <a:pPr lvl="2"/>
-            <a:r>
-              <a:rPr lang="en-US" dirty="0" smtClean="0"/>
-              <a:t>Timing type (Finite samples in this case)</a:t>
-            </a:r>
-          </a:p>
-          <a:p>
-            <a:pPr lvl="2"/>
-            <a:r>
-              <a:rPr lang="en-US" dirty="0" smtClean="0"/>
-              <a:t>Frequency</a:t>
-            </a:r>
-          </a:p>
-          <a:p>
-            <a:pPr lvl="2"/>
-            <a:r>
-              <a:rPr lang="en-US" b="0" dirty="0" smtClean="0"/>
-              <a:t>Number of samples</a:t>
-            </a:r>
-          </a:p>
-          <a:p>
-            <a:pPr lvl="2"/>
-            <a:r>
-              <a:rPr lang="en-US" dirty="0" smtClean="0"/>
-              <a:t>Timing source*</a:t>
-            </a:r>
-          </a:p>
-          <a:p>
-            <a:pPr lvl="2"/>
-            <a:endParaRPr lang="en-US" b="0" dirty="0" smtClean="0"/>
-          </a:p>
-          <a:p>
-            <a:pPr>
-              <a:buNone/>
-            </a:pPr>
-            <a:r>
-              <a:rPr lang="en-US" b="0" dirty="0" smtClean="0"/>
-              <a:t>*</a:t>
-            </a:r>
-            <a:r>
-              <a:rPr lang="en-US" sz="1800" b="0" dirty="0" smtClean="0"/>
-              <a:t>Timing source allows one to use an external clock rather than an internal clock. This is useful for clocking in data based on external events signals, e.g. an encoder pulse, a clock from another DAQ task (e.g. analog output) or an external instrument.</a:t>
-            </a:r>
-          </a:p>
-        </p:txBody>
-      </p:sp>
-      <p:sp>
-        <p:nvSpPr>
-          <p:cNvPr id="4" name="Date Placeholder 3"/>
-          <p:cNvSpPr>
-            <a:spLocks noGrp="1"/>
-          </p:cNvSpPr>
-          <p:nvPr>
-            <p:ph type="dt" sz="half" idx="10"/>
-          </p:nvPr>
-        </p:nvSpPr>
-        <p:spPr/>
-        <p:txBody>
-          <a:bodyPr/>
-          <a:lstStyle/>
-          <a:p>
-            <a:r>
-              <a:rPr lang="en-US" smtClean="0"/>
-              <a:t>2015-04-07</a:t>
-            </a:r>
-            <a:endParaRPr lang="en-US"/>
-          </a:p>
-        </p:txBody>
-      </p:sp>
-      <p:sp>
-        <p:nvSpPr>
-          <p:cNvPr id="5" name="Footer Placeholder 4"/>
-          <p:cNvSpPr>
-            <a:spLocks noGrp="1"/>
-          </p:cNvSpPr>
-          <p:nvPr>
-            <p:ph type="ftr" sz="quarter" idx="11"/>
-          </p:nvPr>
-        </p:nvSpPr>
-        <p:spPr/>
-        <p:txBody>
-          <a:bodyPr/>
-          <a:lstStyle/>
-          <a:p>
-            <a:r>
-              <a:rPr lang="en-US" smtClean="0"/>
-              <a:t>Data Acquisition</a:t>
-            </a:r>
-            <a:endParaRPr lang="en-US"/>
-          </a:p>
-        </p:txBody>
-      </p:sp>
-      <p:sp>
-        <p:nvSpPr>
-          <p:cNvPr id="6" name="Slide Number Placeholder 5"/>
-          <p:cNvSpPr>
-            <a:spLocks noGrp="1"/>
-          </p:cNvSpPr>
-          <p:nvPr>
-            <p:ph type="sldNum" sz="quarter" idx="12"/>
-          </p:nvPr>
-        </p:nvSpPr>
-        <p:spPr/>
-        <p:txBody>
-          <a:bodyPr/>
-          <a:lstStyle/>
-          <a:p>
-            <a:fld id="{FD7EC6EF-94A2-4537-B1EB-15D4E295B108}" type="slidenum">
-              <a:rPr lang="en-US" smtClean="0"/>
-              <a:pPr/>
-              <a:t>48</a:t>
-            </a:fld>
-            <a:endParaRPr lang="en-US"/>
-          </a:p>
-        </p:txBody>
-      </p:sp>
-    </p:spTree>
-  </p:cSld>
-  <p:clrMapOvr>
-    <a:masterClrMapping/>
-  </p:clrMapOvr>
-  <p:timing>
-    <p:tnLst>
-      <p:par>
-        <p:cTn id="1" dur="indefinite" restart="never" nodeType="tmRoot"/>
-      </p:par>
-    </p:tnLst>
-  </p:timing>
-</p:sld>
-</file>
-
 <file path=ppt/slides/slide49.xml><?xml version="1.0" encoding="utf-8"?>
 <p:sld xmlns:a="http://schemas.openxmlformats.org/drawingml/2006/main" xmlns:r="http://schemas.openxmlformats.org/officeDocument/2006/relationships" xmlns:p="http://schemas.openxmlformats.org/presentationml/2006/main">
   <p:cSld>
@@ -35886,9 +36205,42 @@
           <a:p>
             <a:r>
               <a:rPr lang="en-US" dirty="0" smtClean="0"/>
-              <a:t>Finite Samples, Hardware Timed</a:t>
+              <a:t>Software Timing: Jitter</a:t>
             </a:r>
             <a:endParaRPr lang="en-US" dirty="0"/>
+          </a:p>
+        </p:txBody>
+      </p:sp>
+      <p:sp>
+        <p:nvSpPr>
+          <p:cNvPr id="3" name="Content Placeholder 2"/>
+          <p:cNvSpPr>
+            <a:spLocks noGrp="1"/>
+          </p:cNvSpPr>
+          <p:nvPr>
+            <p:ph idx="1"/>
+          </p:nvPr>
+        </p:nvSpPr>
+        <p:spPr>
+          <a:xfrm>
+            <a:off x="228600" y="1143000"/>
+            <a:ext cx="8686800" cy="2286000"/>
+          </a:xfrm>
+        </p:spPr>
+        <p:txBody>
+          <a:bodyPr>
+            <a:normAutofit/>
+          </a:bodyPr>
+          <a:lstStyle/>
+          <a:p>
+            <a:r>
+              <a:rPr lang="en-US" b="0" dirty="0" smtClean="0"/>
+              <a:t>Show jitter example</a:t>
+            </a:r>
+          </a:p>
+          <a:p>
+            <a:pPr lvl="1"/>
+            <a:endParaRPr lang="en-US" b="0" dirty="0" smtClean="0"/>
           </a:p>
         </p:txBody>
       </p:sp>
@@ -35962,41 +36314,6 @@
           </a:p>
         </p:txBody>
       </p:sp>
-      <p:pic>
-        <p:nvPicPr>
-          <p:cNvPr id="9" name="Picture 2"/>
-          <p:cNvPicPr>
-            <a:picLocks noGrp="1" noChangeAspect="1" noChangeArrowheads="1"/>
-          </p:cNvPicPr>
-          <p:nvPr>
-            <p:ph idx="1"/>
-          </p:nvPr>
-        </p:nvPicPr>
-        <p:blipFill>
-          <a:blip r:embed="rId2"/>
-          <a:srcRect/>
-          <a:stretch>
-            <a:fillRect/>
-          </a:stretch>
-        </p:blipFill>
-        <p:spPr bwMode="auto">
-          <a:xfrm>
-            <a:off x="1295400" y="1371600"/>
-            <a:ext cx="6553202" cy="4972918"/>
-          </a:xfrm>
-          <a:prstGeom prst="rect">
-            <a:avLst/>
-          </a:prstGeom>
-          <a:noFill/>
-          <a:ln w="9525">
-            <a:noFill/>
-            <a:miter lim="800000"/>
-            <a:headEnd/>
-            <a:tailEnd/>
-          </a:ln>
-          <a:effectLst/>
-        </p:spPr>
-      </p:pic>
     </p:spTree>
   </p:cSld>
   <p:clrMapOvr>
@@ -37570,9 +37887,111 @@
           <a:p>
             <a:r>
               <a:rPr lang="en-US" dirty="0" smtClean="0"/>
-              <a:t>What’s really happening?*</a:t>
+              <a:t>Finite Samples, Hardware Timed</a:t>
             </a:r>
             <a:endParaRPr lang="en-US" dirty="0"/>
+          </a:p>
+        </p:txBody>
+      </p:sp>
+      <p:sp>
+        <p:nvSpPr>
+          <p:cNvPr id="3" name="Content Placeholder 2"/>
+          <p:cNvSpPr>
+            <a:spLocks noGrp="1"/>
+          </p:cNvSpPr>
+          <p:nvPr>
+            <p:ph idx="1"/>
+          </p:nvPr>
+        </p:nvSpPr>
+        <p:spPr>
+          <a:xfrm>
+            <a:off x="228600" y="1219200"/>
+            <a:ext cx="8686800" cy="5257800"/>
+          </a:xfrm>
+        </p:spPr>
+        <p:txBody>
+          <a:bodyPr>
+            <a:normAutofit/>
+          </a:bodyPr>
+          <a:lstStyle/>
+          <a:p>
+            <a:r>
+              <a:rPr lang="en-US" b="0" dirty="0" smtClean="0"/>
+              <a:t>To relieve jitter and free up the process, let the DAQ card handle the timing</a:t>
+            </a:r>
+          </a:p>
+          <a:p>
+            <a:r>
+              <a:rPr lang="en-US" b="0" dirty="0" smtClean="0"/>
+              <a:t>We must now configure the channel timing</a:t>
+            </a:r>
+          </a:p>
+          <a:p>
+            <a:pPr lvl="1"/>
+            <a:r>
+              <a:rPr lang="en-US" dirty="0" smtClean="0"/>
+              <a:t>Use </a:t>
+            </a:r>
+            <a:r>
+              <a:rPr lang="en-US" dirty="0" err="1" smtClean="0"/>
+              <a:t>DAQmx</a:t>
+            </a:r>
+            <a:r>
+              <a:rPr lang="en-US" dirty="0" smtClean="0"/>
+              <a:t> Timing.vi</a:t>
+            </a:r>
+          </a:p>
+          <a:p>
+            <a:pPr lvl="1"/>
+            <a:r>
+              <a:rPr lang="en-US" b="0" dirty="0" smtClean="0"/>
+              <a:t>Specify:</a:t>
+            </a:r>
+          </a:p>
+          <a:p>
+            <a:pPr lvl="2"/>
+            <a:r>
+              <a:rPr lang="en-US" dirty="0" smtClean="0"/>
+              <a:t>Timing type (Finite samples in this case)</a:t>
+            </a:r>
+          </a:p>
+          <a:p>
+            <a:pPr lvl="2"/>
+            <a:r>
+              <a:rPr lang="en-US" dirty="0" smtClean="0"/>
+              <a:t>Frequency</a:t>
+            </a:r>
+          </a:p>
+          <a:p>
+            <a:pPr lvl="2"/>
+            <a:r>
+              <a:rPr lang="en-US" b="0" dirty="0" smtClean="0"/>
+              <a:t>Number of samples</a:t>
+            </a:r>
+          </a:p>
+          <a:p>
+            <a:pPr lvl="2"/>
+            <a:r>
+              <a:rPr lang="en-US" dirty="0" smtClean="0"/>
+              <a:t>Timing source*</a:t>
+            </a:r>
+          </a:p>
+          <a:p>
+            <a:pPr lvl="2"/>
+            <a:endParaRPr lang="en-US" b="0" dirty="0" smtClean="0"/>
+          </a:p>
+          <a:p>
+            <a:pPr>
+              <a:buNone/>
+            </a:pPr>
+            <a:r>
+              <a:rPr lang="en-US" b="0" dirty="0" smtClean="0"/>
+              <a:t>*</a:t>
+            </a:r>
+            <a:r>
+              <a:rPr lang="en-US" sz="1800" b="0" dirty="0" smtClean="0"/>
+              <a:t>Timing source allows one to use an external clock rather than an internal clock. This is useful for clocking in data based on external events signals, e.g. an encoder pulse, a clock from another DAQ task (e.g. analog output) or an external instrument.</a:t>
+            </a:r>
           </a:p>
         </p:txBody>
       </p:sp>
@@ -37643,107 +38062,6 @@
               <a:t>50</a:t>
             </a:fld>
             <a:endParaRPr lang="en-US"/>
-          </a:p>
-        </p:txBody>
-      </p:sp>
-      <p:pic>
-        <p:nvPicPr>
-          <p:cNvPr id="8" name="Content Placeholder 7" descr="DMA1.png"/>
-          <p:cNvPicPr>
-            <a:picLocks noGrp="1" noChangeAspect="1"/>
-          </p:cNvPicPr>
-          <p:nvPr>
-            <p:ph idx="1"/>
-          </p:nvPr>
-        </p:nvPicPr>
-        <p:blipFill>
-          <a:blip r:embed="rId2"/>
-          <a:stretch>
-            <a:fillRect/>
-          </a:stretch>
-        </p:blipFill>
-        <p:spPr>
-          <a:xfrm>
-            <a:off x="2667000" y="1600200"/>
-            <a:ext cx="6075286" cy="4251359"/>
-          </a:xfrm>
-        </p:spPr>
-      </p:pic>
-      <p:sp>
-        <p:nvSpPr>
-          <p:cNvPr id="10" name="TextBox 9"/>
-          <p:cNvSpPr txBox="1"/>
-          <p:nvPr/>
-        </p:nvSpPr>
-        <p:spPr>
-          <a:xfrm>
-            <a:off x="304800" y="1905000"/>
-            <a:ext cx="1943161" cy="307777"/>
-          </a:xfrm>
-          <a:prstGeom prst="rect">
-            <a:avLst/>
-          </a:prstGeom>
-          <a:noFill/>
-        </p:spPr>
-        <p:txBody>
-          <a:bodyPr wrap="none" rtlCol="0">
-            <a:spAutoFit/>
-          </a:bodyPr>
-          <a:lstStyle/>
-          <a:p>
-            <a:r>
-              <a:rPr lang="en-US" sz="1400" b="1" dirty="0" smtClean="0">
-                <a:solidFill>
-                  <a:srgbClr val="DD6205"/>
-                </a:solidFill>
-                <a:latin typeface="Arial" pitchFamily="34" charset="0"/>
-                <a:cs typeface="Arial" pitchFamily="34" charset="0"/>
-              </a:rPr>
-              <a:t>1 Configuration Step</a:t>
-            </a:r>
-            <a:endParaRPr lang="en-US" sz="1400" b="1" dirty="0">
-              <a:solidFill>
-                <a:srgbClr val="DD6205"/>
-              </a:solidFill>
-              <a:latin typeface="Arial" pitchFamily="34" charset="0"/>
-              <a:cs typeface="Arial" pitchFamily="34" charset="0"/>
-            </a:endParaRPr>
-          </a:p>
-        </p:txBody>
-      </p:sp>
-      <p:sp>
-        <p:nvSpPr>
-          <p:cNvPr id="12" name="TextBox 11"/>
-          <p:cNvSpPr txBox="1"/>
-          <p:nvPr/>
-        </p:nvSpPr>
-        <p:spPr>
-          <a:xfrm>
-            <a:off x="457200" y="6248400"/>
-            <a:ext cx="4663456" cy="307777"/>
-          </a:xfrm>
-          <a:prstGeom prst="rect">
-            <a:avLst/>
-          </a:prstGeom>
-          <a:noFill/>
-        </p:spPr>
-        <p:txBody>
-          <a:bodyPr wrap="none" rtlCol="0">
-            <a:spAutoFit/>
-          </a:bodyPr>
-          <a:lstStyle/>
-          <a:p>
-            <a:r>
-              <a:rPr lang="en-US" sz="1400" dirty="0" smtClean="0">
-                <a:latin typeface="Arial" pitchFamily="34" charset="0"/>
-                <a:cs typeface="Arial" pitchFamily="34" charset="0"/>
-              </a:rPr>
-              <a:t>*This is still a simplification of the real architecture. Sorry.</a:t>
-            </a:r>
-            <a:endParaRPr lang="en-US" sz="1400" dirty="0">
-              <a:latin typeface="Arial" pitchFamily="34" charset="0"/>
-              <a:cs typeface="Arial" pitchFamily="34" charset="0"/>
-            </a:endParaRPr>
           </a:p>
         </p:txBody>
       </p:sp>
@@ -37796,7 +38114,7 @@
           <a:p>
             <a:r>
               <a:rPr lang="en-US" dirty="0" smtClean="0"/>
-              <a:t>What’s really happening?*</a:t>
+              <a:t>Finite Samples, Hardware Timed</a:t>
             </a:r>
             <a:endParaRPr lang="en-US" dirty="0"/>
           </a:p>
@@ -37874,9 +38192,9 @@
       </p:sp>
       <p:pic>
         <p:nvPicPr>
-          <p:cNvPr id="8" name="Content Placeholder 7" descr="DMA1.png"/>
+          <p:cNvPr id="9" name="Picture 2"/>
           <p:cNvPicPr>
-            <a:picLocks noGrp="1" noChangeAspect="1"/>
+            <a:picLocks noGrp="1" noChangeAspect="1" noChangeArrowheads="1"/>
           </p:cNvPicPr>
           <p:nvPr>
             <p:ph idx="1"/>
@@ -37884,101 +38202,29 @@
         </p:nvPicPr>
         <p:blipFill>
           <a:blip r:embed="rId2"/>
+          <a:srcRect/>
           <a:stretch>
             <a:fillRect/>
           </a:stretch>
         </p:blipFill>
-        <p:spPr>
+        <p:spPr bwMode="auto">
           <a:xfrm>
-            <a:off x="2667000" y="1600200"/>
-            <a:ext cx="6075285" cy="4251359"/>
-          </a:xfrm>
-        </p:spPr>
-      </p:pic>
-      <p:sp>
-        <p:nvSpPr>
-          <p:cNvPr id="10" name="TextBox 9"/>
-          <p:cNvSpPr txBox="1"/>
-          <p:nvPr/>
-        </p:nvSpPr>
-        <p:spPr>
-          <a:xfrm>
-            <a:off x="304800" y="1905000"/>
-            <a:ext cx="1943161" cy="307777"/>
+            <a:off x="1295400" y="1371600"/>
+            <a:ext cx="6553202" cy="4972918"/>
           </a:xfrm>
           <a:prstGeom prst="rect">
             <a:avLst/>
           </a:prstGeom>
           <a:noFill/>
+          <a:ln w="9525">
+            <a:noFill/>
+            <a:miter lim="800000"/>
+            <a:headEnd/>
+            <a:tailEnd/>
+          </a:ln>
+          <a:effectLst/>
         </p:spPr>
-        <p:txBody>
-          <a:bodyPr wrap="none" rtlCol="0">
-            <a:spAutoFit/>
-          </a:bodyPr>
-          <a:lstStyle/>
-          <a:p>
-            <a:r>
-              <a:rPr lang="en-US" sz="1400" b="1" dirty="0" smtClean="0">
-                <a:solidFill>
-                  <a:srgbClr val="DD6205"/>
-                </a:solidFill>
-                <a:latin typeface="Arial" pitchFamily="34" charset="0"/>
-                <a:cs typeface="Arial" pitchFamily="34" charset="0"/>
-              </a:rPr>
-              <a:t>1 Configuration Step</a:t>
-            </a:r>
-            <a:endParaRPr lang="en-US" sz="1400" b="1" dirty="0">
-              <a:solidFill>
-                <a:srgbClr val="DD6205"/>
-              </a:solidFill>
-              <a:latin typeface="Arial" pitchFamily="34" charset="0"/>
-              <a:cs typeface="Arial" pitchFamily="34" charset="0"/>
-            </a:endParaRPr>
-          </a:p>
-        </p:txBody>
-      </p:sp>
-      <p:sp>
-        <p:nvSpPr>
-          <p:cNvPr id="9" name="TextBox 8"/>
-          <p:cNvSpPr txBox="1"/>
-          <p:nvPr/>
-        </p:nvSpPr>
-        <p:spPr>
-          <a:xfrm>
-            <a:off x="304800" y="2286000"/>
-            <a:ext cx="1678665" cy="307777"/>
-          </a:xfrm>
-          <a:prstGeom prst="rect">
-            <a:avLst/>
-          </a:prstGeom>
-          <a:noFill/>
-        </p:spPr>
-        <p:txBody>
-          <a:bodyPr wrap="none" rtlCol="0">
-            <a:spAutoFit/>
-          </a:bodyPr>
-          <a:lstStyle/>
-          <a:p>
-            <a:r>
-              <a:rPr lang="en-US" sz="1400" b="1" dirty="0" smtClean="0">
-                <a:solidFill>
-                  <a:srgbClr val="0000FF"/>
-                </a:solidFill>
-                <a:latin typeface="Arial" pitchFamily="34" charset="0"/>
-                <a:cs typeface="Arial" pitchFamily="34" charset="0"/>
-              </a:rPr>
-              <a:t>N Reads w/o CPU</a:t>
-            </a:r>
-            <a:endParaRPr lang="en-US" sz="1400" b="1" dirty="0">
-              <a:solidFill>
-                <a:srgbClr val="0000FF"/>
-              </a:solidFill>
-              <a:latin typeface="Arial" pitchFamily="34" charset="0"/>
-              <a:cs typeface="Arial" pitchFamily="34" charset="0"/>
-            </a:endParaRPr>
-          </a:p>
-        </p:txBody>
-      </p:sp>
+      </p:pic>
     </p:spTree>
   </p:cSld>
   <p:clrMapOvr>
@@ -38123,7 +38369,7 @@
         <p:spPr>
           <a:xfrm>
             <a:off x="2667000" y="1600200"/>
-            <a:ext cx="6075285" cy="4251358"/>
+            <a:ext cx="6075286" cy="4251359"/>
           </a:xfrm>
         </p:spPr>
       </p:pic>
@@ -38171,14 +38417,14 @@
       </p:sp>
       <p:sp>
         <p:nvSpPr>
-          <p:cNvPr id="9" name="TextBox 8"/>
+          <p:cNvPr id="12" name="TextBox 11"/>
           <p:cNvSpPr txBox="1"/>
           <p:nvPr/>
         </p:nvSpPr>
         <p:spPr>
           <a:xfrm>
-            <a:off x="304800" y="2286000"/>
-            <a:ext cx="1678665" cy="307777"/>
+            <a:off x="457200" y="6248400"/>
+            <a:ext cx="4663456" cy="307777"/>
           </a:xfrm>
           <a:prstGeom prst="rect">
             <a:avLst/>
@@ -38192,71 +38438,13 @@
           <a:lstStyle/>
           <a:p>
             <a:r>
-              <a:rPr lang="en-US" sz="1400" b="1" dirty="0" smtClean="0">
-                <a:solidFill>
-                  <a:srgbClr val="0000FF"/>
-                </a:solidFill>
+              <a:rPr lang="en-US" sz="1400" dirty="0" smtClean="0">
                 <a:latin typeface="Arial" pitchFamily="34" charset="0"/>
                 <a:cs typeface="Arial" pitchFamily="34" charset="0"/>
               </a:rPr>
-              <a:t>N Reads w/o CPU</a:t>
-            </a:r>
-            <a:endParaRPr lang="en-US" sz="1400" b="1" dirty="0">
-              <a:solidFill>
-                <a:srgbClr val="0000FF"/>
-              </a:solidFill>
-              <a:latin typeface="Arial" pitchFamily="34" charset="0"/>
-              <a:cs typeface="Arial" pitchFamily="34" charset="0"/>
-            </a:endParaRPr>
-          </a:p>
-        </p:txBody>
-      </p:sp>
-      <p:sp>
-        <p:nvSpPr>
-          <p:cNvPr id="11" name="TextBox 10"/>
-          <p:cNvSpPr txBox="1"/>
-          <p:nvPr/>
-        </p:nvSpPr>
-        <p:spPr>
-          <a:xfrm>
-            <a:off x="304800" y="2667000"/>
-            <a:ext cx="2743059" cy="307777"/>
-          </a:xfrm>
-          <a:prstGeom prst="rect">
-            <a:avLst/>
-          </a:prstGeom>
-          <a:noFill/>
-        </p:spPr>
-        <p:txBody>
-          <a:bodyPr wrap="none" rtlCol="0">
-            <a:spAutoFit/>
-          </a:bodyPr>
-          <a:lstStyle/>
-          <a:p>
-            <a:r>
-              <a:rPr lang="en-US" sz="1400" b="1" dirty="0" smtClean="0">
-                <a:solidFill>
-                  <a:srgbClr val="FF00FF"/>
-                </a:solidFill>
-                <a:latin typeface="Arial" pitchFamily="34" charset="0"/>
-                <a:cs typeface="Arial" pitchFamily="34" charset="0"/>
-              </a:rPr>
-              <a:t>N Reads w/ CPU </a:t>
-            </a:r>
-            <a:r>
-              <a:rPr lang="en-US" sz="1400" b="1" i="1" dirty="0" smtClean="0">
-                <a:solidFill>
-                  <a:srgbClr val="FF00FF"/>
-                </a:solidFill>
-                <a:latin typeface="Arial" pitchFamily="34" charset="0"/>
-                <a:cs typeface="Arial" pitchFamily="34" charset="0"/>
-              </a:rPr>
-              <a:t>at our leisure</a:t>
-            </a:r>
-            <a:endParaRPr lang="en-US" sz="1400" b="1" dirty="0">
-              <a:solidFill>
-                <a:srgbClr val="FF00FF"/>
-              </a:solidFill>
+              <a:t>*This is still a simplification of the real architecture. Sorry.</a:t>
+            </a:r>
+            <a:endParaRPr lang="en-US" sz="1400" dirty="0">
               <a:latin typeface="Arial" pitchFamily="34" charset="0"/>
               <a:cs typeface="Arial" pitchFamily="34" charset="0"/>
             </a:endParaRPr>
@@ -38312,7 +38500,7 @@
           <a:p>
             <a:r>
               <a:rPr lang="en-US" dirty="0" smtClean="0"/>
-              <a:t>Why is DMA better than PIO?</a:t>
+              <a:t>What’s really happening?*</a:t>
             </a:r>
             <a:endParaRPr lang="en-US" dirty="0"/>
           </a:p>
@@ -38406,8 +38594,8 @@
         </p:blipFill>
         <p:spPr>
           <a:xfrm>
-            <a:off x="2667001" y="1600200"/>
-            <a:ext cx="6075283" cy="4251358"/>
+            <a:off x="2667000" y="1600200"/>
+            <a:ext cx="6075285" cy="4251359"/>
           </a:xfrm>
         </p:spPr>
       </p:pic>
@@ -38462,7 +38650,7 @@
         <p:spPr>
           <a:xfrm>
             <a:off x="304800" y="2286000"/>
-            <a:ext cx="1569660" cy="307777"/>
+            <a:ext cx="1678665" cy="307777"/>
           </a:xfrm>
           <a:prstGeom prst="rect">
             <a:avLst/>
@@ -38483,137 +38671,11 @@
                 <a:latin typeface="Arial" pitchFamily="34" charset="0"/>
                 <a:cs typeface="Arial" pitchFamily="34" charset="0"/>
               </a:rPr>
-              <a:t>N Reads w/ CPU</a:t>
+              <a:t>N Reads w/o CPU</a:t>
             </a:r>
             <a:endParaRPr lang="en-US" sz="1400" b="1" dirty="0">
               <a:solidFill>
                 <a:srgbClr val="0000FF"/>
-              </a:solidFill>
-              <a:latin typeface="Arial" pitchFamily="34" charset="0"/>
-              <a:cs typeface="Arial" pitchFamily="34" charset="0"/>
-            </a:endParaRPr>
-          </a:p>
-        </p:txBody>
-      </p:sp>
-      <p:sp>
-        <p:nvSpPr>
-          <p:cNvPr id="13" name="TextBox 12"/>
-          <p:cNvSpPr txBox="1"/>
-          <p:nvPr/>
-        </p:nvSpPr>
-        <p:spPr>
-          <a:xfrm>
-            <a:off x="304800" y="2667000"/>
-            <a:ext cx="1577611" cy="307777"/>
-          </a:xfrm>
-          <a:prstGeom prst="rect">
-            <a:avLst/>
-          </a:prstGeom>
-          <a:noFill/>
-        </p:spPr>
-        <p:txBody>
-          <a:bodyPr wrap="none" rtlCol="0">
-            <a:spAutoFit/>
-          </a:bodyPr>
-          <a:lstStyle/>
-          <a:p>
-            <a:r>
-              <a:rPr lang="en-US" sz="1400" b="1" dirty="0" smtClean="0">
-                <a:solidFill>
-                  <a:srgbClr val="0000FF"/>
-                </a:solidFill>
-                <a:latin typeface="Arial" pitchFamily="34" charset="0"/>
-                <a:cs typeface="Arial" pitchFamily="34" charset="0"/>
-              </a:rPr>
-              <a:t>N Writes w/ CPU</a:t>
-            </a:r>
-            <a:endParaRPr lang="en-US" sz="1400" b="1" dirty="0">
-              <a:solidFill>
-                <a:srgbClr val="0000FF"/>
-              </a:solidFill>
-              <a:latin typeface="Arial" pitchFamily="34" charset="0"/>
-              <a:cs typeface="Arial" pitchFamily="34" charset="0"/>
-            </a:endParaRPr>
-          </a:p>
-        </p:txBody>
-      </p:sp>
-      <p:sp>
-        <p:nvSpPr>
-          <p:cNvPr id="14" name="TextBox 13"/>
-          <p:cNvSpPr txBox="1"/>
-          <p:nvPr/>
-        </p:nvSpPr>
-        <p:spPr>
-          <a:xfrm>
-            <a:off x="304800" y="3048000"/>
-            <a:ext cx="1569660" cy="307777"/>
-          </a:xfrm>
-          <a:prstGeom prst="rect">
-            <a:avLst/>
-          </a:prstGeom>
-          <a:noFill/>
-        </p:spPr>
-        <p:txBody>
-          <a:bodyPr wrap="none" rtlCol="0">
-            <a:spAutoFit/>
-          </a:bodyPr>
-          <a:lstStyle/>
-          <a:p>
-            <a:r>
-              <a:rPr lang="en-US" sz="1400" b="1" dirty="0" smtClean="0">
-                <a:solidFill>
-                  <a:srgbClr val="FF00FF"/>
-                </a:solidFill>
-                <a:latin typeface="Arial" pitchFamily="34" charset="0"/>
-                <a:cs typeface="Arial" pitchFamily="34" charset="0"/>
-              </a:rPr>
-              <a:t>N Reads w/ CPU</a:t>
-            </a:r>
-            <a:endParaRPr lang="en-US" sz="1400" b="1" dirty="0">
-              <a:solidFill>
-                <a:srgbClr val="FF00FF"/>
-              </a:solidFill>
-              <a:latin typeface="Arial" pitchFamily="34" charset="0"/>
-              <a:cs typeface="Arial" pitchFamily="34" charset="0"/>
-            </a:endParaRPr>
-          </a:p>
-        </p:txBody>
-      </p:sp>
-      <p:sp>
-        <p:nvSpPr>
-          <p:cNvPr id="16" name="TextBox 15"/>
-          <p:cNvSpPr txBox="1"/>
-          <p:nvPr/>
-        </p:nvSpPr>
-        <p:spPr>
-          <a:xfrm>
-            <a:off x="304800" y="3505200"/>
-            <a:ext cx="1895071" cy="307777"/>
-          </a:xfrm>
-          <a:prstGeom prst="rect">
-            <a:avLst/>
-          </a:prstGeom>
-          <a:noFill/>
-        </p:spPr>
-        <p:txBody>
-          <a:bodyPr wrap="none" rtlCol="0">
-            <a:spAutoFit/>
-          </a:bodyPr>
-          <a:lstStyle/>
-          <a:p>
-            <a:r>
-              <a:rPr lang="en-US" sz="1400" b="1" dirty="0" smtClean="0">
-                <a:solidFill>
-                  <a:srgbClr val="FF0000"/>
-                </a:solidFill>
-                <a:latin typeface="Arial" pitchFamily="34" charset="0"/>
-                <a:cs typeface="Arial" pitchFamily="34" charset="0"/>
-              </a:rPr>
-              <a:t>All must be on time!</a:t>
-            </a:r>
-            <a:endParaRPr lang="en-US" sz="1400" b="1" dirty="0">
-              <a:solidFill>
-                <a:srgbClr val="FF0000"/>
               </a:solidFill>
               <a:latin typeface="Arial" pitchFamily="34" charset="0"/>
               <a:cs typeface="Arial" pitchFamily="34" charset="0"/>
@@ -38670,7 +38732,7 @@
           <a:p>
             <a:r>
               <a:rPr lang="en-US" dirty="0" smtClean="0"/>
-              <a:t>Continuous Sampling</a:t>
+              <a:t>What’s really happening?*</a:t>
             </a:r>
             <a:endParaRPr lang="en-US" dirty="0"/>
           </a:p>
@@ -38741,6 +38803,648 @@
               <a:rPr lang="en-US" smtClean="0"/>
               <a:pPr/>
               <a:t>54</a:t>
+            </a:fld>
+            <a:endParaRPr lang="en-US"/>
+          </a:p>
+        </p:txBody>
+      </p:sp>
+      <p:pic>
+        <p:nvPicPr>
+          <p:cNvPr id="8" name="Content Placeholder 7" descr="DMA1.png"/>
+          <p:cNvPicPr>
+            <a:picLocks noGrp="1" noChangeAspect="1"/>
+          </p:cNvPicPr>
+          <p:nvPr>
+            <p:ph idx="1"/>
+          </p:nvPr>
+        </p:nvPicPr>
+        <p:blipFill>
+          <a:blip r:embed="rId2"/>
+          <a:stretch>
+            <a:fillRect/>
+          </a:stretch>
+        </p:blipFill>
+        <p:spPr>
+          <a:xfrm>
+            <a:off x="2667000" y="1600200"/>
+            <a:ext cx="6075285" cy="4251358"/>
+          </a:xfrm>
+        </p:spPr>
+      </p:pic>
+      <p:sp>
+        <p:nvSpPr>
+          <p:cNvPr id="10" name="TextBox 9"/>
+          <p:cNvSpPr txBox="1"/>
+          <p:nvPr/>
+        </p:nvSpPr>
+        <p:spPr>
+          <a:xfrm>
+            <a:off x="304800" y="1905000"/>
+            <a:ext cx="1943161" cy="307777"/>
+          </a:xfrm>
+          <a:prstGeom prst="rect">
+            <a:avLst/>
+          </a:prstGeom>
+          <a:noFill/>
+        </p:spPr>
+        <p:txBody>
+          <a:bodyPr wrap="none" rtlCol="0">
+            <a:spAutoFit/>
+          </a:bodyPr>
+          <a:lstStyle/>
+          <a:p>
+            <a:r>
+              <a:rPr lang="en-US" sz="1400" b="1" dirty="0" smtClean="0">
+                <a:solidFill>
+                  <a:srgbClr val="DD6205"/>
+                </a:solidFill>
+                <a:latin typeface="Arial" pitchFamily="34" charset="0"/>
+                <a:cs typeface="Arial" pitchFamily="34" charset="0"/>
+              </a:rPr>
+              <a:t>1 Configuration Step</a:t>
+            </a:r>
+            <a:endParaRPr lang="en-US" sz="1400" b="1" dirty="0">
+              <a:solidFill>
+                <a:srgbClr val="DD6205"/>
+              </a:solidFill>
+              <a:latin typeface="Arial" pitchFamily="34" charset="0"/>
+              <a:cs typeface="Arial" pitchFamily="34" charset="0"/>
+            </a:endParaRPr>
+          </a:p>
+        </p:txBody>
+      </p:sp>
+      <p:sp>
+        <p:nvSpPr>
+          <p:cNvPr id="9" name="TextBox 8"/>
+          <p:cNvSpPr txBox="1"/>
+          <p:nvPr/>
+        </p:nvSpPr>
+        <p:spPr>
+          <a:xfrm>
+            <a:off x="304800" y="2286000"/>
+            <a:ext cx="1678665" cy="307777"/>
+          </a:xfrm>
+          <a:prstGeom prst="rect">
+            <a:avLst/>
+          </a:prstGeom>
+          <a:noFill/>
+        </p:spPr>
+        <p:txBody>
+          <a:bodyPr wrap="none" rtlCol="0">
+            <a:spAutoFit/>
+          </a:bodyPr>
+          <a:lstStyle/>
+          <a:p>
+            <a:r>
+              <a:rPr lang="en-US" sz="1400" b="1" dirty="0" smtClean="0">
+                <a:solidFill>
+                  <a:srgbClr val="0000FF"/>
+                </a:solidFill>
+                <a:latin typeface="Arial" pitchFamily="34" charset="0"/>
+                <a:cs typeface="Arial" pitchFamily="34" charset="0"/>
+              </a:rPr>
+              <a:t>N Reads w/o CPU</a:t>
+            </a:r>
+            <a:endParaRPr lang="en-US" sz="1400" b="1" dirty="0">
+              <a:solidFill>
+                <a:srgbClr val="0000FF"/>
+              </a:solidFill>
+              <a:latin typeface="Arial" pitchFamily="34" charset="0"/>
+              <a:cs typeface="Arial" pitchFamily="34" charset="0"/>
+            </a:endParaRPr>
+          </a:p>
+        </p:txBody>
+      </p:sp>
+      <p:sp>
+        <p:nvSpPr>
+          <p:cNvPr id="11" name="TextBox 10"/>
+          <p:cNvSpPr txBox="1"/>
+          <p:nvPr/>
+        </p:nvSpPr>
+        <p:spPr>
+          <a:xfrm>
+            <a:off x="304800" y="2667000"/>
+            <a:ext cx="2743059" cy="307777"/>
+          </a:xfrm>
+          <a:prstGeom prst="rect">
+            <a:avLst/>
+          </a:prstGeom>
+          <a:noFill/>
+        </p:spPr>
+        <p:txBody>
+          <a:bodyPr wrap="none" rtlCol="0">
+            <a:spAutoFit/>
+          </a:bodyPr>
+          <a:lstStyle/>
+          <a:p>
+            <a:r>
+              <a:rPr lang="en-US" sz="1400" b="1" dirty="0" smtClean="0">
+                <a:solidFill>
+                  <a:srgbClr val="FF00FF"/>
+                </a:solidFill>
+                <a:latin typeface="Arial" pitchFamily="34" charset="0"/>
+                <a:cs typeface="Arial" pitchFamily="34" charset="0"/>
+              </a:rPr>
+              <a:t>N Reads w/ CPU </a:t>
+            </a:r>
+            <a:r>
+              <a:rPr lang="en-US" sz="1400" b="1" i="1" dirty="0" smtClean="0">
+                <a:solidFill>
+                  <a:srgbClr val="FF00FF"/>
+                </a:solidFill>
+                <a:latin typeface="Arial" pitchFamily="34" charset="0"/>
+                <a:cs typeface="Arial" pitchFamily="34" charset="0"/>
+              </a:rPr>
+              <a:t>at our leisure</a:t>
+            </a:r>
+            <a:endParaRPr lang="en-US" sz="1400" b="1" dirty="0">
+              <a:solidFill>
+                <a:srgbClr val="FF00FF"/>
+              </a:solidFill>
+              <a:latin typeface="Arial" pitchFamily="34" charset="0"/>
+              <a:cs typeface="Arial" pitchFamily="34" charset="0"/>
+            </a:endParaRPr>
+          </a:p>
+        </p:txBody>
+      </p:sp>
+    </p:spTree>
+  </p:cSld>
+  <p:clrMapOvr>
+    <a:masterClrMapping/>
+  </p:clrMapOvr>
+  <p:timing>
+    <p:tnLst>
+      <p:par>
+        <p:cTn id="1" dur="indefinite" restart="never" nodeType="tmRoot"/>
+      </p:par>
+    </p:tnLst>
+  </p:timing>
+</p:sld>
+</file>
+
+<file path=ppt/slides/slide55.xml><?xml version="1.0" encoding="utf-8"?>
+<p:sld xmlns:a="http://schemas.openxmlformats.org/drawingml/2006/main" xmlns:r="http://schemas.openxmlformats.org/officeDocument/2006/relationships" xmlns:p="http://schemas.openxmlformats.org/presentationml/2006/main">
+  <p:cSld>
+    <p:spTree>
+      <p:nvGrpSpPr>
+        <p:cNvPr id="1" name=""/>
+        <p:cNvGrpSpPr/>
+        <p:nvPr/>
+      </p:nvGrpSpPr>
+      <p:grpSpPr>
+        <a:xfrm>
+          <a:off x="0" y="0"/>
+          <a:ext cx="0" cy="0"/>
+          <a:chOff x="0" y="0"/>
+          <a:chExt cx="0" cy="0"/>
+        </a:xfrm>
+      </p:grpSpPr>
+      <p:sp>
+        <p:nvSpPr>
+          <p:cNvPr id="2" name="Title 1"/>
+          <p:cNvSpPr>
+            <a:spLocks noGrp="1"/>
+          </p:cNvSpPr>
+          <p:nvPr>
+            <p:ph type="title"/>
+          </p:nvPr>
+        </p:nvSpPr>
+        <p:spPr/>
+        <p:txBody>
+          <a:bodyPr/>
+          <a:lstStyle/>
+          <a:p>
+            <a:r>
+              <a:rPr lang="en-US" dirty="0" smtClean="0"/>
+              <a:t>Why is DMA better than PIO?</a:t>
+            </a:r>
+            <a:endParaRPr lang="en-US" dirty="0"/>
+          </a:p>
+        </p:txBody>
+      </p:sp>
+      <p:sp>
+        <p:nvSpPr>
+          <p:cNvPr id="4" name="Date Placeholder 3"/>
+          <p:cNvSpPr>
+            <a:spLocks noGrp="1"/>
+          </p:cNvSpPr>
+          <p:nvPr>
+            <p:ph type="dt" sz="half" idx="10"/>
+          </p:nvPr>
+        </p:nvSpPr>
+        <p:spPr/>
+        <p:txBody>
+          <a:bodyPr/>
+          <a:lstStyle/>
+          <a:p>
+            <a:r>
+              <a:rPr lang="en-US" smtClean="0"/>
+              <a:t>2015-04-07</a:t>
+            </a:r>
+            <a:endParaRPr lang="en-US"/>
+          </a:p>
+        </p:txBody>
+      </p:sp>
+      <p:sp>
+        <p:nvSpPr>
+          <p:cNvPr id="5" name="Footer Placeholder 4"/>
+          <p:cNvSpPr>
+            <a:spLocks noGrp="1"/>
+          </p:cNvSpPr>
+          <p:nvPr>
+            <p:ph type="ftr" sz="quarter" idx="11"/>
+          </p:nvPr>
+        </p:nvSpPr>
+        <p:spPr/>
+        <p:txBody>
+          <a:bodyPr/>
+          <a:lstStyle/>
+          <a:p>
+            <a:r>
+              <a:rPr lang="en-US" smtClean="0"/>
+              <a:t>Data Acquisition</a:t>
+            </a:r>
+            <a:endParaRPr lang="en-US"/>
+          </a:p>
+        </p:txBody>
+      </p:sp>
+      <p:sp>
+        <p:nvSpPr>
+          <p:cNvPr id="6" name="Slide Number Placeholder 5"/>
+          <p:cNvSpPr>
+            <a:spLocks noGrp="1"/>
+          </p:cNvSpPr>
+          <p:nvPr>
+            <p:ph type="sldNum" sz="quarter" idx="12"/>
+          </p:nvPr>
+        </p:nvSpPr>
+        <p:spPr/>
+        <p:txBody>
+          <a:bodyPr/>
+          <a:lstStyle/>
+          <a:p>
+            <a:fld id="{FD7EC6EF-94A2-4537-B1EB-15D4E295B108}" type="slidenum">
+              <a:rPr lang="en-US" smtClean="0"/>
+              <a:pPr/>
+              <a:t>55</a:t>
+            </a:fld>
+            <a:endParaRPr lang="en-US"/>
+          </a:p>
+        </p:txBody>
+      </p:sp>
+      <p:pic>
+        <p:nvPicPr>
+          <p:cNvPr id="8" name="Content Placeholder 7" descr="DMA1.png"/>
+          <p:cNvPicPr>
+            <a:picLocks noGrp="1" noChangeAspect="1"/>
+          </p:cNvPicPr>
+          <p:nvPr>
+            <p:ph idx="1"/>
+          </p:nvPr>
+        </p:nvPicPr>
+        <p:blipFill>
+          <a:blip r:embed="rId2"/>
+          <a:stretch>
+            <a:fillRect/>
+          </a:stretch>
+        </p:blipFill>
+        <p:spPr>
+          <a:xfrm>
+            <a:off x="2667001" y="1600200"/>
+            <a:ext cx="6075283" cy="4251358"/>
+          </a:xfrm>
+        </p:spPr>
+      </p:pic>
+      <p:sp>
+        <p:nvSpPr>
+          <p:cNvPr id="10" name="TextBox 9"/>
+          <p:cNvSpPr txBox="1"/>
+          <p:nvPr/>
+        </p:nvSpPr>
+        <p:spPr>
+          <a:xfrm>
+            <a:off x="304800" y="1905000"/>
+            <a:ext cx="1943161" cy="307777"/>
+          </a:xfrm>
+          <a:prstGeom prst="rect">
+            <a:avLst/>
+          </a:prstGeom>
+          <a:noFill/>
+        </p:spPr>
+        <p:txBody>
+          <a:bodyPr wrap="none" rtlCol="0">
+            <a:spAutoFit/>
+          </a:bodyPr>
+          <a:lstStyle/>
+          <a:p>
+            <a:r>
+              <a:rPr lang="en-US" sz="1400" b="1" dirty="0" smtClean="0">
+                <a:solidFill>
+                  <a:srgbClr val="DD6205"/>
+                </a:solidFill>
+                <a:latin typeface="Arial" pitchFamily="34" charset="0"/>
+                <a:cs typeface="Arial" pitchFamily="34" charset="0"/>
+              </a:rPr>
+              <a:t>1 Configuration Step</a:t>
+            </a:r>
+            <a:endParaRPr lang="en-US" sz="1400" b="1" dirty="0">
+              <a:solidFill>
+                <a:srgbClr val="DD6205"/>
+              </a:solidFill>
+              <a:latin typeface="Arial" pitchFamily="34" charset="0"/>
+              <a:cs typeface="Arial" pitchFamily="34" charset="0"/>
+            </a:endParaRPr>
+          </a:p>
+        </p:txBody>
+      </p:sp>
+      <p:sp>
+        <p:nvSpPr>
+          <p:cNvPr id="9" name="TextBox 8"/>
+          <p:cNvSpPr txBox="1"/>
+          <p:nvPr/>
+        </p:nvSpPr>
+        <p:spPr>
+          <a:xfrm>
+            <a:off x="304800" y="2286000"/>
+            <a:ext cx="1569660" cy="307777"/>
+          </a:xfrm>
+          <a:prstGeom prst="rect">
+            <a:avLst/>
+          </a:prstGeom>
+          <a:noFill/>
+        </p:spPr>
+        <p:txBody>
+          <a:bodyPr wrap="none" rtlCol="0">
+            <a:spAutoFit/>
+          </a:bodyPr>
+          <a:lstStyle/>
+          <a:p>
+            <a:r>
+              <a:rPr lang="en-US" sz="1400" b="1" dirty="0" smtClean="0">
+                <a:solidFill>
+                  <a:srgbClr val="0000FF"/>
+                </a:solidFill>
+                <a:latin typeface="Arial" pitchFamily="34" charset="0"/>
+                <a:cs typeface="Arial" pitchFamily="34" charset="0"/>
+              </a:rPr>
+              <a:t>N Reads w/ CPU</a:t>
+            </a:r>
+            <a:endParaRPr lang="en-US" sz="1400" b="1" dirty="0">
+              <a:solidFill>
+                <a:srgbClr val="0000FF"/>
+              </a:solidFill>
+              <a:latin typeface="Arial" pitchFamily="34" charset="0"/>
+              <a:cs typeface="Arial" pitchFamily="34" charset="0"/>
+            </a:endParaRPr>
+          </a:p>
+        </p:txBody>
+      </p:sp>
+      <p:sp>
+        <p:nvSpPr>
+          <p:cNvPr id="13" name="TextBox 12"/>
+          <p:cNvSpPr txBox="1"/>
+          <p:nvPr/>
+        </p:nvSpPr>
+        <p:spPr>
+          <a:xfrm>
+            <a:off x="304800" y="2667000"/>
+            <a:ext cx="1577611" cy="307777"/>
+          </a:xfrm>
+          <a:prstGeom prst="rect">
+            <a:avLst/>
+          </a:prstGeom>
+          <a:noFill/>
+        </p:spPr>
+        <p:txBody>
+          <a:bodyPr wrap="none" rtlCol="0">
+            <a:spAutoFit/>
+          </a:bodyPr>
+          <a:lstStyle/>
+          <a:p>
+            <a:r>
+              <a:rPr lang="en-US" sz="1400" b="1" dirty="0" smtClean="0">
+                <a:solidFill>
+                  <a:srgbClr val="0000FF"/>
+                </a:solidFill>
+                <a:latin typeface="Arial" pitchFamily="34" charset="0"/>
+                <a:cs typeface="Arial" pitchFamily="34" charset="0"/>
+              </a:rPr>
+              <a:t>N Writes w/ CPU</a:t>
+            </a:r>
+            <a:endParaRPr lang="en-US" sz="1400" b="1" dirty="0">
+              <a:solidFill>
+                <a:srgbClr val="0000FF"/>
+              </a:solidFill>
+              <a:latin typeface="Arial" pitchFamily="34" charset="0"/>
+              <a:cs typeface="Arial" pitchFamily="34" charset="0"/>
+            </a:endParaRPr>
+          </a:p>
+        </p:txBody>
+      </p:sp>
+      <p:sp>
+        <p:nvSpPr>
+          <p:cNvPr id="14" name="TextBox 13"/>
+          <p:cNvSpPr txBox="1"/>
+          <p:nvPr/>
+        </p:nvSpPr>
+        <p:spPr>
+          <a:xfrm>
+            <a:off x="304800" y="3048000"/>
+            <a:ext cx="1569660" cy="307777"/>
+          </a:xfrm>
+          <a:prstGeom prst="rect">
+            <a:avLst/>
+          </a:prstGeom>
+          <a:noFill/>
+        </p:spPr>
+        <p:txBody>
+          <a:bodyPr wrap="none" rtlCol="0">
+            <a:spAutoFit/>
+          </a:bodyPr>
+          <a:lstStyle/>
+          <a:p>
+            <a:r>
+              <a:rPr lang="en-US" sz="1400" b="1" dirty="0" smtClean="0">
+                <a:solidFill>
+                  <a:srgbClr val="FF00FF"/>
+                </a:solidFill>
+                <a:latin typeface="Arial" pitchFamily="34" charset="0"/>
+                <a:cs typeface="Arial" pitchFamily="34" charset="0"/>
+              </a:rPr>
+              <a:t>N Reads w/ CPU</a:t>
+            </a:r>
+            <a:endParaRPr lang="en-US" sz="1400" b="1" dirty="0">
+              <a:solidFill>
+                <a:srgbClr val="FF00FF"/>
+              </a:solidFill>
+              <a:latin typeface="Arial" pitchFamily="34" charset="0"/>
+              <a:cs typeface="Arial" pitchFamily="34" charset="0"/>
+            </a:endParaRPr>
+          </a:p>
+        </p:txBody>
+      </p:sp>
+      <p:sp>
+        <p:nvSpPr>
+          <p:cNvPr id="16" name="TextBox 15"/>
+          <p:cNvSpPr txBox="1"/>
+          <p:nvPr/>
+        </p:nvSpPr>
+        <p:spPr>
+          <a:xfrm>
+            <a:off x="304800" y="3505200"/>
+            <a:ext cx="1895071" cy="307777"/>
+          </a:xfrm>
+          <a:prstGeom prst="rect">
+            <a:avLst/>
+          </a:prstGeom>
+          <a:noFill/>
+        </p:spPr>
+        <p:txBody>
+          <a:bodyPr wrap="none" rtlCol="0">
+            <a:spAutoFit/>
+          </a:bodyPr>
+          <a:lstStyle/>
+          <a:p>
+            <a:r>
+              <a:rPr lang="en-US" sz="1400" b="1" dirty="0" smtClean="0">
+                <a:solidFill>
+                  <a:srgbClr val="FF0000"/>
+                </a:solidFill>
+                <a:latin typeface="Arial" pitchFamily="34" charset="0"/>
+                <a:cs typeface="Arial" pitchFamily="34" charset="0"/>
+              </a:rPr>
+              <a:t>All must be on time!</a:t>
+            </a:r>
+            <a:endParaRPr lang="en-US" sz="1400" b="1" dirty="0">
+              <a:solidFill>
+                <a:srgbClr val="FF0000"/>
+              </a:solidFill>
+              <a:latin typeface="Arial" pitchFamily="34" charset="0"/>
+              <a:cs typeface="Arial" pitchFamily="34" charset="0"/>
+            </a:endParaRPr>
+          </a:p>
+        </p:txBody>
+      </p:sp>
+    </p:spTree>
+  </p:cSld>
+  <p:clrMapOvr>
+    <a:masterClrMapping/>
+  </p:clrMapOvr>
+  <p:timing>
+    <p:tnLst>
+      <p:par>
+        <p:cTn id="1" dur="indefinite" restart="never" nodeType="tmRoot"/>
+      </p:par>
+    </p:tnLst>
+  </p:timing>
+</p:sld>
+</file>
+
+<file path=ppt/slides/slide56.xml><?xml version="1.0" encoding="utf-8"?>
+<p:sld xmlns:a="http://schemas.openxmlformats.org/drawingml/2006/main" xmlns:r="http://schemas.openxmlformats.org/officeDocument/2006/relationships" xmlns:p="http://schemas.openxmlformats.org/presentationml/2006/main">
+  <p:cSld>
+    <p:spTree>
+      <p:nvGrpSpPr>
+        <p:cNvPr id="1" name=""/>
+        <p:cNvGrpSpPr/>
+        <p:nvPr/>
+      </p:nvGrpSpPr>
+      <p:grpSpPr>
+        <a:xfrm>
+          <a:off x="0" y="0"/>
+          <a:ext cx="0" cy="0"/>
+          <a:chOff x="0" y="0"/>
+          <a:chExt cx="0" cy="0"/>
+        </a:xfrm>
+      </p:grpSpPr>
+      <p:sp>
+        <p:nvSpPr>
+          <p:cNvPr id="2" name="Title 1"/>
+          <p:cNvSpPr>
+            <a:spLocks noGrp="1"/>
+          </p:cNvSpPr>
+          <p:nvPr>
+            <p:ph type="title"/>
+          </p:nvPr>
+        </p:nvSpPr>
+        <p:spPr/>
+        <p:txBody>
+          <a:bodyPr/>
+          <a:lstStyle/>
+          <a:p>
+            <a:r>
+              <a:rPr lang="en-US" dirty="0" smtClean="0"/>
+              <a:t>Continuous Sampling</a:t>
+            </a:r>
+            <a:endParaRPr lang="en-US" dirty="0"/>
+          </a:p>
+        </p:txBody>
+      </p:sp>
+      <p:sp>
+        <p:nvSpPr>
+          <p:cNvPr id="4" name="Date Placeholder 3"/>
+          <p:cNvSpPr>
+            <a:spLocks noGrp="1"/>
+          </p:cNvSpPr>
+          <p:nvPr>
+            <p:ph type="dt" sz="half" idx="10"/>
+          </p:nvPr>
+        </p:nvSpPr>
+        <p:spPr/>
+        <p:txBody>
+          <a:bodyPr/>
+          <a:lstStyle/>
+          <a:p>
+            <a:r>
+              <a:rPr lang="en-US" smtClean="0"/>
+              <a:t>2015-04-07</a:t>
+            </a:r>
+            <a:endParaRPr lang="en-US"/>
+          </a:p>
+        </p:txBody>
+      </p:sp>
+      <p:sp>
+        <p:nvSpPr>
+          <p:cNvPr id="5" name="Footer Placeholder 4"/>
+          <p:cNvSpPr>
+            <a:spLocks noGrp="1"/>
+          </p:cNvSpPr>
+          <p:nvPr>
+            <p:ph type="ftr" sz="quarter" idx="11"/>
+          </p:nvPr>
+        </p:nvSpPr>
+        <p:spPr/>
+        <p:txBody>
+          <a:bodyPr/>
+          <a:lstStyle/>
+          <a:p>
+            <a:r>
+              <a:rPr lang="en-US" smtClean="0"/>
+              <a:t>Data Acquisition</a:t>
+            </a:r>
+            <a:endParaRPr lang="en-US"/>
+          </a:p>
+        </p:txBody>
+      </p:sp>
+      <p:sp>
+        <p:nvSpPr>
+          <p:cNvPr id="6" name="Slide Number Placeholder 5"/>
+          <p:cNvSpPr>
+            <a:spLocks noGrp="1"/>
+          </p:cNvSpPr>
+          <p:nvPr>
+            <p:ph type="sldNum" sz="quarter" idx="12"/>
+          </p:nvPr>
+        </p:nvSpPr>
+        <p:spPr/>
+        <p:txBody>
+          <a:bodyPr/>
+          <a:lstStyle/>
+          <a:p>
+            <a:fld id="{FD7EC6EF-94A2-4537-B1EB-15D4E295B108}" type="slidenum">
+              <a:rPr lang="en-US" smtClean="0"/>
+              <a:pPr/>
+              <a:t>56</a:t>
             </a:fld>
             <a:endParaRPr lang="en-US"/>
           </a:p>
@@ -39125,7 +39829,7 @@
 </p:sld>
 </file>
 
-<file path=ppt/slides/slide55.xml><?xml version="1.0" encoding="utf-8"?>
+<file path=ppt/slides/slide57.xml><?xml version="1.0" encoding="utf-8"?>
 <p:sld xmlns:a="http://schemas.openxmlformats.org/drawingml/2006/main" xmlns:r="http://schemas.openxmlformats.org/officeDocument/2006/relationships" xmlns:p="http://schemas.openxmlformats.org/presentationml/2006/main">
   <p:cSld>
     <p:spTree>
@@ -39229,7 +39933,7 @@
             <a:fld id="{FD7EC6EF-94A2-4537-B1EB-15D4E295B108}" type="slidenum">
               <a:rPr lang="en-US" smtClean="0"/>
               <a:pPr/>
-              <a:t>55</a:t>
+              <a:t>57</a:t>
             </a:fld>
             <a:endParaRPr lang="en-US"/>
           </a:p>
@@ -39347,7 +40051,7 @@
 </p:sld>
 </file>
 
-<file path=ppt/slides/slide56.xml><?xml version="1.0" encoding="utf-8"?>
+<file path=ppt/slides/slide58.xml><?xml version="1.0" encoding="utf-8"?>
 <p:sld xmlns:a="http://schemas.openxmlformats.org/drawingml/2006/main" xmlns:r="http://schemas.openxmlformats.org/officeDocument/2006/relationships" xmlns:p="http://schemas.openxmlformats.org/presentationml/2006/main">
   <p:cSld>
     <p:spTree>
@@ -39451,7 +40155,7 @@
             <a:fld id="{FD7EC6EF-94A2-4537-B1EB-15D4E295B108}" type="slidenum">
               <a:rPr lang="en-US" smtClean="0"/>
               <a:pPr/>
-              <a:t>56</a:t>
+              <a:t>58</a:t>
             </a:fld>
             <a:endParaRPr lang="en-US"/>
           </a:p>
@@ -39569,7 +40273,7 @@
 </p:sld>
 </file>
 
-<file path=ppt/slides/slide57.xml><?xml version="1.0" encoding="utf-8"?>
+<file path=ppt/slides/slide59.xml><?xml version="1.0" encoding="utf-8"?>
 <p:sld xmlns:a="http://schemas.openxmlformats.org/drawingml/2006/main" xmlns:r="http://schemas.openxmlformats.org/officeDocument/2006/relationships" xmlns:p="http://schemas.openxmlformats.org/presentationml/2006/main">
   <p:cSld>
     <p:spTree>
@@ -39673,7 +40377,7 @@
             <a:fld id="{FD7EC6EF-94A2-4537-B1EB-15D4E295B108}" type="slidenum">
               <a:rPr lang="en-US" smtClean="0"/>
               <a:pPr/>
-              <a:t>57</a:t>
+              <a:t>59</a:t>
             </a:fld>
             <a:endParaRPr lang="en-US"/>
           </a:p>
@@ -39773,450 +40477,6 @@
           <a:xfrm>
             <a:off x="1143001" y="1786124"/>
             <a:ext cx="6863724" cy="4454839"/>
-          </a:xfrm>
-        </p:spPr>
-      </p:pic>
-    </p:spTree>
-  </p:cSld>
-  <p:clrMapOvr>
-    <a:masterClrMapping/>
-  </p:clrMapOvr>
-  <p:timing>
-    <p:tnLst>
-      <p:par>
-        <p:cTn id="1" dur="indefinite" restart="never" nodeType="tmRoot"/>
-      </p:par>
-    </p:tnLst>
-  </p:timing>
-</p:sld>
-</file>
-
-<file path=ppt/slides/slide58.xml><?xml version="1.0" encoding="utf-8"?>
-<p:sld xmlns:a="http://schemas.openxmlformats.org/drawingml/2006/main" xmlns:r="http://schemas.openxmlformats.org/officeDocument/2006/relationships" xmlns:p="http://schemas.openxmlformats.org/presentationml/2006/main">
-  <p:cSld>
-    <p:spTree>
-      <p:nvGrpSpPr>
-        <p:cNvPr id="1" name=""/>
-        <p:cNvGrpSpPr/>
-        <p:nvPr/>
-      </p:nvGrpSpPr>
-      <p:grpSpPr>
-        <a:xfrm>
-          <a:off x="0" y="0"/>
-          <a:ext cx="0" cy="0"/>
-          <a:chOff x="0" y="0"/>
-          <a:chExt cx="0" cy="0"/>
-        </a:xfrm>
-      </p:grpSpPr>
-      <p:sp>
-        <p:nvSpPr>
-          <p:cNvPr id="2" name="Title 1"/>
-          <p:cNvSpPr>
-            <a:spLocks noGrp="1"/>
-          </p:cNvSpPr>
-          <p:nvPr>
-            <p:ph type="title"/>
-          </p:nvPr>
-        </p:nvSpPr>
-        <p:spPr/>
-        <p:txBody>
-          <a:bodyPr/>
-          <a:lstStyle/>
-          <a:p>
-            <a:r>
-              <a:rPr lang="en-US" dirty="0" smtClean="0"/>
-              <a:t>What’s really happening?</a:t>
-            </a:r>
-            <a:endParaRPr lang="en-US" dirty="0"/>
-          </a:p>
-        </p:txBody>
-      </p:sp>
-      <p:sp>
-        <p:nvSpPr>
-          <p:cNvPr id="4" name="Date Placeholder 3"/>
-          <p:cNvSpPr>
-            <a:spLocks noGrp="1"/>
-          </p:cNvSpPr>
-          <p:nvPr>
-            <p:ph type="dt" sz="half" idx="10"/>
-          </p:nvPr>
-        </p:nvSpPr>
-        <p:spPr/>
-        <p:txBody>
-          <a:bodyPr/>
-          <a:lstStyle/>
-          <a:p>
-            <a:r>
-              <a:rPr lang="en-US" smtClean="0"/>
-              <a:t>2015-04-07</a:t>
-            </a:r>
-            <a:endParaRPr lang="en-US"/>
-          </a:p>
-        </p:txBody>
-      </p:sp>
-      <p:sp>
-        <p:nvSpPr>
-          <p:cNvPr id="5" name="Footer Placeholder 4"/>
-          <p:cNvSpPr>
-            <a:spLocks noGrp="1"/>
-          </p:cNvSpPr>
-          <p:nvPr>
-            <p:ph type="ftr" sz="quarter" idx="11"/>
-          </p:nvPr>
-        </p:nvSpPr>
-        <p:spPr/>
-        <p:txBody>
-          <a:bodyPr/>
-          <a:lstStyle/>
-          <a:p>
-            <a:r>
-              <a:rPr lang="en-US" smtClean="0"/>
-              <a:t>Data Acquisition</a:t>
-            </a:r>
-            <a:endParaRPr lang="en-US"/>
-          </a:p>
-        </p:txBody>
-      </p:sp>
-      <p:sp>
-        <p:nvSpPr>
-          <p:cNvPr id="6" name="Slide Number Placeholder 5"/>
-          <p:cNvSpPr>
-            <a:spLocks noGrp="1"/>
-          </p:cNvSpPr>
-          <p:nvPr>
-            <p:ph type="sldNum" sz="quarter" idx="12"/>
-          </p:nvPr>
-        </p:nvSpPr>
-        <p:spPr/>
-        <p:txBody>
-          <a:bodyPr/>
-          <a:lstStyle/>
-          <a:p>
-            <a:fld id="{FD7EC6EF-94A2-4537-B1EB-15D4E295B108}" type="slidenum">
-              <a:rPr lang="en-US" smtClean="0"/>
-              <a:pPr/>
-              <a:t>58</a:t>
-            </a:fld>
-            <a:endParaRPr lang="en-US"/>
-          </a:p>
-        </p:txBody>
-      </p:sp>
-      <p:sp>
-        <p:nvSpPr>
-          <p:cNvPr id="7" name="Title 1"/>
-          <p:cNvSpPr txBox="1">
-            <a:spLocks/>
-          </p:cNvSpPr>
-          <p:nvPr/>
-        </p:nvSpPr>
-        <p:spPr>
-          <a:xfrm>
-            <a:off x="457200" y="1066800"/>
-            <a:ext cx="8229600" cy="381000"/>
-          </a:xfrm>
-          <a:prstGeom prst="rect">
-            <a:avLst/>
-          </a:prstGeom>
-        </p:spPr>
-        <p:txBody>
-          <a:bodyPr vert="horz" lIns="91440" tIns="45720" rIns="91440" bIns="45720" rtlCol="0" anchor="ctr">
-            <a:normAutofit lnSpcReduction="10000"/>
-          </a:bodyPr>
-          <a:lstStyle/>
-          <a:p>
-            <a:pPr marL="0" marR="0" lvl="0" indent="0" algn="ctr" defTabSz="914400" rtl="0" eaLnBrk="1" fontAlgn="auto" latinLnBrk="0" hangingPunct="1">
-              <a:lnSpc>
-                <a:spcPct val="100000"/>
-              </a:lnSpc>
-              <a:spcBef>
-                <a:spcPct val="0"/>
-              </a:spcBef>
-              <a:spcAft>
-                <a:spcPts val="0"/>
-              </a:spcAft>
-              <a:buClrTx/>
-              <a:buSzTx/>
-              <a:buFontTx/>
-              <a:buNone/>
-              <a:tabLst/>
-              <a:defRPr/>
-            </a:pPr>
-            <a:r>
-              <a:rPr kumimoji="0" lang="en-US" sz="2000" i="0" u="none" strike="noStrike" kern="1200" cap="none" spc="0" normalizeH="0" baseline="0" noProof="0" dirty="0" smtClean="0">
-                <a:ln>
-                  <a:noFill/>
-                </a:ln>
-                <a:solidFill>
-                  <a:schemeClr val="tx1"/>
-                </a:solidFill>
-                <a:effectLst/>
-                <a:uLnTx/>
-                <a:uFillTx/>
-                <a:latin typeface="Arial" pitchFamily="34" charset="0"/>
-                <a:ea typeface="+mj-ea"/>
-                <a:cs typeface="Arial" pitchFamily="34" charset="0"/>
-              </a:rPr>
-              <a:t>Circular Buffering</a:t>
-            </a:r>
-            <a:endParaRPr kumimoji="0" lang="en-US" sz="2000" i="1" u="none" strike="noStrike" kern="1200" cap="none" spc="0" normalizeH="0" baseline="0" noProof="0" dirty="0">
-              <a:ln>
-                <a:noFill/>
-              </a:ln>
-              <a:solidFill>
-                <a:schemeClr val="tx1"/>
-              </a:solidFill>
-              <a:effectLst/>
-              <a:uLnTx/>
-              <a:uFillTx/>
-              <a:latin typeface="Arial" pitchFamily="34" charset="0"/>
-              <a:ea typeface="+mj-ea"/>
-              <a:cs typeface="Arial" pitchFamily="34" charset="0"/>
-            </a:endParaRPr>
-          </a:p>
-        </p:txBody>
-      </p:sp>
-      <p:pic>
-        <p:nvPicPr>
-          <p:cNvPr id="14" name="Content Placeholder 13" descr="Circ1.png"/>
-          <p:cNvPicPr>
-            <a:picLocks noGrp="1" noChangeAspect="1"/>
-          </p:cNvPicPr>
-          <p:nvPr>
-            <p:ph idx="1"/>
-          </p:nvPr>
-        </p:nvPicPr>
-        <p:blipFill>
-          <a:blip r:embed="rId3"/>
-          <a:stretch>
-            <a:fillRect/>
-          </a:stretch>
-        </p:blipFill>
-        <p:spPr>
-          <a:xfrm>
-            <a:off x="1193887" y="1786124"/>
-            <a:ext cx="6761951" cy="4454839"/>
-          </a:xfrm>
-        </p:spPr>
-      </p:pic>
-    </p:spTree>
-  </p:cSld>
-  <p:clrMapOvr>
-    <a:masterClrMapping/>
-  </p:clrMapOvr>
-  <p:timing>
-    <p:tnLst>
-      <p:par>
-        <p:cTn id="1" dur="indefinite" restart="never" nodeType="tmRoot"/>
-      </p:par>
-    </p:tnLst>
-  </p:timing>
-</p:sld>
-</file>
-
-<file path=ppt/slides/slide59.xml><?xml version="1.0" encoding="utf-8"?>
-<p:sld xmlns:a="http://schemas.openxmlformats.org/drawingml/2006/main" xmlns:r="http://schemas.openxmlformats.org/officeDocument/2006/relationships" xmlns:p="http://schemas.openxmlformats.org/presentationml/2006/main">
-  <p:cSld>
-    <p:spTree>
-      <p:nvGrpSpPr>
-        <p:cNvPr id="1" name=""/>
-        <p:cNvGrpSpPr/>
-        <p:nvPr/>
-      </p:nvGrpSpPr>
-      <p:grpSpPr>
-        <a:xfrm>
-          <a:off x="0" y="0"/>
-          <a:ext cx="0" cy="0"/>
-          <a:chOff x="0" y="0"/>
-          <a:chExt cx="0" cy="0"/>
-        </a:xfrm>
-      </p:grpSpPr>
-      <p:sp>
-        <p:nvSpPr>
-          <p:cNvPr id="2" name="Title 1"/>
-          <p:cNvSpPr>
-            <a:spLocks noGrp="1"/>
-          </p:cNvSpPr>
-          <p:nvPr>
-            <p:ph type="title"/>
-          </p:nvPr>
-        </p:nvSpPr>
-        <p:spPr/>
-        <p:txBody>
-          <a:bodyPr/>
-          <a:lstStyle/>
-          <a:p>
-            <a:r>
-              <a:rPr lang="en-US" dirty="0" smtClean="0"/>
-              <a:t>What’s really happening?</a:t>
-            </a:r>
-            <a:endParaRPr lang="en-US" dirty="0"/>
-          </a:p>
-        </p:txBody>
-      </p:sp>
-      <p:sp>
-        <p:nvSpPr>
-          <p:cNvPr id="4" name="Date Placeholder 3"/>
-          <p:cNvSpPr>
-            <a:spLocks noGrp="1"/>
-          </p:cNvSpPr>
-          <p:nvPr>
-            <p:ph type="dt" sz="half" idx="10"/>
-          </p:nvPr>
-        </p:nvSpPr>
-        <p:spPr/>
-        <p:txBody>
-          <a:bodyPr/>
-          <a:lstStyle/>
-          <a:p>
-            <a:r>
-              <a:rPr lang="en-US" smtClean="0"/>
-              <a:t>2015-04-07</a:t>
-            </a:r>
-            <a:endParaRPr lang="en-US"/>
-          </a:p>
-        </p:txBody>
-      </p:sp>
-      <p:sp>
-        <p:nvSpPr>
-          <p:cNvPr id="5" name="Footer Placeholder 4"/>
-          <p:cNvSpPr>
-            <a:spLocks noGrp="1"/>
-          </p:cNvSpPr>
-          <p:nvPr>
-            <p:ph type="ftr" sz="quarter" idx="11"/>
-          </p:nvPr>
-        </p:nvSpPr>
-        <p:spPr/>
-        <p:txBody>
-          <a:bodyPr/>
-          <a:lstStyle/>
-          <a:p>
-            <a:r>
-              <a:rPr lang="en-US" smtClean="0"/>
-              <a:t>Data Acquisition</a:t>
-            </a:r>
-            <a:endParaRPr lang="en-US"/>
-          </a:p>
-        </p:txBody>
-      </p:sp>
-      <p:sp>
-        <p:nvSpPr>
-          <p:cNvPr id="6" name="Slide Number Placeholder 5"/>
-          <p:cNvSpPr>
-            <a:spLocks noGrp="1"/>
-          </p:cNvSpPr>
-          <p:nvPr>
-            <p:ph type="sldNum" sz="quarter" idx="12"/>
-          </p:nvPr>
-        </p:nvSpPr>
-        <p:spPr/>
-        <p:txBody>
-          <a:bodyPr/>
-          <a:lstStyle/>
-          <a:p>
-            <a:fld id="{FD7EC6EF-94A2-4537-B1EB-15D4E295B108}" type="slidenum">
-              <a:rPr lang="en-US" smtClean="0"/>
-              <a:pPr/>
-              <a:t>59</a:t>
-            </a:fld>
-            <a:endParaRPr lang="en-US"/>
-          </a:p>
-        </p:txBody>
-      </p:sp>
-      <p:sp>
-        <p:nvSpPr>
-          <p:cNvPr id="7" name="Title 1"/>
-          <p:cNvSpPr txBox="1">
-            <a:spLocks/>
-          </p:cNvSpPr>
-          <p:nvPr/>
-        </p:nvSpPr>
-        <p:spPr>
-          <a:xfrm>
-            <a:off x="457200" y="1066800"/>
-            <a:ext cx="8229600" cy="381000"/>
-          </a:xfrm>
-          <a:prstGeom prst="rect">
-            <a:avLst/>
-          </a:prstGeom>
-        </p:spPr>
-        <p:txBody>
-          <a:bodyPr vert="horz" lIns="91440" tIns="45720" rIns="91440" bIns="45720" rtlCol="0" anchor="ctr">
-            <a:normAutofit lnSpcReduction="10000"/>
-          </a:bodyPr>
-          <a:lstStyle/>
-          <a:p>
-            <a:pPr marL="0" marR="0" lvl="0" indent="0" algn="ctr" defTabSz="914400" rtl="0" eaLnBrk="1" fontAlgn="auto" latinLnBrk="0" hangingPunct="1">
-              <a:lnSpc>
-                <a:spcPct val="100000"/>
-              </a:lnSpc>
-              <a:spcBef>
-                <a:spcPct val="0"/>
-              </a:spcBef>
-              <a:spcAft>
-                <a:spcPts val="0"/>
-              </a:spcAft>
-              <a:buClrTx/>
-              <a:buSzTx/>
-              <a:buFontTx/>
-              <a:buNone/>
-              <a:tabLst/>
-              <a:defRPr/>
-            </a:pPr>
-            <a:r>
-              <a:rPr kumimoji="0" lang="en-US" sz="2000" i="0" u="none" strike="noStrike" kern="1200" cap="none" spc="0" normalizeH="0" baseline="0" noProof="0" dirty="0" smtClean="0">
-                <a:ln>
-                  <a:noFill/>
-                </a:ln>
-                <a:solidFill>
-                  <a:schemeClr val="tx1"/>
-                </a:solidFill>
-                <a:effectLst/>
-                <a:uLnTx/>
-                <a:uFillTx/>
-                <a:latin typeface="Arial" pitchFamily="34" charset="0"/>
-                <a:ea typeface="+mj-ea"/>
-                <a:cs typeface="Arial" pitchFamily="34" charset="0"/>
-              </a:rPr>
-              <a:t>Circular Buffering</a:t>
-            </a:r>
-            <a:endParaRPr kumimoji="0" lang="en-US" sz="2000" i="1" u="none" strike="noStrike" kern="1200" cap="none" spc="0" normalizeH="0" baseline="0" noProof="0" dirty="0">
-              <a:ln>
-                <a:noFill/>
-              </a:ln>
-              <a:solidFill>
-                <a:schemeClr val="tx1"/>
-              </a:solidFill>
-              <a:effectLst/>
-              <a:uLnTx/>
-              <a:uFillTx/>
-              <a:latin typeface="Arial" pitchFamily="34" charset="0"/>
-              <a:ea typeface="+mj-ea"/>
-              <a:cs typeface="Arial" pitchFamily="34" charset="0"/>
-            </a:endParaRPr>
-          </a:p>
-        </p:txBody>
-      </p:sp>
-      <p:pic>
-        <p:nvPicPr>
-          <p:cNvPr id="14" name="Content Placeholder 13" descr="Circ1.png"/>
-          <p:cNvPicPr>
-            <a:picLocks noGrp="1" noChangeAspect="1"/>
-          </p:cNvPicPr>
-          <p:nvPr>
-            <p:ph idx="1"/>
-          </p:nvPr>
-        </p:nvPicPr>
-        <p:blipFill>
-          <a:blip r:embed="rId3"/>
-          <a:stretch>
-            <a:fillRect/>
-          </a:stretch>
-        </p:blipFill>
-        <p:spPr>
-          <a:xfrm>
-            <a:off x="1521696" y="1786124"/>
-            <a:ext cx="6106333" cy="4454839"/>
           </a:xfrm>
         </p:spPr>
       </p:pic>
@@ -42011,6 +42271,450 @@
               <a:defRPr/>
             </a:pPr>
             <a:r>
+              <a:rPr kumimoji="0" lang="en-US" sz="2000" i="0" u="none" strike="noStrike" kern="1200" cap="none" spc="0" normalizeH="0" baseline="0" noProof="0" dirty="0" smtClean="0">
+                <a:ln>
+                  <a:noFill/>
+                </a:ln>
+                <a:solidFill>
+                  <a:schemeClr val="tx1"/>
+                </a:solidFill>
+                <a:effectLst/>
+                <a:uLnTx/>
+                <a:uFillTx/>
+                <a:latin typeface="Arial" pitchFamily="34" charset="0"/>
+                <a:ea typeface="+mj-ea"/>
+                <a:cs typeface="Arial" pitchFamily="34" charset="0"/>
+              </a:rPr>
+              <a:t>Circular Buffering</a:t>
+            </a:r>
+            <a:endParaRPr kumimoji="0" lang="en-US" sz="2000" i="1" u="none" strike="noStrike" kern="1200" cap="none" spc="0" normalizeH="0" baseline="0" noProof="0" dirty="0">
+              <a:ln>
+                <a:noFill/>
+              </a:ln>
+              <a:solidFill>
+                <a:schemeClr val="tx1"/>
+              </a:solidFill>
+              <a:effectLst/>
+              <a:uLnTx/>
+              <a:uFillTx/>
+              <a:latin typeface="Arial" pitchFamily="34" charset="0"/>
+              <a:ea typeface="+mj-ea"/>
+              <a:cs typeface="Arial" pitchFamily="34" charset="0"/>
+            </a:endParaRPr>
+          </a:p>
+        </p:txBody>
+      </p:sp>
+      <p:pic>
+        <p:nvPicPr>
+          <p:cNvPr id="14" name="Content Placeholder 13" descr="Circ1.png"/>
+          <p:cNvPicPr>
+            <a:picLocks noGrp="1" noChangeAspect="1"/>
+          </p:cNvPicPr>
+          <p:nvPr>
+            <p:ph idx="1"/>
+          </p:nvPr>
+        </p:nvPicPr>
+        <p:blipFill>
+          <a:blip r:embed="rId3"/>
+          <a:stretch>
+            <a:fillRect/>
+          </a:stretch>
+        </p:blipFill>
+        <p:spPr>
+          <a:xfrm>
+            <a:off x="1193887" y="1786124"/>
+            <a:ext cx="6761951" cy="4454839"/>
+          </a:xfrm>
+        </p:spPr>
+      </p:pic>
+    </p:spTree>
+  </p:cSld>
+  <p:clrMapOvr>
+    <a:masterClrMapping/>
+  </p:clrMapOvr>
+  <p:timing>
+    <p:tnLst>
+      <p:par>
+        <p:cTn id="1" dur="indefinite" restart="never" nodeType="tmRoot"/>
+      </p:par>
+    </p:tnLst>
+  </p:timing>
+</p:sld>
+</file>
+
+<file path=ppt/slides/slide61.xml><?xml version="1.0" encoding="utf-8"?>
+<p:sld xmlns:a="http://schemas.openxmlformats.org/drawingml/2006/main" xmlns:r="http://schemas.openxmlformats.org/officeDocument/2006/relationships" xmlns:p="http://schemas.openxmlformats.org/presentationml/2006/main">
+  <p:cSld>
+    <p:spTree>
+      <p:nvGrpSpPr>
+        <p:cNvPr id="1" name=""/>
+        <p:cNvGrpSpPr/>
+        <p:nvPr/>
+      </p:nvGrpSpPr>
+      <p:grpSpPr>
+        <a:xfrm>
+          <a:off x="0" y="0"/>
+          <a:ext cx="0" cy="0"/>
+          <a:chOff x="0" y="0"/>
+          <a:chExt cx="0" cy="0"/>
+        </a:xfrm>
+      </p:grpSpPr>
+      <p:sp>
+        <p:nvSpPr>
+          <p:cNvPr id="2" name="Title 1"/>
+          <p:cNvSpPr>
+            <a:spLocks noGrp="1"/>
+          </p:cNvSpPr>
+          <p:nvPr>
+            <p:ph type="title"/>
+          </p:nvPr>
+        </p:nvSpPr>
+        <p:spPr/>
+        <p:txBody>
+          <a:bodyPr/>
+          <a:lstStyle/>
+          <a:p>
+            <a:r>
+              <a:rPr lang="en-US" dirty="0" smtClean="0"/>
+              <a:t>What’s really happening?</a:t>
+            </a:r>
+            <a:endParaRPr lang="en-US" dirty="0"/>
+          </a:p>
+        </p:txBody>
+      </p:sp>
+      <p:sp>
+        <p:nvSpPr>
+          <p:cNvPr id="4" name="Date Placeholder 3"/>
+          <p:cNvSpPr>
+            <a:spLocks noGrp="1"/>
+          </p:cNvSpPr>
+          <p:nvPr>
+            <p:ph type="dt" sz="half" idx="10"/>
+          </p:nvPr>
+        </p:nvSpPr>
+        <p:spPr/>
+        <p:txBody>
+          <a:bodyPr/>
+          <a:lstStyle/>
+          <a:p>
+            <a:r>
+              <a:rPr lang="en-US" smtClean="0"/>
+              <a:t>2015-04-07</a:t>
+            </a:r>
+            <a:endParaRPr lang="en-US"/>
+          </a:p>
+        </p:txBody>
+      </p:sp>
+      <p:sp>
+        <p:nvSpPr>
+          <p:cNvPr id="5" name="Footer Placeholder 4"/>
+          <p:cNvSpPr>
+            <a:spLocks noGrp="1"/>
+          </p:cNvSpPr>
+          <p:nvPr>
+            <p:ph type="ftr" sz="quarter" idx="11"/>
+          </p:nvPr>
+        </p:nvSpPr>
+        <p:spPr/>
+        <p:txBody>
+          <a:bodyPr/>
+          <a:lstStyle/>
+          <a:p>
+            <a:r>
+              <a:rPr lang="en-US" smtClean="0"/>
+              <a:t>Data Acquisition</a:t>
+            </a:r>
+            <a:endParaRPr lang="en-US"/>
+          </a:p>
+        </p:txBody>
+      </p:sp>
+      <p:sp>
+        <p:nvSpPr>
+          <p:cNvPr id="6" name="Slide Number Placeholder 5"/>
+          <p:cNvSpPr>
+            <a:spLocks noGrp="1"/>
+          </p:cNvSpPr>
+          <p:nvPr>
+            <p:ph type="sldNum" sz="quarter" idx="12"/>
+          </p:nvPr>
+        </p:nvSpPr>
+        <p:spPr/>
+        <p:txBody>
+          <a:bodyPr/>
+          <a:lstStyle/>
+          <a:p>
+            <a:fld id="{FD7EC6EF-94A2-4537-B1EB-15D4E295B108}" type="slidenum">
+              <a:rPr lang="en-US" smtClean="0"/>
+              <a:pPr/>
+              <a:t>61</a:t>
+            </a:fld>
+            <a:endParaRPr lang="en-US"/>
+          </a:p>
+        </p:txBody>
+      </p:sp>
+      <p:sp>
+        <p:nvSpPr>
+          <p:cNvPr id="7" name="Title 1"/>
+          <p:cNvSpPr txBox="1">
+            <a:spLocks/>
+          </p:cNvSpPr>
+          <p:nvPr/>
+        </p:nvSpPr>
+        <p:spPr>
+          <a:xfrm>
+            <a:off x="457200" y="1066800"/>
+            <a:ext cx="8229600" cy="381000"/>
+          </a:xfrm>
+          <a:prstGeom prst="rect">
+            <a:avLst/>
+          </a:prstGeom>
+        </p:spPr>
+        <p:txBody>
+          <a:bodyPr vert="horz" lIns="91440" tIns="45720" rIns="91440" bIns="45720" rtlCol="0" anchor="ctr">
+            <a:normAutofit lnSpcReduction="10000"/>
+          </a:bodyPr>
+          <a:lstStyle/>
+          <a:p>
+            <a:pPr marL="0" marR="0" lvl="0" indent="0" algn="ctr" defTabSz="914400" rtl="0" eaLnBrk="1" fontAlgn="auto" latinLnBrk="0" hangingPunct="1">
+              <a:lnSpc>
+                <a:spcPct val="100000"/>
+              </a:lnSpc>
+              <a:spcBef>
+                <a:spcPct val="0"/>
+              </a:spcBef>
+              <a:spcAft>
+                <a:spcPts val="0"/>
+              </a:spcAft>
+              <a:buClrTx/>
+              <a:buSzTx/>
+              <a:buFontTx/>
+              <a:buNone/>
+              <a:tabLst/>
+              <a:defRPr/>
+            </a:pPr>
+            <a:r>
+              <a:rPr kumimoji="0" lang="en-US" sz="2000" i="0" u="none" strike="noStrike" kern="1200" cap="none" spc="0" normalizeH="0" baseline="0" noProof="0" dirty="0" smtClean="0">
+                <a:ln>
+                  <a:noFill/>
+                </a:ln>
+                <a:solidFill>
+                  <a:schemeClr val="tx1"/>
+                </a:solidFill>
+                <a:effectLst/>
+                <a:uLnTx/>
+                <a:uFillTx/>
+                <a:latin typeface="Arial" pitchFamily="34" charset="0"/>
+                <a:ea typeface="+mj-ea"/>
+                <a:cs typeface="Arial" pitchFamily="34" charset="0"/>
+              </a:rPr>
+              <a:t>Circular Buffering</a:t>
+            </a:r>
+            <a:endParaRPr kumimoji="0" lang="en-US" sz="2000" i="1" u="none" strike="noStrike" kern="1200" cap="none" spc="0" normalizeH="0" baseline="0" noProof="0" dirty="0">
+              <a:ln>
+                <a:noFill/>
+              </a:ln>
+              <a:solidFill>
+                <a:schemeClr val="tx1"/>
+              </a:solidFill>
+              <a:effectLst/>
+              <a:uLnTx/>
+              <a:uFillTx/>
+              <a:latin typeface="Arial" pitchFamily="34" charset="0"/>
+              <a:ea typeface="+mj-ea"/>
+              <a:cs typeface="Arial" pitchFamily="34" charset="0"/>
+            </a:endParaRPr>
+          </a:p>
+        </p:txBody>
+      </p:sp>
+      <p:pic>
+        <p:nvPicPr>
+          <p:cNvPr id="14" name="Content Placeholder 13" descr="Circ1.png"/>
+          <p:cNvPicPr>
+            <a:picLocks noGrp="1" noChangeAspect="1"/>
+          </p:cNvPicPr>
+          <p:nvPr>
+            <p:ph idx="1"/>
+          </p:nvPr>
+        </p:nvPicPr>
+        <p:blipFill>
+          <a:blip r:embed="rId3"/>
+          <a:stretch>
+            <a:fillRect/>
+          </a:stretch>
+        </p:blipFill>
+        <p:spPr>
+          <a:xfrm>
+            <a:off x="1521696" y="1786124"/>
+            <a:ext cx="6106333" cy="4454839"/>
+          </a:xfrm>
+        </p:spPr>
+      </p:pic>
+    </p:spTree>
+  </p:cSld>
+  <p:clrMapOvr>
+    <a:masterClrMapping/>
+  </p:clrMapOvr>
+  <p:timing>
+    <p:tnLst>
+      <p:par>
+        <p:cTn id="1" dur="indefinite" restart="never" nodeType="tmRoot"/>
+      </p:par>
+    </p:tnLst>
+  </p:timing>
+</p:sld>
+</file>
+
+<file path=ppt/slides/slide62.xml><?xml version="1.0" encoding="utf-8"?>
+<p:sld xmlns:a="http://schemas.openxmlformats.org/drawingml/2006/main" xmlns:r="http://schemas.openxmlformats.org/officeDocument/2006/relationships" xmlns:p="http://schemas.openxmlformats.org/presentationml/2006/main">
+  <p:cSld>
+    <p:spTree>
+      <p:nvGrpSpPr>
+        <p:cNvPr id="1" name=""/>
+        <p:cNvGrpSpPr/>
+        <p:nvPr/>
+      </p:nvGrpSpPr>
+      <p:grpSpPr>
+        <a:xfrm>
+          <a:off x="0" y="0"/>
+          <a:ext cx="0" cy="0"/>
+          <a:chOff x="0" y="0"/>
+          <a:chExt cx="0" cy="0"/>
+        </a:xfrm>
+      </p:grpSpPr>
+      <p:sp>
+        <p:nvSpPr>
+          <p:cNvPr id="2" name="Title 1"/>
+          <p:cNvSpPr>
+            <a:spLocks noGrp="1"/>
+          </p:cNvSpPr>
+          <p:nvPr>
+            <p:ph type="title"/>
+          </p:nvPr>
+        </p:nvSpPr>
+        <p:spPr/>
+        <p:txBody>
+          <a:bodyPr/>
+          <a:lstStyle/>
+          <a:p>
+            <a:r>
+              <a:rPr lang="en-US" dirty="0" smtClean="0"/>
+              <a:t>What’s really happening?</a:t>
+            </a:r>
+            <a:endParaRPr lang="en-US" dirty="0"/>
+          </a:p>
+        </p:txBody>
+      </p:sp>
+      <p:sp>
+        <p:nvSpPr>
+          <p:cNvPr id="4" name="Date Placeholder 3"/>
+          <p:cNvSpPr>
+            <a:spLocks noGrp="1"/>
+          </p:cNvSpPr>
+          <p:nvPr>
+            <p:ph type="dt" sz="half" idx="10"/>
+          </p:nvPr>
+        </p:nvSpPr>
+        <p:spPr/>
+        <p:txBody>
+          <a:bodyPr/>
+          <a:lstStyle/>
+          <a:p>
+            <a:r>
+              <a:rPr lang="en-US" smtClean="0"/>
+              <a:t>2015-04-07</a:t>
+            </a:r>
+            <a:endParaRPr lang="en-US"/>
+          </a:p>
+        </p:txBody>
+      </p:sp>
+      <p:sp>
+        <p:nvSpPr>
+          <p:cNvPr id="5" name="Footer Placeholder 4"/>
+          <p:cNvSpPr>
+            <a:spLocks noGrp="1"/>
+          </p:cNvSpPr>
+          <p:nvPr>
+            <p:ph type="ftr" sz="quarter" idx="11"/>
+          </p:nvPr>
+        </p:nvSpPr>
+        <p:spPr/>
+        <p:txBody>
+          <a:bodyPr/>
+          <a:lstStyle/>
+          <a:p>
+            <a:r>
+              <a:rPr lang="en-US" smtClean="0"/>
+              <a:t>Data Acquisition</a:t>
+            </a:r>
+            <a:endParaRPr lang="en-US"/>
+          </a:p>
+        </p:txBody>
+      </p:sp>
+      <p:sp>
+        <p:nvSpPr>
+          <p:cNvPr id="6" name="Slide Number Placeholder 5"/>
+          <p:cNvSpPr>
+            <a:spLocks noGrp="1"/>
+          </p:cNvSpPr>
+          <p:nvPr>
+            <p:ph type="sldNum" sz="quarter" idx="12"/>
+          </p:nvPr>
+        </p:nvSpPr>
+        <p:spPr/>
+        <p:txBody>
+          <a:bodyPr/>
+          <a:lstStyle/>
+          <a:p>
+            <a:fld id="{FD7EC6EF-94A2-4537-B1EB-15D4E295B108}" type="slidenum">
+              <a:rPr lang="en-US" smtClean="0"/>
+              <a:pPr/>
+              <a:t>62</a:t>
+            </a:fld>
+            <a:endParaRPr lang="en-US"/>
+          </a:p>
+        </p:txBody>
+      </p:sp>
+      <p:sp>
+        <p:nvSpPr>
+          <p:cNvPr id="7" name="Title 1"/>
+          <p:cNvSpPr txBox="1">
+            <a:spLocks/>
+          </p:cNvSpPr>
+          <p:nvPr/>
+        </p:nvSpPr>
+        <p:spPr>
+          <a:xfrm>
+            <a:off x="457200" y="1066800"/>
+            <a:ext cx="8229600" cy="381000"/>
+          </a:xfrm>
+          <a:prstGeom prst="rect">
+            <a:avLst/>
+          </a:prstGeom>
+        </p:spPr>
+        <p:txBody>
+          <a:bodyPr vert="horz" lIns="91440" tIns="45720" rIns="91440" bIns="45720" rtlCol="0" anchor="ctr">
+            <a:normAutofit lnSpcReduction="10000"/>
+          </a:bodyPr>
+          <a:lstStyle/>
+          <a:p>
+            <a:pPr marL="0" marR="0" lvl="0" indent="0" algn="ctr" defTabSz="914400" rtl="0" eaLnBrk="1" fontAlgn="auto" latinLnBrk="0" hangingPunct="1">
+              <a:lnSpc>
+                <a:spcPct val="100000"/>
+              </a:lnSpc>
+              <a:spcBef>
+                <a:spcPct val="0"/>
+              </a:spcBef>
+              <a:spcAft>
+                <a:spcPts val="0"/>
+              </a:spcAft>
+              <a:buClrTx/>
+              <a:buSzTx/>
+              <a:buFontTx/>
+              <a:buNone/>
+              <a:tabLst/>
+              <a:defRPr/>
+            </a:pPr>
+            <a:r>
               <a:rPr lang="en-US" sz="2000" dirty="0" smtClean="0">
                 <a:latin typeface="Arial" pitchFamily="34" charset="0"/>
                 <a:ea typeface="+mj-ea"/>
@@ -42073,7 +42777,7 @@
 </p:sld>
 </file>
 
-<file path=ppt/slides/slide61.xml><?xml version="1.0" encoding="utf-8"?>
+<file path=ppt/slides/slide63.xml><?xml version="1.0" encoding="utf-8"?>
 <p:sld xmlns:a="http://schemas.openxmlformats.org/drawingml/2006/main" xmlns:r="http://schemas.openxmlformats.org/officeDocument/2006/relationships" xmlns:p="http://schemas.openxmlformats.org/presentationml/2006/main">
   <p:cSld>
     <p:spTree>
@@ -42196,7 +42900,7 @@
             <a:fld id="{FD7EC6EF-94A2-4537-B1EB-15D4E295B108}" type="slidenum">
               <a:rPr lang="en-US" smtClean="0"/>
               <a:pPr/>
-              <a:t>61</a:t>
+              <a:t>63</a:t>
             </a:fld>
             <a:endParaRPr lang="en-US"/>
           </a:p>
@@ -42243,7 +42947,7 @@
 </p:sld>
 </file>
 
-<file path=ppt/slides/slide62.xml><?xml version="1.0" encoding="utf-8"?>
+<file path=ppt/slides/slide64.xml><?xml version="1.0" encoding="utf-8"?>
 <p:sld xmlns:a="http://schemas.openxmlformats.org/drawingml/2006/main" xmlns:r="http://schemas.openxmlformats.org/officeDocument/2006/relationships" xmlns:p="http://schemas.openxmlformats.org/presentationml/2006/main">
   <p:cSld>
     <p:spTree>
@@ -42432,7 +43136,7 @@
             <a:fld id="{FD7EC6EF-94A2-4537-B1EB-15D4E295B108}" type="slidenum">
               <a:rPr lang="en-US" smtClean="0"/>
               <a:pPr/>
-              <a:t>62</a:t>
+              <a:t>64</a:t>
             </a:fld>
             <a:endParaRPr lang="en-US"/>
           </a:p>
@@ -42453,7 +43157,7 @@
 </p:sld>
 </file>
 
-<file path=ppt/slides/slide63.xml><?xml version="1.0" encoding="utf-8"?>
+<file path=ppt/slides/slide65.xml><?xml version="1.0" encoding="utf-8"?>
 <p:sld xmlns:a="http://schemas.openxmlformats.org/drawingml/2006/main" xmlns:r="http://schemas.openxmlformats.org/officeDocument/2006/relationships" xmlns:p="http://schemas.openxmlformats.org/presentationml/2006/main">
   <p:cSld>
     <p:spTree>
@@ -42557,7 +43261,7 @@
             <a:fld id="{FD7EC6EF-94A2-4537-B1EB-15D4E295B108}" type="slidenum">
               <a:rPr lang="en-US" smtClean="0"/>
               <a:pPr/>
-              <a:t>63</a:t>
+              <a:t>65</a:t>
             </a:fld>
             <a:endParaRPr lang="en-US"/>
           </a:p>
@@ -42712,7 +43416,7 @@
 </p:sld>
 </file>
 
-<file path=ppt/slides/slide64.xml><?xml version="1.0" encoding="utf-8"?>
+<file path=ppt/slides/slide66.xml><?xml version="1.0" encoding="utf-8"?>
 <p:sld xmlns:a="http://schemas.openxmlformats.org/drawingml/2006/main" xmlns:r="http://schemas.openxmlformats.org/officeDocument/2006/relationships" xmlns:p="http://schemas.openxmlformats.org/presentationml/2006/main">
   <p:cSld>
     <p:spTree>
@@ -42843,7 +43547,7 @@
             <a:fld id="{FD7EC6EF-94A2-4537-B1EB-15D4E295B108}" type="slidenum">
               <a:rPr lang="en-US" smtClean="0"/>
               <a:pPr/>
-              <a:t>64</a:t>
+              <a:t>66</a:t>
             </a:fld>
             <a:endParaRPr lang="en-US"/>
           </a:p>
@@ -42901,7 +43605,7 @@
 </p:sld>
 </file>
 
-<file path=ppt/slides/slide65.xml><?xml version="1.0" encoding="utf-8"?>
+<file path=ppt/slides/slide67.xml><?xml version="1.0" encoding="utf-8"?>
 <p:sld xmlns:a="http://schemas.openxmlformats.org/drawingml/2006/main" xmlns:r="http://schemas.openxmlformats.org/officeDocument/2006/relationships" xmlns:p="http://schemas.openxmlformats.org/presentationml/2006/main">
   <p:cSld>
     <p:spTree>
@@ -43062,7 +43766,7 @@
             <a:fld id="{FD7EC6EF-94A2-4537-B1EB-15D4E295B108}" type="slidenum">
               <a:rPr lang="en-US" smtClean="0"/>
               <a:pPr/>
-              <a:t>65</a:t>
+              <a:t>67</a:t>
             </a:fld>
             <a:endParaRPr lang="en-US"/>
           </a:p>
@@ -43083,7 +43787,7 @@
 </p:sld>
 </file>
 
-<file path=ppt/slides/slide66.xml><?xml version="1.0" encoding="utf-8"?>
+<file path=ppt/slides/slide68.xml><?xml version="1.0" encoding="utf-8"?>
 <p:sld xmlns:a="http://schemas.openxmlformats.org/drawingml/2006/main" xmlns:r="http://schemas.openxmlformats.org/officeDocument/2006/relationships" xmlns:p="http://schemas.openxmlformats.org/presentationml/2006/main">
   <p:cSld>
     <p:spTree>
@@ -43187,7 +43891,7 @@
             <a:fld id="{FD7EC6EF-94A2-4537-B1EB-15D4E295B108}" type="slidenum">
               <a:rPr lang="en-US" smtClean="0"/>
               <a:pPr/>
-              <a:t>66</a:t>
+              <a:t>68</a:t>
             </a:fld>
             <a:endParaRPr lang="en-US"/>
           </a:p>
@@ -43797,7 +44501,7 @@
 </p:sld>
 </file>
 
-<file path=ppt/slides/slide67.xml><?xml version="1.0" encoding="utf-8"?>
+<file path=ppt/slides/slide69.xml><?xml version="1.0" encoding="utf-8"?>
 <p:sld xmlns:a="http://schemas.openxmlformats.org/drawingml/2006/main" xmlns:r="http://schemas.openxmlformats.org/officeDocument/2006/relationships" xmlns:p="http://schemas.openxmlformats.org/presentationml/2006/main">
   <p:cSld>
     <p:spTree>
@@ -43901,7 +44605,7 @@
             <a:fld id="{FD7EC6EF-94A2-4537-B1EB-15D4E295B108}" type="slidenum">
               <a:rPr lang="en-US" smtClean="0"/>
               <a:pPr/>
-              <a:t>67</a:t>
+              <a:t>69</a:t>
             </a:fld>
             <a:endParaRPr lang="en-US"/>
           </a:p>
@@ -44006,546 +44710,6 @@
           <a:noFill/>
         </p:spPr>
       </p:pic>
-    </p:spTree>
-  </p:cSld>
-  <p:clrMapOvr>
-    <a:masterClrMapping/>
-  </p:clrMapOvr>
-  <p:timing>
-    <p:tnLst>
-      <p:par>
-        <p:cTn id="1" dur="indefinite" restart="never" nodeType="tmRoot"/>
-      </p:par>
-    </p:tnLst>
-  </p:timing>
-</p:sld>
-</file>
-
-<file path=ppt/slides/slide68.xml><?xml version="1.0" encoding="utf-8"?>
-<p:sld xmlns:a="http://schemas.openxmlformats.org/drawingml/2006/main" xmlns:r="http://schemas.openxmlformats.org/officeDocument/2006/relationships" xmlns:p="http://schemas.openxmlformats.org/presentationml/2006/main">
-  <p:cSld>
-    <p:spTree>
-      <p:nvGrpSpPr>
-        <p:cNvPr id="1" name=""/>
-        <p:cNvGrpSpPr/>
-        <p:nvPr/>
-      </p:nvGrpSpPr>
-      <p:grpSpPr>
-        <a:xfrm>
-          <a:off x="0" y="0"/>
-          <a:ext cx="0" cy="0"/>
-          <a:chOff x="0" y="0"/>
-          <a:chExt cx="0" cy="0"/>
-        </a:xfrm>
-      </p:grpSpPr>
-      <p:sp>
-        <p:nvSpPr>
-          <p:cNvPr id="2" name="Title 1"/>
-          <p:cNvSpPr>
-            <a:spLocks noGrp="1"/>
-          </p:cNvSpPr>
-          <p:nvPr>
-            <p:ph type="title"/>
-          </p:nvPr>
-        </p:nvSpPr>
-        <p:spPr/>
-        <p:txBody>
-          <a:bodyPr/>
-          <a:lstStyle/>
-          <a:p>
-            <a:r>
-              <a:rPr lang="en-US" dirty="0" smtClean="0"/>
-              <a:t>Problems with Digital Triggers</a:t>
-            </a:r>
-            <a:endParaRPr lang="en-US" dirty="0"/>
-          </a:p>
-        </p:txBody>
-      </p:sp>
-      <p:sp>
-        <p:nvSpPr>
-          <p:cNvPr id="4" name="Date Placeholder 3"/>
-          <p:cNvSpPr>
-            <a:spLocks noGrp="1"/>
-          </p:cNvSpPr>
-          <p:nvPr>
-            <p:ph type="dt" sz="half" idx="10"/>
-          </p:nvPr>
-        </p:nvSpPr>
-        <p:spPr/>
-        <p:txBody>
-          <a:bodyPr/>
-          <a:lstStyle/>
-          <a:p>
-            <a:r>
-              <a:rPr lang="en-US" smtClean="0"/>
-              <a:t>2015-04-07</a:t>
-            </a:r>
-            <a:endParaRPr lang="en-US"/>
-          </a:p>
-        </p:txBody>
-      </p:sp>
-      <p:sp>
-        <p:nvSpPr>
-          <p:cNvPr id="5" name="Footer Placeholder 4"/>
-          <p:cNvSpPr>
-            <a:spLocks noGrp="1"/>
-          </p:cNvSpPr>
-          <p:nvPr>
-            <p:ph type="ftr" sz="quarter" idx="11"/>
-          </p:nvPr>
-        </p:nvSpPr>
-        <p:spPr/>
-        <p:txBody>
-          <a:bodyPr/>
-          <a:lstStyle/>
-          <a:p>
-            <a:r>
-              <a:rPr lang="en-US" smtClean="0"/>
-              <a:t>Data Acquisition</a:t>
-            </a:r>
-            <a:endParaRPr lang="en-US"/>
-          </a:p>
-        </p:txBody>
-      </p:sp>
-      <p:sp>
-        <p:nvSpPr>
-          <p:cNvPr id="6" name="Slide Number Placeholder 5"/>
-          <p:cNvSpPr>
-            <a:spLocks noGrp="1"/>
-          </p:cNvSpPr>
-          <p:nvPr>
-            <p:ph type="sldNum" sz="quarter" idx="12"/>
-          </p:nvPr>
-        </p:nvSpPr>
-        <p:spPr/>
-        <p:txBody>
-          <a:bodyPr/>
-          <a:lstStyle/>
-          <a:p>
-            <a:fld id="{FD7EC6EF-94A2-4537-B1EB-15D4E295B108}" type="slidenum">
-              <a:rPr lang="en-US" smtClean="0"/>
-              <a:pPr/>
-              <a:t>68</a:t>
-            </a:fld>
-            <a:endParaRPr lang="en-US"/>
-          </a:p>
-        </p:txBody>
-      </p:sp>
-      <p:sp>
-        <p:nvSpPr>
-          <p:cNvPr id="9" name="TextBox 8"/>
-          <p:cNvSpPr txBox="1"/>
-          <p:nvPr/>
-        </p:nvSpPr>
-        <p:spPr>
-          <a:xfrm>
-            <a:off x="228600" y="6248400"/>
-            <a:ext cx="3140603" cy="246221"/>
-          </a:xfrm>
-          <a:prstGeom prst="rect">
-            <a:avLst/>
-          </a:prstGeom>
-          <a:noFill/>
-        </p:spPr>
-        <p:txBody>
-          <a:bodyPr wrap="none" rtlCol="0">
-            <a:spAutoFit/>
-          </a:bodyPr>
-          <a:lstStyle/>
-          <a:p>
-            <a:r>
-              <a:rPr lang="en-US" sz="1000" dirty="0" smtClean="0"/>
-              <a:t>Figures from Texas Instruments SN74LV4T125 Datasheet</a:t>
-            </a:r>
-            <a:endParaRPr lang="en-US" sz="1000" dirty="0"/>
-          </a:p>
-        </p:txBody>
-      </p:sp>
-      <p:sp>
-        <p:nvSpPr>
-          <p:cNvPr id="12" name="TextBox 11"/>
-          <p:cNvSpPr txBox="1"/>
-          <p:nvPr/>
-        </p:nvSpPr>
-        <p:spPr>
-          <a:xfrm>
-            <a:off x="3200400" y="1066800"/>
-            <a:ext cx="2826736" cy="369332"/>
-          </a:xfrm>
-          <a:prstGeom prst="rect">
-            <a:avLst/>
-          </a:prstGeom>
-          <a:noFill/>
-        </p:spPr>
-        <p:txBody>
-          <a:bodyPr wrap="none" rtlCol="0">
-            <a:spAutoFit/>
-          </a:bodyPr>
-          <a:lstStyle/>
-          <a:p>
-            <a:r>
-              <a:rPr lang="en-US" dirty="0" smtClean="0"/>
-              <a:t>How to solve level problems</a:t>
-            </a:r>
-            <a:endParaRPr lang="en-US" dirty="0"/>
-          </a:p>
-        </p:txBody>
-      </p:sp>
-      <p:sp>
-        <p:nvSpPr>
-          <p:cNvPr id="10" name="Content Placeholder 9"/>
-          <p:cNvSpPr>
-            <a:spLocks noGrp="1"/>
-          </p:cNvSpPr>
-          <p:nvPr>
-            <p:ph idx="1"/>
-          </p:nvPr>
-        </p:nvSpPr>
-        <p:spPr>
-          <a:xfrm>
-            <a:off x="228600" y="1524000"/>
-            <a:ext cx="8686800" cy="4602163"/>
-          </a:xfrm>
-        </p:spPr>
-        <p:txBody>
-          <a:bodyPr/>
-          <a:lstStyle/>
-          <a:p>
-            <a:r>
-              <a:rPr lang="en-US" b="0" dirty="0" smtClean="0"/>
-              <a:t>Ignore it</a:t>
-            </a:r>
-          </a:p>
-          <a:p>
-            <a:pPr lvl="1"/>
-            <a:r>
-              <a:rPr lang="en-US" dirty="0" smtClean="0"/>
-              <a:t>Some voltage levels are cross-compatible, e.g. most TTL and LVTTL</a:t>
-            </a:r>
-          </a:p>
-          <a:p>
-            <a:pPr lvl="1"/>
-            <a:r>
-              <a:rPr lang="en-US" b="1" i="1" dirty="0" smtClean="0">
-                <a:solidFill>
-                  <a:schemeClr val="accent2"/>
-                </a:solidFill>
-              </a:rPr>
-              <a:t>However—if at all possible, check all output levels before connecting to the input</a:t>
-            </a:r>
-          </a:p>
-          <a:p>
-            <a:r>
-              <a:rPr lang="en-US" b="0" dirty="0" smtClean="0"/>
-              <a:t>Use level-shifter circuit (voltage level translation)</a:t>
-            </a:r>
-          </a:p>
-          <a:p>
-            <a:pPr lvl="1"/>
-            <a:r>
-              <a:rPr lang="en-US" dirty="0" smtClean="0"/>
-              <a:t>e.g. SN74LV4T125</a:t>
-            </a:r>
-          </a:p>
-        </p:txBody>
-      </p:sp>
-      <p:pic>
-        <p:nvPicPr>
-          <p:cNvPr id="151556" name="Picture 4"/>
-          <p:cNvPicPr>
-            <a:picLocks noChangeAspect="1" noChangeArrowheads="1"/>
-          </p:cNvPicPr>
-          <p:nvPr/>
-        </p:nvPicPr>
-        <p:blipFill>
-          <a:blip r:embed="rId2">
-            <a:clrChange>
-              <a:clrFrom>
-                <a:srgbClr val="FFFFFF"/>
-              </a:clrFrom>
-              <a:clrTo>
-                <a:srgbClr val="FFFFFF">
-                  <a:alpha val="0"/>
-                </a:srgbClr>
-              </a:clrTo>
-            </a:clrChange>
-          </a:blip>
-          <a:srcRect/>
-          <a:stretch>
-            <a:fillRect/>
-          </a:stretch>
-        </p:blipFill>
-        <p:spPr bwMode="auto">
-          <a:xfrm>
-            <a:off x="762000" y="3886200"/>
-            <a:ext cx="3314700" cy="2209800"/>
-          </a:xfrm>
-          <a:prstGeom prst="rect">
-            <a:avLst/>
-          </a:prstGeom>
-          <a:noFill/>
-          <a:ln w="9525">
-            <a:noFill/>
-            <a:miter lim="800000"/>
-            <a:headEnd/>
-            <a:tailEnd/>
-          </a:ln>
-          <a:effectLst/>
-        </p:spPr>
-      </p:pic>
-      <p:pic>
-        <p:nvPicPr>
-          <p:cNvPr id="151557" name="Picture 5"/>
-          <p:cNvPicPr>
-            <a:picLocks noChangeAspect="1" noChangeArrowheads="1"/>
-          </p:cNvPicPr>
-          <p:nvPr/>
-        </p:nvPicPr>
-        <p:blipFill>
-          <a:blip r:embed="rId3">
-            <a:clrChange>
-              <a:clrFrom>
-                <a:srgbClr val="FFFFFF"/>
-              </a:clrFrom>
-              <a:clrTo>
-                <a:srgbClr val="FFFFFF">
-                  <a:alpha val="0"/>
-                </a:srgbClr>
-              </a:clrTo>
-            </a:clrChange>
-          </a:blip>
-          <a:srcRect/>
-          <a:stretch>
-            <a:fillRect/>
-          </a:stretch>
-        </p:blipFill>
-        <p:spPr bwMode="auto">
-          <a:xfrm>
-            <a:off x="4572000" y="3886200"/>
-            <a:ext cx="3914775" cy="2256134"/>
-          </a:xfrm>
-          <a:prstGeom prst="rect">
-            <a:avLst/>
-          </a:prstGeom>
-          <a:noFill/>
-          <a:ln w="9525">
-            <a:noFill/>
-            <a:miter lim="800000"/>
-            <a:headEnd/>
-            <a:tailEnd/>
-          </a:ln>
-          <a:effectLst/>
-        </p:spPr>
-      </p:pic>
-    </p:spTree>
-  </p:cSld>
-  <p:clrMapOvr>
-    <a:masterClrMapping/>
-  </p:clrMapOvr>
-  <p:timing>
-    <p:tnLst>
-      <p:par>
-        <p:cTn id="1" dur="indefinite" restart="never" nodeType="tmRoot"/>
-      </p:par>
-    </p:tnLst>
-  </p:timing>
-</p:sld>
-</file>
-
-<file path=ppt/slides/slide69.xml><?xml version="1.0" encoding="utf-8"?>
-<p:sld xmlns:a="http://schemas.openxmlformats.org/drawingml/2006/main" xmlns:r="http://schemas.openxmlformats.org/officeDocument/2006/relationships" xmlns:p="http://schemas.openxmlformats.org/presentationml/2006/main">
-  <p:cSld>
-    <p:spTree>
-      <p:nvGrpSpPr>
-        <p:cNvPr id="1" name=""/>
-        <p:cNvGrpSpPr/>
-        <p:nvPr/>
-      </p:nvGrpSpPr>
-      <p:grpSpPr>
-        <a:xfrm>
-          <a:off x="0" y="0"/>
-          <a:ext cx="0" cy="0"/>
-          <a:chOff x="0" y="0"/>
-          <a:chExt cx="0" cy="0"/>
-        </a:xfrm>
-      </p:grpSpPr>
-      <p:sp>
-        <p:nvSpPr>
-          <p:cNvPr id="2" name="Title 1"/>
-          <p:cNvSpPr>
-            <a:spLocks noGrp="1"/>
-          </p:cNvSpPr>
-          <p:nvPr>
-            <p:ph type="title"/>
-          </p:nvPr>
-        </p:nvSpPr>
-        <p:spPr/>
-        <p:txBody>
-          <a:bodyPr/>
-          <a:lstStyle/>
-          <a:p>
-            <a:r>
-              <a:rPr lang="en-US" dirty="0" smtClean="0"/>
-              <a:t>Problems with Digital Triggers</a:t>
-            </a:r>
-            <a:endParaRPr lang="en-US" dirty="0"/>
-          </a:p>
-        </p:txBody>
-      </p:sp>
-      <p:sp>
-        <p:nvSpPr>
-          <p:cNvPr id="4" name="Date Placeholder 3"/>
-          <p:cNvSpPr>
-            <a:spLocks noGrp="1"/>
-          </p:cNvSpPr>
-          <p:nvPr>
-            <p:ph type="dt" sz="half" idx="10"/>
-          </p:nvPr>
-        </p:nvSpPr>
-        <p:spPr/>
-        <p:txBody>
-          <a:bodyPr/>
-          <a:lstStyle/>
-          <a:p>
-            <a:r>
-              <a:rPr lang="en-US" smtClean="0"/>
-              <a:t>2015-04-07</a:t>
-            </a:r>
-            <a:endParaRPr lang="en-US"/>
-          </a:p>
-        </p:txBody>
-      </p:sp>
-      <p:sp>
-        <p:nvSpPr>
-          <p:cNvPr id="5" name="Footer Placeholder 4"/>
-          <p:cNvSpPr>
-            <a:spLocks noGrp="1"/>
-          </p:cNvSpPr>
-          <p:nvPr>
-            <p:ph type="ftr" sz="quarter" idx="11"/>
-          </p:nvPr>
-        </p:nvSpPr>
-        <p:spPr/>
-        <p:txBody>
-          <a:bodyPr/>
-          <a:lstStyle/>
-          <a:p>
-            <a:r>
-              <a:rPr lang="en-US" smtClean="0"/>
-              <a:t>Data Acquisition</a:t>
-            </a:r>
-            <a:endParaRPr lang="en-US"/>
-          </a:p>
-        </p:txBody>
-      </p:sp>
-      <p:sp>
-        <p:nvSpPr>
-          <p:cNvPr id="6" name="Slide Number Placeholder 5"/>
-          <p:cNvSpPr>
-            <a:spLocks noGrp="1"/>
-          </p:cNvSpPr>
-          <p:nvPr>
-            <p:ph type="sldNum" sz="quarter" idx="12"/>
-          </p:nvPr>
-        </p:nvSpPr>
-        <p:spPr/>
-        <p:txBody>
-          <a:bodyPr/>
-          <a:lstStyle/>
-          <a:p>
-            <a:fld id="{FD7EC6EF-94A2-4537-B1EB-15D4E295B108}" type="slidenum">
-              <a:rPr lang="en-US" smtClean="0"/>
-              <a:pPr/>
-              <a:t>69</a:t>
-            </a:fld>
-            <a:endParaRPr lang="en-US"/>
-          </a:p>
-        </p:txBody>
-      </p:sp>
-      <p:sp>
-        <p:nvSpPr>
-          <p:cNvPr id="9" name="TextBox 8"/>
-          <p:cNvSpPr txBox="1"/>
-          <p:nvPr/>
-        </p:nvSpPr>
-        <p:spPr>
-          <a:xfrm>
-            <a:off x="228600" y="6248400"/>
-            <a:ext cx="3850734" cy="246221"/>
-          </a:xfrm>
-          <a:prstGeom prst="rect">
-            <a:avLst/>
-          </a:prstGeom>
-          <a:noFill/>
-        </p:spPr>
-        <p:txBody>
-          <a:bodyPr wrap="none" rtlCol="0">
-            <a:spAutoFit/>
-          </a:bodyPr>
-          <a:lstStyle/>
-          <a:p>
-            <a:r>
-              <a:rPr lang="en-US" sz="1000" dirty="0" smtClean="0"/>
-              <a:t>Figure from http://www.interfacebus.com/voltage_LV_threshold.html</a:t>
-            </a:r>
-            <a:endParaRPr lang="en-US" sz="1000" dirty="0"/>
-          </a:p>
-        </p:txBody>
-      </p:sp>
-      <p:sp>
-        <p:nvSpPr>
-          <p:cNvPr id="12" name="TextBox 11"/>
-          <p:cNvSpPr txBox="1"/>
-          <p:nvPr/>
-        </p:nvSpPr>
-        <p:spPr>
-          <a:xfrm>
-            <a:off x="3657600" y="1066800"/>
-            <a:ext cx="935256" cy="369332"/>
-          </a:xfrm>
-          <a:prstGeom prst="rect">
-            <a:avLst/>
-          </a:prstGeom>
-          <a:noFill/>
-        </p:spPr>
-        <p:txBody>
-          <a:bodyPr wrap="none" rtlCol="0">
-            <a:spAutoFit/>
-          </a:bodyPr>
-          <a:lstStyle/>
-          <a:p>
-            <a:r>
-              <a:rPr lang="en-US" dirty="0" smtClean="0"/>
-              <a:t>Glitches</a:t>
-            </a:r>
-            <a:endParaRPr lang="en-US" dirty="0"/>
-          </a:p>
-        </p:txBody>
-      </p:sp>
-      <p:sp>
-        <p:nvSpPr>
-          <p:cNvPr id="10" name="Content Placeholder 9"/>
-          <p:cNvSpPr>
-            <a:spLocks noGrp="1"/>
-          </p:cNvSpPr>
-          <p:nvPr>
-            <p:ph idx="1"/>
-          </p:nvPr>
-        </p:nvSpPr>
-        <p:spPr>
-          <a:xfrm>
-            <a:off x="228600" y="1600200"/>
-            <a:ext cx="8686800" cy="4525963"/>
-          </a:xfrm>
-        </p:spPr>
-        <p:txBody>
-          <a:bodyPr/>
-          <a:lstStyle/>
-          <a:p>
-            <a:endParaRPr lang="en-US" dirty="0"/>
-          </a:p>
-        </p:txBody>
-      </p:sp>
     </p:spTree>
   </p:cSld>
   <p:clrMapOvr>
@@ -46957,7 +47121,7 @@
           <a:p>
             <a:r>
               <a:rPr lang="en-US" dirty="0" smtClean="0"/>
-              <a:t>Review</a:t>
+              <a:t>Problems with Digital Triggers</a:t>
             </a:r>
             <a:endParaRPr lang="en-US" dirty="0"/>
           </a:p>
@@ -47028,6 +47192,546 @@
               <a:rPr lang="en-US" smtClean="0"/>
               <a:pPr/>
               <a:t>70</a:t>
+            </a:fld>
+            <a:endParaRPr lang="en-US"/>
+          </a:p>
+        </p:txBody>
+      </p:sp>
+      <p:sp>
+        <p:nvSpPr>
+          <p:cNvPr id="9" name="TextBox 8"/>
+          <p:cNvSpPr txBox="1"/>
+          <p:nvPr/>
+        </p:nvSpPr>
+        <p:spPr>
+          <a:xfrm>
+            <a:off x="228600" y="6248400"/>
+            <a:ext cx="3140603" cy="246221"/>
+          </a:xfrm>
+          <a:prstGeom prst="rect">
+            <a:avLst/>
+          </a:prstGeom>
+          <a:noFill/>
+        </p:spPr>
+        <p:txBody>
+          <a:bodyPr wrap="none" rtlCol="0">
+            <a:spAutoFit/>
+          </a:bodyPr>
+          <a:lstStyle/>
+          <a:p>
+            <a:r>
+              <a:rPr lang="en-US" sz="1000" dirty="0" smtClean="0"/>
+              <a:t>Figures from Texas Instruments SN74LV4T125 Datasheet</a:t>
+            </a:r>
+            <a:endParaRPr lang="en-US" sz="1000" dirty="0"/>
+          </a:p>
+        </p:txBody>
+      </p:sp>
+      <p:sp>
+        <p:nvSpPr>
+          <p:cNvPr id="12" name="TextBox 11"/>
+          <p:cNvSpPr txBox="1"/>
+          <p:nvPr/>
+        </p:nvSpPr>
+        <p:spPr>
+          <a:xfrm>
+            <a:off x="3200400" y="1066800"/>
+            <a:ext cx="2826736" cy="369332"/>
+          </a:xfrm>
+          <a:prstGeom prst="rect">
+            <a:avLst/>
+          </a:prstGeom>
+          <a:noFill/>
+        </p:spPr>
+        <p:txBody>
+          <a:bodyPr wrap="none" rtlCol="0">
+            <a:spAutoFit/>
+          </a:bodyPr>
+          <a:lstStyle/>
+          <a:p>
+            <a:r>
+              <a:rPr lang="en-US" dirty="0" smtClean="0"/>
+              <a:t>How to solve level problems</a:t>
+            </a:r>
+            <a:endParaRPr lang="en-US" dirty="0"/>
+          </a:p>
+        </p:txBody>
+      </p:sp>
+      <p:sp>
+        <p:nvSpPr>
+          <p:cNvPr id="10" name="Content Placeholder 9"/>
+          <p:cNvSpPr>
+            <a:spLocks noGrp="1"/>
+          </p:cNvSpPr>
+          <p:nvPr>
+            <p:ph idx="1"/>
+          </p:nvPr>
+        </p:nvSpPr>
+        <p:spPr>
+          <a:xfrm>
+            <a:off x="228600" y="1524000"/>
+            <a:ext cx="8686800" cy="4602163"/>
+          </a:xfrm>
+        </p:spPr>
+        <p:txBody>
+          <a:bodyPr/>
+          <a:lstStyle/>
+          <a:p>
+            <a:r>
+              <a:rPr lang="en-US" b="0" dirty="0" smtClean="0"/>
+              <a:t>Ignore it</a:t>
+            </a:r>
+          </a:p>
+          <a:p>
+            <a:pPr lvl="1"/>
+            <a:r>
+              <a:rPr lang="en-US" dirty="0" smtClean="0"/>
+              <a:t>Some voltage levels are cross-compatible, e.g. most TTL and LVTTL</a:t>
+            </a:r>
+          </a:p>
+          <a:p>
+            <a:pPr lvl="1"/>
+            <a:r>
+              <a:rPr lang="en-US" b="1" i="1" dirty="0" smtClean="0">
+                <a:solidFill>
+                  <a:schemeClr val="accent2"/>
+                </a:solidFill>
+              </a:rPr>
+              <a:t>However—if at all possible, check all output levels before connecting to the input</a:t>
+            </a:r>
+          </a:p>
+          <a:p>
+            <a:r>
+              <a:rPr lang="en-US" b="0" dirty="0" smtClean="0"/>
+              <a:t>Use level-shifter circuit (voltage level translation)</a:t>
+            </a:r>
+          </a:p>
+          <a:p>
+            <a:pPr lvl="1"/>
+            <a:r>
+              <a:rPr lang="en-US" dirty="0" smtClean="0"/>
+              <a:t>e.g. SN74LV4T125</a:t>
+            </a:r>
+          </a:p>
+        </p:txBody>
+      </p:sp>
+      <p:pic>
+        <p:nvPicPr>
+          <p:cNvPr id="151556" name="Picture 4"/>
+          <p:cNvPicPr>
+            <a:picLocks noChangeAspect="1" noChangeArrowheads="1"/>
+          </p:cNvPicPr>
+          <p:nvPr/>
+        </p:nvPicPr>
+        <p:blipFill>
+          <a:blip r:embed="rId2">
+            <a:clrChange>
+              <a:clrFrom>
+                <a:srgbClr val="FFFFFF"/>
+              </a:clrFrom>
+              <a:clrTo>
+                <a:srgbClr val="FFFFFF">
+                  <a:alpha val="0"/>
+                </a:srgbClr>
+              </a:clrTo>
+            </a:clrChange>
+          </a:blip>
+          <a:srcRect/>
+          <a:stretch>
+            <a:fillRect/>
+          </a:stretch>
+        </p:blipFill>
+        <p:spPr bwMode="auto">
+          <a:xfrm>
+            <a:off x="762000" y="3886200"/>
+            <a:ext cx="3314700" cy="2209800"/>
+          </a:xfrm>
+          <a:prstGeom prst="rect">
+            <a:avLst/>
+          </a:prstGeom>
+          <a:noFill/>
+          <a:ln w="9525">
+            <a:noFill/>
+            <a:miter lim="800000"/>
+            <a:headEnd/>
+            <a:tailEnd/>
+          </a:ln>
+          <a:effectLst/>
+        </p:spPr>
+      </p:pic>
+      <p:pic>
+        <p:nvPicPr>
+          <p:cNvPr id="151557" name="Picture 5"/>
+          <p:cNvPicPr>
+            <a:picLocks noChangeAspect="1" noChangeArrowheads="1"/>
+          </p:cNvPicPr>
+          <p:nvPr/>
+        </p:nvPicPr>
+        <p:blipFill>
+          <a:blip r:embed="rId3">
+            <a:clrChange>
+              <a:clrFrom>
+                <a:srgbClr val="FFFFFF"/>
+              </a:clrFrom>
+              <a:clrTo>
+                <a:srgbClr val="FFFFFF">
+                  <a:alpha val="0"/>
+                </a:srgbClr>
+              </a:clrTo>
+            </a:clrChange>
+          </a:blip>
+          <a:srcRect/>
+          <a:stretch>
+            <a:fillRect/>
+          </a:stretch>
+        </p:blipFill>
+        <p:spPr bwMode="auto">
+          <a:xfrm>
+            <a:off x="4572000" y="3886200"/>
+            <a:ext cx="3914775" cy="2256134"/>
+          </a:xfrm>
+          <a:prstGeom prst="rect">
+            <a:avLst/>
+          </a:prstGeom>
+          <a:noFill/>
+          <a:ln w="9525">
+            <a:noFill/>
+            <a:miter lim="800000"/>
+            <a:headEnd/>
+            <a:tailEnd/>
+          </a:ln>
+          <a:effectLst/>
+        </p:spPr>
+      </p:pic>
+    </p:spTree>
+  </p:cSld>
+  <p:clrMapOvr>
+    <a:masterClrMapping/>
+  </p:clrMapOvr>
+  <p:timing>
+    <p:tnLst>
+      <p:par>
+        <p:cTn id="1" dur="indefinite" restart="never" nodeType="tmRoot"/>
+      </p:par>
+    </p:tnLst>
+  </p:timing>
+</p:sld>
+</file>
+
+<file path=ppt/slides/slide71.xml><?xml version="1.0" encoding="utf-8"?>
+<p:sld xmlns:a="http://schemas.openxmlformats.org/drawingml/2006/main" xmlns:r="http://schemas.openxmlformats.org/officeDocument/2006/relationships" xmlns:p="http://schemas.openxmlformats.org/presentationml/2006/main">
+  <p:cSld>
+    <p:spTree>
+      <p:nvGrpSpPr>
+        <p:cNvPr id="1" name=""/>
+        <p:cNvGrpSpPr/>
+        <p:nvPr/>
+      </p:nvGrpSpPr>
+      <p:grpSpPr>
+        <a:xfrm>
+          <a:off x="0" y="0"/>
+          <a:ext cx="0" cy="0"/>
+          <a:chOff x="0" y="0"/>
+          <a:chExt cx="0" cy="0"/>
+        </a:xfrm>
+      </p:grpSpPr>
+      <p:sp>
+        <p:nvSpPr>
+          <p:cNvPr id="2" name="Title 1"/>
+          <p:cNvSpPr>
+            <a:spLocks noGrp="1"/>
+          </p:cNvSpPr>
+          <p:nvPr>
+            <p:ph type="title"/>
+          </p:nvPr>
+        </p:nvSpPr>
+        <p:spPr/>
+        <p:txBody>
+          <a:bodyPr/>
+          <a:lstStyle/>
+          <a:p>
+            <a:r>
+              <a:rPr lang="en-US" dirty="0" smtClean="0"/>
+              <a:t>Problems with Digital Triggers</a:t>
+            </a:r>
+            <a:endParaRPr lang="en-US" dirty="0"/>
+          </a:p>
+        </p:txBody>
+      </p:sp>
+      <p:sp>
+        <p:nvSpPr>
+          <p:cNvPr id="4" name="Date Placeholder 3"/>
+          <p:cNvSpPr>
+            <a:spLocks noGrp="1"/>
+          </p:cNvSpPr>
+          <p:nvPr>
+            <p:ph type="dt" sz="half" idx="10"/>
+          </p:nvPr>
+        </p:nvSpPr>
+        <p:spPr/>
+        <p:txBody>
+          <a:bodyPr/>
+          <a:lstStyle/>
+          <a:p>
+            <a:r>
+              <a:rPr lang="en-US" smtClean="0"/>
+              <a:t>2015-04-07</a:t>
+            </a:r>
+            <a:endParaRPr lang="en-US"/>
+          </a:p>
+        </p:txBody>
+      </p:sp>
+      <p:sp>
+        <p:nvSpPr>
+          <p:cNvPr id="5" name="Footer Placeholder 4"/>
+          <p:cNvSpPr>
+            <a:spLocks noGrp="1"/>
+          </p:cNvSpPr>
+          <p:nvPr>
+            <p:ph type="ftr" sz="quarter" idx="11"/>
+          </p:nvPr>
+        </p:nvSpPr>
+        <p:spPr/>
+        <p:txBody>
+          <a:bodyPr/>
+          <a:lstStyle/>
+          <a:p>
+            <a:r>
+              <a:rPr lang="en-US" smtClean="0"/>
+              <a:t>Data Acquisition</a:t>
+            </a:r>
+            <a:endParaRPr lang="en-US"/>
+          </a:p>
+        </p:txBody>
+      </p:sp>
+      <p:sp>
+        <p:nvSpPr>
+          <p:cNvPr id="6" name="Slide Number Placeholder 5"/>
+          <p:cNvSpPr>
+            <a:spLocks noGrp="1"/>
+          </p:cNvSpPr>
+          <p:nvPr>
+            <p:ph type="sldNum" sz="quarter" idx="12"/>
+          </p:nvPr>
+        </p:nvSpPr>
+        <p:spPr/>
+        <p:txBody>
+          <a:bodyPr/>
+          <a:lstStyle/>
+          <a:p>
+            <a:fld id="{FD7EC6EF-94A2-4537-B1EB-15D4E295B108}" type="slidenum">
+              <a:rPr lang="en-US" smtClean="0"/>
+              <a:pPr/>
+              <a:t>71</a:t>
+            </a:fld>
+            <a:endParaRPr lang="en-US"/>
+          </a:p>
+        </p:txBody>
+      </p:sp>
+      <p:sp>
+        <p:nvSpPr>
+          <p:cNvPr id="9" name="TextBox 8"/>
+          <p:cNvSpPr txBox="1"/>
+          <p:nvPr/>
+        </p:nvSpPr>
+        <p:spPr>
+          <a:xfrm>
+            <a:off x="228600" y="6248400"/>
+            <a:ext cx="3850734" cy="246221"/>
+          </a:xfrm>
+          <a:prstGeom prst="rect">
+            <a:avLst/>
+          </a:prstGeom>
+          <a:noFill/>
+        </p:spPr>
+        <p:txBody>
+          <a:bodyPr wrap="none" rtlCol="0">
+            <a:spAutoFit/>
+          </a:bodyPr>
+          <a:lstStyle/>
+          <a:p>
+            <a:r>
+              <a:rPr lang="en-US" sz="1000" dirty="0" smtClean="0"/>
+              <a:t>Figure from http://www.interfacebus.com/voltage_LV_threshold.html</a:t>
+            </a:r>
+            <a:endParaRPr lang="en-US" sz="1000" dirty="0"/>
+          </a:p>
+        </p:txBody>
+      </p:sp>
+      <p:sp>
+        <p:nvSpPr>
+          <p:cNvPr id="12" name="TextBox 11"/>
+          <p:cNvSpPr txBox="1"/>
+          <p:nvPr/>
+        </p:nvSpPr>
+        <p:spPr>
+          <a:xfrm>
+            <a:off x="3657600" y="1066800"/>
+            <a:ext cx="935256" cy="369332"/>
+          </a:xfrm>
+          <a:prstGeom prst="rect">
+            <a:avLst/>
+          </a:prstGeom>
+          <a:noFill/>
+        </p:spPr>
+        <p:txBody>
+          <a:bodyPr wrap="none" rtlCol="0">
+            <a:spAutoFit/>
+          </a:bodyPr>
+          <a:lstStyle/>
+          <a:p>
+            <a:r>
+              <a:rPr lang="en-US" dirty="0" smtClean="0"/>
+              <a:t>Glitches</a:t>
+            </a:r>
+            <a:endParaRPr lang="en-US" dirty="0"/>
+          </a:p>
+        </p:txBody>
+      </p:sp>
+      <p:sp>
+        <p:nvSpPr>
+          <p:cNvPr id="10" name="Content Placeholder 9"/>
+          <p:cNvSpPr>
+            <a:spLocks noGrp="1"/>
+          </p:cNvSpPr>
+          <p:nvPr>
+            <p:ph idx="1"/>
+          </p:nvPr>
+        </p:nvSpPr>
+        <p:spPr>
+          <a:xfrm>
+            <a:off x="228600" y="1600200"/>
+            <a:ext cx="8686800" cy="4525963"/>
+          </a:xfrm>
+        </p:spPr>
+        <p:txBody>
+          <a:bodyPr/>
+          <a:lstStyle/>
+          <a:p>
+            <a:endParaRPr lang="en-US" dirty="0"/>
+          </a:p>
+        </p:txBody>
+      </p:sp>
+    </p:spTree>
+  </p:cSld>
+  <p:clrMapOvr>
+    <a:masterClrMapping/>
+  </p:clrMapOvr>
+  <p:timing>
+    <p:tnLst>
+      <p:par>
+        <p:cTn id="1" dur="indefinite" restart="never" nodeType="tmRoot"/>
+      </p:par>
+    </p:tnLst>
+  </p:timing>
+</p:sld>
+</file>
+
+<file path=ppt/slides/slide72.xml><?xml version="1.0" encoding="utf-8"?>
+<p:sld xmlns:a="http://schemas.openxmlformats.org/drawingml/2006/main" xmlns:r="http://schemas.openxmlformats.org/officeDocument/2006/relationships" xmlns:p="http://schemas.openxmlformats.org/presentationml/2006/main">
+  <p:cSld>
+    <p:spTree>
+      <p:nvGrpSpPr>
+        <p:cNvPr id="1" name=""/>
+        <p:cNvGrpSpPr/>
+        <p:nvPr/>
+      </p:nvGrpSpPr>
+      <p:grpSpPr>
+        <a:xfrm>
+          <a:off x="0" y="0"/>
+          <a:ext cx="0" cy="0"/>
+          <a:chOff x="0" y="0"/>
+          <a:chExt cx="0" cy="0"/>
+        </a:xfrm>
+      </p:grpSpPr>
+      <p:sp>
+        <p:nvSpPr>
+          <p:cNvPr id="2" name="Title 1"/>
+          <p:cNvSpPr>
+            <a:spLocks noGrp="1"/>
+          </p:cNvSpPr>
+          <p:nvPr>
+            <p:ph type="title"/>
+          </p:nvPr>
+        </p:nvSpPr>
+        <p:spPr/>
+        <p:txBody>
+          <a:bodyPr/>
+          <a:lstStyle/>
+          <a:p>
+            <a:r>
+              <a:rPr lang="en-US" dirty="0" smtClean="0"/>
+              <a:t>Review</a:t>
+            </a:r>
+            <a:endParaRPr lang="en-US" dirty="0"/>
+          </a:p>
+        </p:txBody>
+      </p:sp>
+      <p:sp>
+        <p:nvSpPr>
+          <p:cNvPr id="4" name="Date Placeholder 3"/>
+          <p:cNvSpPr>
+            <a:spLocks noGrp="1"/>
+          </p:cNvSpPr>
+          <p:nvPr>
+            <p:ph type="dt" sz="half" idx="10"/>
+          </p:nvPr>
+        </p:nvSpPr>
+        <p:spPr/>
+        <p:txBody>
+          <a:bodyPr/>
+          <a:lstStyle/>
+          <a:p>
+            <a:r>
+              <a:rPr lang="en-US" smtClean="0"/>
+              <a:t>2015-04-07</a:t>
+            </a:r>
+            <a:endParaRPr lang="en-US"/>
+          </a:p>
+        </p:txBody>
+      </p:sp>
+      <p:sp>
+        <p:nvSpPr>
+          <p:cNvPr id="5" name="Footer Placeholder 4"/>
+          <p:cNvSpPr>
+            <a:spLocks noGrp="1"/>
+          </p:cNvSpPr>
+          <p:nvPr>
+            <p:ph type="ftr" sz="quarter" idx="11"/>
+          </p:nvPr>
+        </p:nvSpPr>
+        <p:spPr/>
+        <p:txBody>
+          <a:bodyPr/>
+          <a:lstStyle/>
+          <a:p>
+            <a:r>
+              <a:rPr lang="en-US" smtClean="0"/>
+              <a:t>Data Acquisition</a:t>
+            </a:r>
+            <a:endParaRPr lang="en-US"/>
+          </a:p>
+        </p:txBody>
+      </p:sp>
+      <p:sp>
+        <p:nvSpPr>
+          <p:cNvPr id="6" name="Slide Number Placeholder 5"/>
+          <p:cNvSpPr>
+            <a:spLocks noGrp="1"/>
+          </p:cNvSpPr>
+          <p:nvPr>
+            <p:ph type="sldNum" sz="quarter" idx="12"/>
+          </p:nvPr>
+        </p:nvSpPr>
+        <p:spPr/>
+        <p:txBody>
+          <a:bodyPr/>
+          <a:lstStyle/>
+          <a:p>
+            <a:fld id="{FD7EC6EF-94A2-4537-B1EB-15D4E295B108}" type="slidenum">
+              <a:rPr lang="en-US" smtClean="0"/>
+              <a:pPr/>
+              <a:t>72</a:t>
             </a:fld>
             <a:endParaRPr lang="en-US"/>
           </a:p>
@@ -47500,7 +48204,7 @@
 </p:sld>
 </file>
 
-<file path=ppt/slides/slide71.xml><?xml version="1.0" encoding="utf-8"?>
+<file path=ppt/slides/slide73.xml><?xml version="1.0" encoding="utf-8"?>
 <p:sld xmlns:a="http://schemas.openxmlformats.org/drawingml/2006/main" xmlns:r="http://schemas.openxmlformats.org/officeDocument/2006/relationships" xmlns:p="http://schemas.openxmlformats.org/presentationml/2006/main">
   <p:cSld>
     <p:spTree>
@@ -47642,7 +48346,7 @@
             <a:fld id="{FD7EC6EF-94A2-4537-B1EB-15D4E295B108}" type="slidenum">
               <a:rPr lang="en-US" smtClean="0"/>
               <a:pPr/>
-              <a:t>71</a:t>
+              <a:t>73</a:t>
             </a:fld>
             <a:endParaRPr lang="en-US"/>
           </a:p>
